--- a/Academia/Apresentação PG/Apresentação PG.pptx
+++ b/Academia/Apresentação PG/Apresentação PG.pptx
@@ -32,10 +32,23 @@
     <p:sldId id="280" r:id="rId26"/>
     <p:sldId id="281" r:id="rId27"/>
     <p:sldId id="283" r:id="rId28"/>
-    <p:sldId id="282" r:id="rId29"/>
-    <p:sldId id="284" r:id="rId30"/>
-    <p:sldId id="285" r:id="rId31"/>
-    <p:sldId id="286" r:id="rId32"/>
+    <p:sldId id="287" r:id="rId29"/>
+    <p:sldId id="282" r:id="rId30"/>
+    <p:sldId id="284" r:id="rId31"/>
+    <p:sldId id="285" r:id="rId32"/>
+    <p:sldId id="286" r:id="rId33"/>
+    <p:sldId id="288" r:id="rId34"/>
+    <p:sldId id="289" r:id="rId35"/>
+    <p:sldId id="290" r:id="rId36"/>
+    <p:sldId id="291" r:id="rId37"/>
+    <p:sldId id="292" r:id="rId38"/>
+    <p:sldId id="293" r:id="rId39"/>
+    <p:sldId id="294" r:id="rId40"/>
+    <p:sldId id="295" r:id="rId41"/>
+    <p:sldId id="296" r:id="rId42"/>
+    <p:sldId id="297" r:id="rId43"/>
+    <p:sldId id="298" r:id="rId44"/>
+    <p:sldId id="299" r:id="rId45"/>
   </p:sldIdLst>
   <p:sldSz cx="9144000" cy="6858000" type="screen4x3"/>
   <p:notesSz cx="6858000" cy="9144000"/>
@@ -762,7 +775,7 @@
           <a:p>
             <a:fld id="{2E700DB3-DBF0-4086-B675-117E7A9610B8}" type="datetimeFigureOut">
               <a:rPr lang="pt-BR" smtClean="0"/>
-              <a:t>31/07/2017</a:t>
+              <a:t>01/08/2017</a:t>
             </a:fld>
             <a:endParaRPr lang="pt-BR"/>
           </a:p>
@@ -958,7 +971,7 @@
           <a:p>
             <a:fld id="{2E700DB3-DBF0-4086-B675-117E7A9610B8}" type="datetimeFigureOut">
               <a:rPr lang="pt-BR" smtClean="0"/>
-              <a:t>31/07/2017</a:t>
+              <a:t>01/08/2017</a:t>
             </a:fld>
             <a:endParaRPr lang="pt-BR"/>
           </a:p>
@@ -1143,7 +1156,7 @@
           <a:p>
             <a:fld id="{2E700DB3-DBF0-4086-B675-117E7A9610B8}" type="datetimeFigureOut">
               <a:rPr lang="pt-BR" smtClean="0"/>
-              <a:t>31/07/2017</a:t>
+              <a:t>01/08/2017</a:t>
             </a:fld>
             <a:endParaRPr lang="pt-BR"/>
           </a:p>
@@ -1293,7 +1306,7 @@
           <a:p>
             <a:fld id="{2E700DB3-DBF0-4086-B675-117E7A9610B8}" type="datetimeFigureOut">
               <a:rPr lang="pt-BR" smtClean="0"/>
-              <a:t>31/07/2017</a:t>
+              <a:t>01/08/2017</a:t>
             </a:fld>
             <a:endParaRPr lang="pt-BR"/>
           </a:p>
@@ -1548,7 +1561,7 @@
           <a:p>
             <a:fld id="{2E700DB3-DBF0-4086-B675-117E7A9610B8}" type="datetimeFigureOut">
               <a:rPr lang="pt-BR" smtClean="0"/>
-              <a:t>31/07/2017</a:t>
+              <a:t>01/08/2017</a:t>
             </a:fld>
             <a:endParaRPr lang="pt-BR"/>
           </a:p>
@@ -1957,7 +1970,7 @@
           <a:p>
             <a:fld id="{2E700DB3-DBF0-4086-B675-117E7A9610B8}" type="datetimeFigureOut">
               <a:rPr lang="pt-BR" smtClean="0"/>
-              <a:t>31/07/2017</a:t>
+              <a:t>01/08/2017</a:t>
             </a:fld>
             <a:endParaRPr lang="pt-BR"/>
           </a:p>
@@ -2403,7 +2416,7 @@
           <a:p>
             <a:fld id="{2E700DB3-DBF0-4086-B675-117E7A9610B8}" type="datetimeFigureOut">
               <a:rPr lang="pt-BR" smtClean="0"/>
-              <a:t>31/07/2017</a:t>
+              <a:t>01/08/2017</a:t>
             </a:fld>
             <a:endParaRPr lang="pt-BR"/>
           </a:p>
@@ -2504,7 +2517,7 @@
           <a:p>
             <a:fld id="{2E700DB3-DBF0-4086-B675-117E7A9610B8}" type="datetimeFigureOut">
               <a:rPr lang="pt-BR" smtClean="0"/>
-              <a:t>31/07/2017</a:t>
+              <a:t>01/08/2017</a:t>
             </a:fld>
             <a:endParaRPr lang="pt-BR"/>
           </a:p>
@@ -2625,7 +2638,7 @@
           <a:p>
             <a:fld id="{2E700DB3-DBF0-4086-B675-117E7A9610B8}" type="datetimeFigureOut">
               <a:rPr lang="pt-BR" smtClean="0"/>
-              <a:t>31/07/2017</a:t>
+              <a:t>01/08/2017</a:t>
             </a:fld>
             <a:endParaRPr lang="pt-BR"/>
           </a:p>
@@ -2899,7 +2912,7 @@
           <a:p>
             <a:fld id="{2E700DB3-DBF0-4086-B675-117E7A9610B8}" type="datetimeFigureOut">
               <a:rPr lang="pt-BR" smtClean="0"/>
-              <a:t>31/07/2017</a:t>
+              <a:t>01/08/2017</a:t>
             </a:fld>
             <a:endParaRPr lang="pt-BR"/>
           </a:p>
@@ -3104,7 +3117,7 @@
           <a:p>
             <a:fld id="{2E700DB3-DBF0-4086-B675-117E7A9610B8}" type="datetimeFigureOut">
               <a:rPr lang="pt-BR" smtClean="0"/>
-              <a:t>31/07/2017</a:t>
+              <a:t>01/08/2017</a:t>
             </a:fld>
             <a:endParaRPr lang="pt-BR"/>
           </a:p>
@@ -4213,7 +4226,7 @@
           <a:p>
             <a:fld id="{2E700DB3-DBF0-4086-B675-117E7A9610B8}" type="datetimeFigureOut">
               <a:rPr lang="pt-BR" smtClean="0"/>
-              <a:t>31/07/2017</a:t>
+              <a:t>01/08/2017</a:t>
             </a:fld>
             <a:endParaRPr lang="pt-BR"/>
           </a:p>
@@ -4855,8 +4868,8 @@
           </a:p>
         </p:txBody>
       </p:sp>
-      <mc:AlternateContent xmlns:mc="http://schemas.openxmlformats.org/markup-compatibility/2006">
-        <mc:Choice xmlns:a14="http://schemas.microsoft.com/office/drawing/2010/main" Requires="a14">
+      <mc:AlternateContent xmlns:mc="http://schemas.openxmlformats.org/markup-compatibility/2006" xmlns:a14="http://schemas.microsoft.com/office/drawing/2010/main">
+        <mc:Choice Requires="a14">
           <p:sp>
             <p:nvSpPr>
               <p:cNvPr id="9" name="CaixaDeTexto 8"/>
@@ -4983,7 +4996,7 @@
             </p:txBody>
           </p:sp>
         </mc:Choice>
-        <mc:Fallback>
+        <mc:Fallback xmlns="">
           <p:sp>
             <p:nvSpPr>
               <p:cNvPr id="9" name="CaixaDeTexto 8"/>
@@ -5340,7 +5353,6 @@
               <a:rPr lang="pt-BR" sz="2000" dirty="0"/>
               <a:t>(1) (CORMEN, 2009).</a:t>
             </a:r>
-            <a:endParaRPr lang="pt-BR" sz="2000" dirty="0"/>
           </a:p>
         </p:txBody>
       </p:sp>
@@ -5759,7 +5771,6 @@
               <a:rPr lang="pt-BR" dirty="0"/>
               <a:t>|) (CORMEN, 2009).</a:t>
             </a:r>
-            <a:endParaRPr lang="pt-BR" dirty="0"/>
           </a:p>
         </p:txBody>
       </p:sp>
@@ -5847,11 +5858,7 @@
           <a:p>
             <a:r>
               <a:rPr lang="pt-BR" dirty="0" smtClean="0"/>
-              <a:t>Algoritmo </a:t>
-            </a:r>
-            <a:r>
-              <a:rPr lang="pt-BR" dirty="0" smtClean="0"/>
-              <a:t>A*</a:t>
+              <a:t>Algoritmo A*</a:t>
             </a:r>
             <a:endParaRPr lang="pt-BR" dirty="0"/>
           </a:p>
@@ -6624,7 +6631,6 @@
               <a:rPr lang="pt-BR" dirty="0" smtClean="0"/>
               <a:t>4.2 Algoritmo ARA*</a:t>
             </a:r>
-            <a:endParaRPr lang="pt-BR" dirty="0" smtClean="0"/>
           </a:p>
           <a:p>
             <a:endParaRPr lang="pt-BR" dirty="0" smtClean="0"/>
@@ -6741,14 +6747,15 @@
               <a:t>Grafos Dinâmicos</a:t>
             </a:r>
             <a:r>
-              <a:rPr lang="pt-BR" dirty="0" smtClean="0"/>
-              <a:t>.</a:t>
-            </a:r>
-          </a:p>
-          <a:p>
-            <a:r>
-              <a:rPr lang="pt-BR" dirty="0" smtClean="0"/>
-              <a:t>Podemos utilizar algoritmos estáticos para o cálculo;</a:t>
+              <a:rPr lang="pt-BR" dirty="0"/>
+              <a:t>;</a:t>
+            </a:r>
+            <a:endParaRPr lang="pt-BR" dirty="0" smtClean="0"/>
+          </a:p>
+          <a:p>
+            <a:r>
+              <a:rPr lang="pt-BR" dirty="0" smtClean="0"/>
+              <a:t>Podemos utilizar algoritmos estáticos para o cálculo de grafos dinâmicos, adaptando-os devidamente.</a:t>
             </a:r>
           </a:p>
           <a:p>
@@ -7137,6 +7144,95 @@
     </p:spTree>
     <p:extLst>
       <p:ext uri="{BB962C8B-B14F-4D97-AF65-F5344CB8AC3E}">
+        <p14:creationId xmlns:p14="http://schemas.microsoft.com/office/powerpoint/2010/main" val="3408793147"/>
+      </p:ext>
+    </p:extLst>
+  </p:cSld>
+  <p:clrMapOvr>
+    <a:masterClrMapping/>
+  </p:clrMapOvr>
+  <p:timing>
+    <p:tnLst>
+      <p:par>
+        <p:cTn id="1" dur="indefinite" restart="never" nodeType="tmRoot"/>
+      </p:par>
+    </p:tnLst>
+  </p:timing>
+</p:sld>
+</file>
+
+<file path=ppt/slides/slide29.xml><?xml version="1.0" encoding="utf-8"?>
+<p:sld xmlns:a="http://schemas.openxmlformats.org/drawingml/2006/main" xmlns:r="http://schemas.openxmlformats.org/officeDocument/2006/relationships" xmlns:p="http://schemas.openxmlformats.org/presentationml/2006/main">
+  <p:cSld>
+    <p:spTree>
+      <p:nvGrpSpPr>
+        <p:cNvPr id="1" name=""/>
+        <p:cNvGrpSpPr/>
+        <p:nvPr/>
+      </p:nvGrpSpPr>
+      <p:grpSpPr>
+        <a:xfrm>
+          <a:off x="0" y="0"/>
+          <a:ext cx="0" cy="0"/>
+          <a:chOff x="0" y="0"/>
+          <a:chExt cx="0" cy="0"/>
+        </a:xfrm>
+      </p:grpSpPr>
+      <p:pic>
+        <p:nvPicPr>
+          <p:cNvPr id="4" name="Espaço Reservado para Conteúdo 3"/>
+          <p:cNvPicPr>
+            <a:picLocks noGrp="1" noChangeAspect="1"/>
+          </p:cNvPicPr>
+          <p:nvPr>
+            <p:ph idx="1"/>
+          </p:nvPr>
+        </p:nvPicPr>
+        <p:blipFill>
+          <a:blip r:embed="rId2">
+            <a:extLst>
+              <a:ext uri="{28A0092B-C50C-407E-A947-70E740481C1C}">
+                <a14:useLocalDpi xmlns:a14="http://schemas.microsoft.com/office/drawing/2010/main" val="0"/>
+              </a:ext>
+            </a:extLst>
+          </a:blip>
+          <a:stretch>
+            <a:fillRect/>
+          </a:stretch>
+        </p:blipFill>
+        <p:spPr>
+          <a:xfrm>
+            <a:off x="457200" y="2602833"/>
+            <a:ext cx="8229600" cy="2282572"/>
+          </a:xfrm>
+        </p:spPr>
+      </p:pic>
+      <p:sp>
+        <p:nvSpPr>
+          <p:cNvPr id="3" name="Título 2"/>
+          <p:cNvSpPr>
+            <a:spLocks noGrp="1"/>
+          </p:cNvSpPr>
+          <p:nvPr>
+            <p:ph type="title"/>
+          </p:nvPr>
+        </p:nvSpPr>
+        <p:spPr/>
+        <p:txBody>
+          <a:bodyPr/>
+          <a:lstStyle/>
+          <a:p>
+            <a:r>
+              <a:rPr lang="pt-BR" dirty="0" smtClean="0"/>
+              <a:t>Algoritmo AD*</a:t>
+            </a:r>
+            <a:endParaRPr lang="pt-BR" dirty="0"/>
+          </a:p>
+        </p:txBody>
+      </p:sp>
+    </p:spTree>
+    <p:extLst>
+      <p:ext uri="{BB962C8B-B14F-4D97-AF65-F5344CB8AC3E}">
         <p14:creationId xmlns:p14="http://schemas.microsoft.com/office/powerpoint/2010/main" val="1441309183"/>
       </p:ext>
     </p:extLst>
@@ -7154,7 +7250,205 @@
 </p:sld>
 </file>
 
-<file path=ppt/slides/slide29.xml><?xml version="1.0" encoding="utf-8"?>
+<file path=ppt/slides/slide3.xml><?xml version="1.0" encoding="utf-8"?>
+<p:sld xmlns:a="http://schemas.openxmlformats.org/drawingml/2006/main" xmlns:r="http://schemas.openxmlformats.org/officeDocument/2006/relationships" xmlns:p="http://schemas.openxmlformats.org/presentationml/2006/main">
+  <p:cSld>
+    <p:spTree>
+      <p:nvGrpSpPr>
+        <p:cNvPr id="1" name=""/>
+        <p:cNvGrpSpPr/>
+        <p:nvPr/>
+      </p:nvGrpSpPr>
+      <p:grpSpPr>
+        <a:xfrm>
+          <a:off x="0" y="0"/>
+          <a:ext cx="0" cy="0"/>
+          <a:chOff x="0" y="0"/>
+          <a:chExt cx="0" cy="0"/>
+        </a:xfrm>
+      </p:grpSpPr>
+      <p:sp>
+        <p:nvSpPr>
+          <p:cNvPr id="2" name="Espaço Reservado para Conteúdo 1"/>
+          <p:cNvSpPr>
+            <a:spLocks noGrp="1"/>
+          </p:cNvSpPr>
+          <p:nvPr>
+            <p:ph idx="1"/>
+          </p:nvPr>
+        </p:nvSpPr>
+        <p:spPr/>
+        <p:txBody>
+          <a:bodyPr/>
+          <a:lstStyle/>
+          <a:p>
+            <a:r>
+              <a:rPr lang="pt-BR" dirty="0" smtClean="0"/>
+              <a:t>Proposto </a:t>
+            </a:r>
+            <a:r>
+              <a:rPr lang="pt-BR" dirty="0"/>
+              <a:t>por Edgar W. Dijkstra em 1959 </a:t>
+            </a:r>
+            <a:r>
+              <a:rPr lang="pt-BR" dirty="0" smtClean="0"/>
+              <a:t>(DIJKSTRA,1959);</a:t>
+            </a:r>
+          </a:p>
+          <a:p>
+            <a:r>
+              <a:rPr lang="pt-BR" dirty="0"/>
+              <a:t>tem por objetivo definir o menor caminho partindo do vértice origem </a:t>
+            </a:r>
+            <a:r>
+              <a:rPr lang="pt-BR" i="1" dirty="0" err="1" smtClean="0"/>
+              <a:t>v</a:t>
+            </a:r>
+            <a:r>
+              <a:rPr lang="pt-BR" i="1" baseline="-25000" dirty="0" err="1" smtClean="0"/>
+              <a:t>s</a:t>
+            </a:r>
+            <a:r>
+              <a:rPr lang="pt-BR" i="1" dirty="0" smtClean="0"/>
+              <a:t> </a:t>
+            </a:r>
+            <a:r>
+              <a:rPr lang="pt-BR" dirty="0" smtClean="0"/>
+              <a:t>e chegando </a:t>
+            </a:r>
+            <a:r>
+              <a:rPr lang="pt-BR" dirty="0"/>
+              <a:t>a todos os demais vértices </a:t>
+            </a:r>
+            <a:r>
+              <a:rPr lang="pt-BR" i="1" dirty="0"/>
+              <a:t>v</a:t>
+            </a:r>
+            <a:r>
+              <a:rPr lang="pt-BR" i="1" baseline="-25000" dirty="0"/>
+              <a:t>i</a:t>
+            </a:r>
+            <a:r>
+              <a:rPr lang="pt-BR" i="1" dirty="0"/>
+              <a:t> </a:t>
+            </a:r>
+            <a:r>
+              <a:rPr lang="pt-BR" dirty="0"/>
+              <a:t>do </a:t>
+            </a:r>
+            <a:r>
+              <a:rPr lang="pt-BR" dirty="0" smtClean="0"/>
+              <a:t>grafo </a:t>
+            </a:r>
+            <a:r>
+              <a:rPr lang="pt-BR" dirty="0"/>
+              <a:t>G = (V,E</a:t>
+            </a:r>
+            <a:r>
+              <a:rPr lang="pt-BR" dirty="0" smtClean="0"/>
+              <a:t>);</a:t>
+            </a:r>
+          </a:p>
+          <a:p>
+            <a:r>
+              <a:rPr lang="pt-BR" dirty="0" smtClean="0"/>
+              <a:t>Todos os pesos </a:t>
+            </a:r>
+            <a:r>
+              <a:rPr lang="pt-BR" i="1" dirty="0"/>
+              <a:t>w</a:t>
+            </a:r>
+            <a:r>
+              <a:rPr lang="pt-BR" dirty="0"/>
+              <a:t>(</a:t>
+            </a:r>
+            <a:r>
+              <a:rPr lang="pt-BR" i="1" dirty="0"/>
+              <a:t>u, v</a:t>
+            </a:r>
+            <a:r>
+              <a:rPr lang="pt-BR" dirty="0"/>
+              <a:t>) </a:t>
+            </a:r>
+            <a:r>
+              <a:rPr lang="pt-BR" dirty="0" smtClean="0"/>
+              <a:t>devem ser maiores </a:t>
+            </a:r>
+            <a:r>
+              <a:rPr lang="pt-BR" dirty="0"/>
+              <a:t>ou iguais a zero </a:t>
+            </a:r>
+            <a:r>
+              <a:rPr lang="pt-BR" dirty="0" smtClean="0"/>
+              <a:t>para toda </a:t>
+            </a:r>
+            <a:r>
+              <a:rPr lang="pt-BR" dirty="0"/>
+              <a:t>aresta </a:t>
+            </a:r>
+            <a:r>
+              <a:rPr lang="pt-BR" i="1" dirty="0"/>
+              <a:t>E </a:t>
+            </a:r>
+            <a:r>
+              <a:rPr lang="pt-BR" dirty="0"/>
+              <a:t>do grafo </a:t>
+            </a:r>
+            <a:r>
+              <a:rPr lang="pt-BR" i="1" dirty="0"/>
+              <a:t>G </a:t>
+            </a:r>
+            <a:r>
+              <a:rPr lang="pt-BR" dirty="0"/>
+              <a:t>(CORMEN, 2009).</a:t>
+            </a:r>
+          </a:p>
+        </p:txBody>
+      </p:sp>
+      <p:sp>
+        <p:nvSpPr>
+          <p:cNvPr id="3" name="Título 2"/>
+          <p:cNvSpPr>
+            <a:spLocks noGrp="1"/>
+          </p:cNvSpPr>
+          <p:nvPr>
+            <p:ph type="title"/>
+          </p:nvPr>
+        </p:nvSpPr>
+        <p:spPr/>
+        <p:txBody>
+          <a:bodyPr/>
+          <a:lstStyle/>
+          <a:p>
+            <a:r>
+              <a:rPr lang="pt-BR" dirty="0" smtClean="0"/>
+              <a:t>Algoritmo de Dijkstra</a:t>
+            </a:r>
+            <a:endParaRPr lang="pt-BR" dirty="0"/>
+          </a:p>
+        </p:txBody>
+      </p:sp>
+    </p:spTree>
+    <p:extLst>
+      <p:ext uri="{BB962C8B-B14F-4D97-AF65-F5344CB8AC3E}">
+        <p14:creationId xmlns:p14="http://schemas.microsoft.com/office/powerpoint/2010/main" val="145848485"/>
+      </p:ext>
+    </p:extLst>
+  </p:cSld>
+  <p:clrMapOvr>
+    <a:masterClrMapping/>
+  </p:clrMapOvr>
+  <p:timing>
+    <p:tnLst>
+      <p:par>
+        <p:cTn id="1" dur="indefinite" restart="never" nodeType="tmRoot"/>
+      </p:par>
+    </p:tnLst>
+  </p:timing>
+</p:sld>
+</file>
+
+<file path=ppt/slides/slide30.xml><?xml version="1.0" encoding="utf-8"?>
 <p:sld xmlns:a="http://schemas.openxmlformats.org/drawingml/2006/main" xmlns:r="http://schemas.openxmlformats.org/officeDocument/2006/relationships" xmlns:p="http://schemas.openxmlformats.org/presentationml/2006/main">
   <p:cSld>
     <p:spTree>
@@ -7243,209 +7537,7 @@
 </p:sld>
 </file>
 
-<file path=ppt/slides/slide3.xml><?xml version="1.0" encoding="utf-8"?>
-<p:sld xmlns:a="http://schemas.openxmlformats.org/drawingml/2006/main" xmlns:r="http://schemas.openxmlformats.org/officeDocument/2006/relationships" xmlns:p="http://schemas.openxmlformats.org/presentationml/2006/main">
-  <p:cSld>
-    <p:spTree>
-      <p:nvGrpSpPr>
-        <p:cNvPr id="1" name=""/>
-        <p:cNvGrpSpPr/>
-        <p:nvPr/>
-      </p:nvGrpSpPr>
-      <p:grpSpPr>
-        <a:xfrm>
-          <a:off x="0" y="0"/>
-          <a:ext cx="0" cy="0"/>
-          <a:chOff x="0" y="0"/>
-          <a:chExt cx="0" cy="0"/>
-        </a:xfrm>
-      </p:grpSpPr>
-      <p:sp>
-        <p:nvSpPr>
-          <p:cNvPr id="2" name="Espaço Reservado para Conteúdo 1"/>
-          <p:cNvSpPr>
-            <a:spLocks noGrp="1"/>
-          </p:cNvSpPr>
-          <p:nvPr>
-            <p:ph idx="1"/>
-          </p:nvPr>
-        </p:nvSpPr>
-        <p:spPr/>
-        <p:txBody>
-          <a:bodyPr/>
-          <a:lstStyle/>
-          <a:p>
-            <a:r>
-              <a:rPr lang="pt-BR" dirty="0" smtClean="0"/>
-              <a:t>Proposto </a:t>
-            </a:r>
-            <a:r>
-              <a:rPr lang="pt-BR" dirty="0"/>
-              <a:t>por Edgar W. Dijkstra em 1959 </a:t>
-            </a:r>
-            <a:r>
-              <a:rPr lang="pt-BR" dirty="0" smtClean="0"/>
-              <a:t>(DIJKSTRA,1959);</a:t>
-            </a:r>
-          </a:p>
-          <a:p>
-            <a:r>
-              <a:rPr lang="pt-BR" dirty="0"/>
-              <a:t>tem por objetivo definir o menor caminho partindo do vértice origem </a:t>
-            </a:r>
-            <a:r>
-              <a:rPr lang="pt-BR" i="1" dirty="0" err="1" smtClean="0"/>
-              <a:t>v</a:t>
-            </a:r>
-            <a:r>
-              <a:rPr lang="pt-BR" i="1" baseline="-25000" dirty="0" err="1" smtClean="0"/>
-              <a:t>s</a:t>
-            </a:r>
-            <a:r>
-              <a:rPr lang="pt-BR" i="1" dirty="0" smtClean="0"/>
-              <a:t> </a:t>
-            </a:r>
-            <a:r>
-              <a:rPr lang="pt-BR" dirty="0" smtClean="0"/>
-              <a:t>e chegando </a:t>
-            </a:r>
-            <a:r>
-              <a:rPr lang="pt-BR" dirty="0"/>
-              <a:t>a todos os demais vértices </a:t>
-            </a:r>
-            <a:r>
-              <a:rPr lang="pt-BR" i="1" dirty="0"/>
-              <a:t>v</a:t>
-            </a:r>
-            <a:r>
-              <a:rPr lang="pt-BR" i="1" baseline="-25000" dirty="0"/>
-              <a:t>i</a:t>
-            </a:r>
-            <a:r>
-              <a:rPr lang="pt-BR" i="1" dirty="0"/>
-              <a:t> </a:t>
-            </a:r>
-            <a:r>
-              <a:rPr lang="pt-BR" dirty="0"/>
-              <a:t>do </a:t>
-            </a:r>
-            <a:r>
-              <a:rPr lang="pt-BR" dirty="0" smtClean="0"/>
-              <a:t>grafo </a:t>
-            </a:r>
-            <a:r>
-              <a:rPr lang="pt-BR" dirty="0"/>
-              <a:t>G = (V,E</a:t>
-            </a:r>
-            <a:r>
-              <a:rPr lang="pt-BR" dirty="0" smtClean="0"/>
-              <a:t>);</a:t>
-            </a:r>
-          </a:p>
-          <a:p>
-            <a:r>
-              <a:rPr lang="pt-BR" dirty="0" smtClean="0"/>
-              <a:t>Todos os </a:t>
-            </a:r>
-            <a:r>
-              <a:rPr lang="pt-BR" dirty="0" smtClean="0"/>
-              <a:t>pesos </a:t>
-            </a:r>
-            <a:r>
-              <a:rPr lang="pt-BR" i="1" dirty="0"/>
-              <a:t>w</a:t>
-            </a:r>
-            <a:r>
-              <a:rPr lang="pt-BR" dirty="0"/>
-              <a:t>(</a:t>
-            </a:r>
-            <a:r>
-              <a:rPr lang="pt-BR" i="1" dirty="0"/>
-              <a:t>u, v</a:t>
-            </a:r>
-            <a:r>
-              <a:rPr lang="pt-BR" dirty="0"/>
-              <a:t>) </a:t>
-            </a:r>
-            <a:r>
-              <a:rPr lang="pt-BR" dirty="0" smtClean="0"/>
-              <a:t>devem ser maiores </a:t>
-            </a:r>
-            <a:r>
-              <a:rPr lang="pt-BR" dirty="0"/>
-              <a:t>ou iguais a zero </a:t>
-            </a:r>
-            <a:r>
-              <a:rPr lang="pt-BR" dirty="0" smtClean="0"/>
-              <a:t>para toda </a:t>
-            </a:r>
-            <a:r>
-              <a:rPr lang="pt-BR" dirty="0"/>
-              <a:t>aresta </a:t>
-            </a:r>
-            <a:r>
-              <a:rPr lang="pt-BR" i="1" dirty="0"/>
-              <a:t>E </a:t>
-            </a:r>
-            <a:r>
-              <a:rPr lang="pt-BR" dirty="0"/>
-              <a:t>do grafo </a:t>
-            </a:r>
-            <a:r>
-              <a:rPr lang="pt-BR" i="1" dirty="0"/>
-              <a:t>G </a:t>
-            </a:r>
-            <a:r>
-              <a:rPr lang="pt-BR" dirty="0"/>
-              <a:t>(CORMEN, 2009).</a:t>
-            </a:r>
-          </a:p>
-        </p:txBody>
-      </p:sp>
-      <p:sp>
-        <p:nvSpPr>
-          <p:cNvPr id="3" name="Título 2"/>
-          <p:cNvSpPr>
-            <a:spLocks noGrp="1"/>
-          </p:cNvSpPr>
-          <p:nvPr>
-            <p:ph type="title"/>
-          </p:nvPr>
-        </p:nvSpPr>
-        <p:spPr/>
-        <p:txBody>
-          <a:bodyPr/>
-          <a:lstStyle/>
-          <a:p>
-            <a:r>
-              <a:rPr lang="pt-BR" dirty="0" smtClean="0"/>
-              <a:t>Algoritmo de Dijkstra</a:t>
-            </a:r>
-            <a:endParaRPr lang="pt-BR" dirty="0"/>
-          </a:p>
-        </p:txBody>
-      </p:sp>
-    </p:spTree>
-    <p:extLst>
-      <p:ext uri="{BB962C8B-B14F-4D97-AF65-F5344CB8AC3E}">
-        <p14:creationId xmlns:p14="http://schemas.microsoft.com/office/powerpoint/2010/main" val="145848485"/>
-      </p:ext>
-    </p:extLst>
-  </p:cSld>
-  <p:clrMapOvr>
-    <a:masterClrMapping/>
-  </p:clrMapOvr>
-  <p:timing>
-    <p:tnLst>
-      <p:par>
-        <p:cTn id="1" dur="indefinite" restart="never" nodeType="tmRoot"/>
-      </p:par>
-    </p:tnLst>
-  </p:timing>
-</p:sld>
-</file>
-
-<file path=ppt/slides/slide30.xml><?xml version="1.0" encoding="utf-8"?>
+<file path=ppt/slides/slide31.xml><?xml version="1.0" encoding="utf-8"?>
 <p:sld xmlns:a="http://schemas.openxmlformats.org/drawingml/2006/main" xmlns:r="http://schemas.openxmlformats.org/officeDocument/2006/relationships" xmlns:p="http://schemas.openxmlformats.org/presentationml/2006/main">
   <p:cSld>
     <p:spTree>
@@ -7534,7 +7626,7 @@
 </p:sld>
 </file>
 
-<file path=ppt/slides/slide31.xml><?xml version="1.0" encoding="utf-8"?>
+<file path=ppt/slides/slide32.xml><?xml version="1.0" encoding="utf-8"?>
 <p:sld xmlns:a="http://schemas.openxmlformats.org/drawingml/2006/main" xmlns:r="http://schemas.openxmlformats.org/officeDocument/2006/relationships" xmlns:p="http://schemas.openxmlformats.org/presentationml/2006/main">
   <p:cSld>
     <p:spTree>
@@ -7593,11 +7685,7 @@
           <a:p>
             <a:r>
               <a:rPr lang="pt-BR" dirty="0" smtClean="0"/>
-              <a:t>5</a:t>
-            </a:r>
-            <a:r>
-              <a:rPr lang="pt-BR" dirty="0" smtClean="0"/>
-              <a:t>.1 Algoritmo de Dijkstra</a:t>
+              <a:t>5.1 Algoritmo de Dijkstra</a:t>
             </a:r>
           </a:p>
           <a:p>
@@ -7625,6 +7713,718 @@
     <p:extLst>
       <p:ext uri="{BB962C8B-B14F-4D97-AF65-F5344CB8AC3E}">
         <p14:creationId xmlns:p14="http://schemas.microsoft.com/office/powerpoint/2010/main" val="217444243"/>
+      </p:ext>
+    </p:extLst>
+  </p:cSld>
+  <p:clrMapOvr>
+    <a:masterClrMapping/>
+  </p:clrMapOvr>
+  <p:timing>
+    <p:tnLst>
+      <p:par>
+        <p:cTn id="1" dur="indefinite" restart="never" nodeType="tmRoot"/>
+      </p:par>
+    </p:tnLst>
+  </p:timing>
+</p:sld>
+</file>
+
+<file path=ppt/slides/slide33.xml><?xml version="1.0" encoding="utf-8"?>
+<p:sld xmlns:a="http://schemas.openxmlformats.org/drawingml/2006/main" xmlns:r="http://schemas.openxmlformats.org/officeDocument/2006/relationships" xmlns:p="http://schemas.openxmlformats.org/presentationml/2006/main">
+  <p:cSld>
+    <p:spTree>
+      <p:nvGrpSpPr>
+        <p:cNvPr id="1" name=""/>
+        <p:cNvGrpSpPr/>
+        <p:nvPr/>
+      </p:nvGrpSpPr>
+      <p:grpSpPr>
+        <a:xfrm>
+          <a:off x="0" y="0"/>
+          <a:ext cx="0" cy="0"/>
+          <a:chOff x="0" y="0"/>
+          <a:chExt cx="0" cy="0"/>
+        </a:xfrm>
+      </p:grpSpPr>
+      <p:sp>
+        <p:nvSpPr>
+          <p:cNvPr id="3" name="Título 2"/>
+          <p:cNvSpPr>
+            <a:spLocks noGrp="1"/>
+          </p:cNvSpPr>
+          <p:nvPr>
+            <p:ph type="title"/>
+          </p:nvPr>
+        </p:nvSpPr>
+        <p:spPr/>
+        <p:txBody>
+          <a:bodyPr/>
+          <a:lstStyle/>
+          <a:p>
+            <a:r>
+              <a:rPr lang="pt-BR" dirty="0" smtClean="0"/>
+              <a:t>Instâncias</a:t>
+            </a:r>
+            <a:endParaRPr lang="pt-BR" dirty="0"/>
+          </a:p>
+        </p:txBody>
+      </p:sp>
+      <p:sp>
+        <p:nvSpPr>
+          <p:cNvPr id="2" name="Espaço Reservado para Conteúdo 1"/>
+          <p:cNvSpPr>
+            <a:spLocks noGrp="1"/>
+          </p:cNvSpPr>
+          <p:nvPr>
+            <p:ph idx="1"/>
+          </p:nvPr>
+        </p:nvSpPr>
+        <p:spPr/>
+        <p:txBody>
+          <a:bodyPr/>
+          <a:lstStyle/>
+          <a:p>
+            <a:r>
+              <a:rPr lang="pt-BR" dirty="0" smtClean="0"/>
+              <a:t>As instâncias utilizadas são grafos </a:t>
+            </a:r>
+            <a:r>
+              <a:rPr lang="pt-BR" dirty="0"/>
+              <a:t>que representam malhas rodoviárias </a:t>
+            </a:r>
+            <a:r>
+              <a:rPr lang="pt-BR" dirty="0" smtClean="0"/>
+              <a:t>reais;</a:t>
+            </a:r>
+          </a:p>
+          <a:p>
+            <a:endParaRPr lang="pt-BR" dirty="0" smtClean="0"/>
+          </a:p>
+          <a:p>
+            <a:r>
+              <a:rPr lang="pt-BR" dirty="0" smtClean="0"/>
+              <a:t>Estão disponíveis em </a:t>
+            </a:r>
+            <a:r>
+              <a:rPr lang="pt-BR" dirty="0" smtClean="0">
+                <a:hlinkClick r:id="rId2"/>
+              </a:rPr>
+              <a:t>http</a:t>
+            </a:r>
+            <a:r>
+              <a:rPr lang="pt-BR" dirty="0">
+                <a:hlinkClick r:id="rId2"/>
+              </a:rPr>
+              <a:t>://</a:t>
+            </a:r>
+            <a:r>
+              <a:rPr lang="pt-BR" dirty="0" smtClean="0">
+                <a:hlinkClick r:id="rId2"/>
+              </a:rPr>
+              <a:t>www.dis.uniroma1.it/challenge9/download.shtml</a:t>
+            </a:r>
+            <a:r>
+              <a:rPr lang="pt-BR" dirty="0" smtClean="0"/>
+              <a:t> (</a:t>
+            </a:r>
+            <a:r>
+              <a:rPr lang="pt-BR" dirty="0"/>
+              <a:t>acesso em 28 de janeiro de 2017</a:t>
+            </a:r>
+            <a:r>
+              <a:rPr lang="pt-BR" dirty="0" smtClean="0"/>
+              <a:t>);</a:t>
+            </a:r>
+          </a:p>
+          <a:p>
+            <a:endParaRPr lang="pt-BR" dirty="0"/>
+          </a:p>
+        </p:txBody>
+      </p:sp>
+    </p:spTree>
+    <p:extLst>
+      <p:ext uri="{BB962C8B-B14F-4D97-AF65-F5344CB8AC3E}">
+        <p14:creationId xmlns:p14="http://schemas.microsoft.com/office/powerpoint/2010/main" val="3687365330"/>
+      </p:ext>
+    </p:extLst>
+  </p:cSld>
+  <p:clrMapOvr>
+    <a:masterClrMapping/>
+  </p:clrMapOvr>
+  <p:timing>
+    <p:tnLst>
+      <p:par>
+        <p:cTn id="1" dur="indefinite" restart="never" nodeType="tmRoot"/>
+      </p:par>
+    </p:tnLst>
+  </p:timing>
+</p:sld>
+</file>
+
+<file path=ppt/slides/slide34.xml><?xml version="1.0" encoding="utf-8"?>
+<p:sld xmlns:a="http://schemas.openxmlformats.org/drawingml/2006/main" xmlns:r="http://schemas.openxmlformats.org/officeDocument/2006/relationships" xmlns:p="http://schemas.openxmlformats.org/presentationml/2006/main">
+  <p:cSld>
+    <p:spTree>
+      <p:nvGrpSpPr>
+        <p:cNvPr id="1" name=""/>
+        <p:cNvGrpSpPr/>
+        <p:nvPr/>
+      </p:nvGrpSpPr>
+      <p:grpSpPr>
+        <a:xfrm>
+          <a:off x="0" y="0"/>
+          <a:ext cx="0" cy="0"/>
+          <a:chOff x="0" y="0"/>
+          <a:chExt cx="0" cy="0"/>
+        </a:xfrm>
+      </p:grpSpPr>
+      <p:pic>
+        <p:nvPicPr>
+          <p:cNvPr id="4" name="Espaço Reservado para Conteúdo 3"/>
+          <p:cNvPicPr>
+            <a:picLocks noGrp="1" noChangeAspect="1"/>
+          </p:cNvPicPr>
+          <p:nvPr>
+            <p:ph idx="1"/>
+          </p:nvPr>
+        </p:nvPicPr>
+        <p:blipFill>
+          <a:blip r:embed="rId2">
+            <a:extLst>
+              <a:ext uri="{28A0092B-C50C-407E-A947-70E740481C1C}">
+                <a14:useLocalDpi xmlns:a14="http://schemas.microsoft.com/office/drawing/2010/main" val="0"/>
+              </a:ext>
+            </a:extLst>
+          </a:blip>
+          <a:stretch>
+            <a:fillRect/>
+          </a:stretch>
+        </p:blipFill>
+        <p:spPr>
+          <a:xfrm>
+            <a:off x="467544" y="1628800"/>
+            <a:ext cx="8229600" cy="1455234"/>
+          </a:xfrm>
+        </p:spPr>
+      </p:pic>
+      <p:sp>
+        <p:nvSpPr>
+          <p:cNvPr id="3" name="Título 2"/>
+          <p:cNvSpPr>
+            <a:spLocks noGrp="1"/>
+          </p:cNvSpPr>
+          <p:nvPr>
+            <p:ph type="title"/>
+          </p:nvPr>
+        </p:nvSpPr>
+        <p:spPr/>
+        <p:txBody>
+          <a:bodyPr/>
+          <a:lstStyle/>
+          <a:p>
+            <a:r>
+              <a:rPr lang="pt-BR" dirty="0" smtClean="0"/>
+              <a:t>Instâncias</a:t>
+            </a:r>
+            <a:endParaRPr lang="pt-BR" dirty="0"/>
+          </a:p>
+        </p:txBody>
+      </p:sp>
+      <p:pic>
+        <p:nvPicPr>
+          <p:cNvPr id="1026" name="Picture 2" descr="C:\Users\SHOPPE\AppData\Desktop\Trabalhos\Projeto de Graduação\Apresentação\Instancias-2.png"/>
+          <p:cNvPicPr>
+            <a:picLocks noChangeAspect="1" noChangeArrowheads="1"/>
+          </p:cNvPicPr>
+          <p:nvPr/>
+        </p:nvPicPr>
+        <p:blipFill>
+          <a:blip r:embed="rId3">
+            <a:extLst>
+              <a:ext uri="{28A0092B-C50C-407E-A947-70E740481C1C}">
+                <a14:useLocalDpi xmlns:a14="http://schemas.microsoft.com/office/drawing/2010/main" val="0"/>
+              </a:ext>
+            </a:extLst>
+          </a:blip>
+          <a:srcRect/>
+          <a:stretch>
+            <a:fillRect/>
+          </a:stretch>
+        </p:blipFill>
+        <p:spPr bwMode="auto">
+          <a:xfrm>
+            <a:off x="611560" y="3429000"/>
+            <a:ext cx="7893050" cy="1835150"/>
+          </a:xfrm>
+          <a:prstGeom prst="rect">
+            <a:avLst/>
+          </a:prstGeom>
+          <a:noFill/>
+          <a:extLst>
+            <a:ext uri="{909E8E84-426E-40DD-AFC4-6F175D3DCCD1}">
+              <a14:hiddenFill xmlns:a14="http://schemas.microsoft.com/office/drawing/2010/main">
+                <a:solidFill>
+                  <a:srgbClr val="FFFFFF"/>
+                </a:solidFill>
+              </a14:hiddenFill>
+            </a:ext>
+          </a:extLst>
+        </p:spPr>
+      </p:pic>
+    </p:spTree>
+    <p:extLst>
+      <p:ext uri="{BB962C8B-B14F-4D97-AF65-F5344CB8AC3E}">
+        <p14:creationId xmlns:p14="http://schemas.microsoft.com/office/powerpoint/2010/main" val="3588478685"/>
+      </p:ext>
+    </p:extLst>
+  </p:cSld>
+  <p:clrMapOvr>
+    <a:masterClrMapping/>
+  </p:clrMapOvr>
+  <p:timing>
+    <p:tnLst>
+      <p:par>
+        <p:cTn id="1" dur="indefinite" restart="never" nodeType="tmRoot"/>
+      </p:par>
+    </p:tnLst>
+  </p:timing>
+</p:sld>
+</file>
+
+<file path=ppt/slides/slide35.xml><?xml version="1.0" encoding="utf-8"?>
+<p:sld xmlns:a="http://schemas.openxmlformats.org/drawingml/2006/main" xmlns:r="http://schemas.openxmlformats.org/officeDocument/2006/relationships" xmlns:p="http://schemas.openxmlformats.org/presentationml/2006/main">
+  <p:cSld>
+    <p:spTree>
+      <p:nvGrpSpPr>
+        <p:cNvPr id="1" name=""/>
+        <p:cNvGrpSpPr/>
+        <p:nvPr/>
+      </p:nvGrpSpPr>
+      <p:grpSpPr>
+        <a:xfrm>
+          <a:off x="0" y="0"/>
+          <a:ext cx="0" cy="0"/>
+          <a:chOff x="0" y="0"/>
+          <a:chExt cx="0" cy="0"/>
+        </a:xfrm>
+      </p:grpSpPr>
+      <p:sp>
+        <p:nvSpPr>
+          <p:cNvPr id="2" name="Espaço Reservado para Conteúdo 1"/>
+          <p:cNvSpPr>
+            <a:spLocks noGrp="1"/>
+          </p:cNvSpPr>
+          <p:nvPr>
+            <p:ph idx="1"/>
+          </p:nvPr>
+        </p:nvSpPr>
+        <p:spPr/>
+        <p:txBody>
+          <a:bodyPr/>
+          <a:lstStyle/>
+          <a:p>
+            <a:r>
+              <a:rPr lang="pt-BR" dirty="0" smtClean="0"/>
+              <a:t>Para o algoritmo de Dijkstra foi avaliado o tempo computacional de cada método;</a:t>
+            </a:r>
+          </a:p>
+          <a:p>
+            <a:r>
+              <a:rPr lang="pt-BR" dirty="0" smtClean="0"/>
+              <a:t>Os resultados estão dispostos a seguir:</a:t>
+            </a:r>
+          </a:p>
+          <a:p>
+            <a:r>
+              <a:rPr lang="pt-BR" dirty="0" smtClean="0"/>
+              <a:t>(O tempo é dado em milissegundos).</a:t>
+            </a:r>
+            <a:endParaRPr lang="pt-BR" dirty="0"/>
+          </a:p>
+        </p:txBody>
+      </p:sp>
+      <p:sp>
+        <p:nvSpPr>
+          <p:cNvPr id="3" name="Título 2"/>
+          <p:cNvSpPr>
+            <a:spLocks noGrp="1"/>
+          </p:cNvSpPr>
+          <p:nvPr>
+            <p:ph type="title"/>
+          </p:nvPr>
+        </p:nvSpPr>
+        <p:spPr/>
+        <p:txBody>
+          <a:bodyPr/>
+          <a:lstStyle/>
+          <a:p>
+            <a:r>
+              <a:rPr lang="pt-BR" dirty="0" smtClean="0"/>
+              <a:t>Algoritmo de Dijkstra</a:t>
+            </a:r>
+            <a:endParaRPr lang="pt-BR" dirty="0"/>
+          </a:p>
+        </p:txBody>
+      </p:sp>
+    </p:spTree>
+    <p:extLst>
+      <p:ext uri="{BB962C8B-B14F-4D97-AF65-F5344CB8AC3E}">
+        <p14:creationId xmlns:p14="http://schemas.microsoft.com/office/powerpoint/2010/main" val="1710169989"/>
+      </p:ext>
+    </p:extLst>
+  </p:cSld>
+  <p:clrMapOvr>
+    <a:masterClrMapping/>
+  </p:clrMapOvr>
+  <p:timing>
+    <p:tnLst>
+      <p:par>
+        <p:cTn id="1" dur="indefinite" restart="never" nodeType="tmRoot"/>
+      </p:par>
+    </p:tnLst>
+  </p:timing>
+</p:sld>
+</file>
+
+<file path=ppt/slides/slide36.xml><?xml version="1.0" encoding="utf-8"?>
+<p:sld xmlns:a="http://schemas.openxmlformats.org/drawingml/2006/main" xmlns:r="http://schemas.openxmlformats.org/officeDocument/2006/relationships" xmlns:p="http://schemas.openxmlformats.org/presentationml/2006/main">
+  <p:cSld>
+    <p:spTree>
+      <p:nvGrpSpPr>
+        <p:cNvPr id="1" name=""/>
+        <p:cNvGrpSpPr/>
+        <p:nvPr/>
+      </p:nvGrpSpPr>
+      <p:grpSpPr>
+        <a:xfrm>
+          <a:off x="0" y="0"/>
+          <a:ext cx="0" cy="0"/>
+          <a:chOff x="0" y="0"/>
+          <a:chExt cx="0" cy="0"/>
+        </a:xfrm>
+      </p:grpSpPr>
+      <p:pic>
+        <p:nvPicPr>
+          <p:cNvPr id="4" name="Espaço Reservado para Conteúdo 3"/>
+          <p:cNvPicPr>
+            <a:picLocks noGrp="1" noChangeAspect="1"/>
+          </p:cNvPicPr>
+          <p:nvPr>
+            <p:ph idx="1"/>
+          </p:nvPr>
+        </p:nvPicPr>
+        <p:blipFill>
+          <a:blip r:embed="rId2">
+            <a:extLst>
+              <a:ext uri="{28A0092B-C50C-407E-A947-70E740481C1C}">
+                <a14:useLocalDpi xmlns:a14="http://schemas.microsoft.com/office/drawing/2010/main" val="0"/>
+              </a:ext>
+            </a:extLst>
+          </a:blip>
+          <a:stretch>
+            <a:fillRect/>
+          </a:stretch>
+        </p:blipFill>
+        <p:spPr>
+          <a:xfrm>
+            <a:off x="646365" y="1481138"/>
+            <a:ext cx="7851270" cy="4525962"/>
+          </a:xfrm>
+        </p:spPr>
+      </p:pic>
+      <p:sp>
+        <p:nvSpPr>
+          <p:cNvPr id="3" name="Título 2"/>
+          <p:cNvSpPr>
+            <a:spLocks noGrp="1"/>
+          </p:cNvSpPr>
+          <p:nvPr>
+            <p:ph type="title"/>
+          </p:nvPr>
+        </p:nvSpPr>
+        <p:spPr/>
+        <p:txBody>
+          <a:bodyPr/>
+          <a:lstStyle/>
+          <a:p>
+            <a:r>
+              <a:rPr lang="pt-BR" dirty="0" smtClean="0"/>
+              <a:t>Algoritmo de Dijkstra</a:t>
+            </a:r>
+            <a:endParaRPr lang="pt-BR" dirty="0"/>
+          </a:p>
+        </p:txBody>
+      </p:sp>
+    </p:spTree>
+    <p:extLst>
+      <p:ext uri="{BB962C8B-B14F-4D97-AF65-F5344CB8AC3E}">
+        <p14:creationId xmlns:p14="http://schemas.microsoft.com/office/powerpoint/2010/main" val="3936042597"/>
+      </p:ext>
+    </p:extLst>
+  </p:cSld>
+  <p:clrMapOvr>
+    <a:masterClrMapping/>
+  </p:clrMapOvr>
+  <p:timing>
+    <p:tnLst>
+      <p:par>
+        <p:cTn id="1" dur="indefinite" restart="never" nodeType="tmRoot"/>
+      </p:par>
+    </p:tnLst>
+  </p:timing>
+</p:sld>
+</file>
+
+<file path=ppt/slides/slide37.xml><?xml version="1.0" encoding="utf-8"?>
+<p:sld xmlns:a="http://schemas.openxmlformats.org/drawingml/2006/main" xmlns:r="http://schemas.openxmlformats.org/officeDocument/2006/relationships" xmlns:p="http://schemas.openxmlformats.org/presentationml/2006/main">
+  <p:cSld>
+    <p:spTree>
+      <p:nvGrpSpPr>
+        <p:cNvPr id="1" name=""/>
+        <p:cNvGrpSpPr/>
+        <p:nvPr/>
+      </p:nvGrpSpPr>
+      <p:grpSpPr>
+        <a:xfrm>
+          <a:off x="0" y="0"/>
+          <a:ext cx="0" cy="0"/>
+          <a:chOff x="0" y="0"/>
+          <a:chExt cx="0" cy="0"/>
+        </a:xfrm>
+      </p:grpSpPr>
+      <p:pic>
+        <p:nvPicPr>
+          <p:cNvPr id="4" name="Espaço Reservado para Conteúdo 3"/>
+          <p:cNvPicPr>
+            <a:picLocks noGrp="1" noChangeAspect="1"/>
+          </p:cNvPicPr>
+          <p:nvPr>
+            <p:ph idx="1"/>
+          </p:nvPr>
+        </p:nvPicPr>
+        <p:blipFill>
+          <a:blip r:embed="rId2">
+            <a:extLst>
+              <a:ext uri="{28A0092B-C50C-407E-A947-70E740481C1C}">
+                <a14:useLocalDpi xmlns:a14="http://schemas.microsoft.com/office/drawing/2010/main" val="0"/>
+              </a:ext>
+            </a:extLst>
+          </a:blip>
+          <a:stretch>
+            <a:fillRect/>
+          </a:stretch>
+        </p:blipFill>
+        <p:spPr>
+          <a:xfrm>
+            <a:off x="651549" y="1481138"/>
+            <a:ext cx="7840902" cy="4525962"/>
+          </a:xfrm>
+        </p:spPr>
+      </p:pic>
+      <p:sp>
+        <p:nvSpPr>
+          <p:cNvPr id="3" name="Título 2"/>
+          <p:cNvSpPr>
+            <a:spLocks noGrp="1"/>
+          </p:cNvSpPr>
+          <p:nvPr>
+            <p:ph type="title"/>
+          </p:nvPr>
+        </p:nvSpPr>
+        <p:spPr/>
+        <p:txBody>
+          <a:bodyPr/>
+          <a:lstStyle/>
+          <a:p>
+            <a:r>
+              <a:rPr lang="pt-BR" dirty="0" smtClean="0"/>
+              <a:t>Algoritmo de Dijkstra</a:t>
+            </a:r>
+            <a:endParaRPr lang="pt-BR" dirty="0"/>
+          </a:p>
+        </p:txBody>
+      </p:sp>
+    </p:spTree>
+    <p:extLst>
+      <p:ext uri="{BB962C8B-B14F-4D97-AF65-F5344CB8AC3E}">
+        <p14:creationId xmlns:p14="http://schemas.microsoft.com/office/powerpoint/2010/main" val="1391932295"/>
+      </p:ext>
+    </p:extLst>
+  </p:cSld>
+  <p:clrMapOvr>
+    <a:masterClrMapping/>
+  </p:clrMapOvr>
+  <p:timing>
+    <p:tnLst>
+      <p:par>
+        <p:cTn id="1" dur="indefinite" restart="never" nodeType="tmRoot"/>
+      </p:par>
+    </p:tnLst>
+  </p:timing>
+</p:sld>
+</file>
+
+<file path=ppt/slides/slide38.xml><?xml version="1.0" encoding="utf-8"?>
+<p:sld xmlns:a="http://schemas.openxmlformats.org/drawingml/2006/main" xmlns:r="http://schemas.openxmlformats.org/officeDocument/2006/relationships" xmlns:p="http://schemas.openxmlformats.org/presentationml/2006/main">
+  <p:cSld>
+    <p:spTree>
+      <p:nvGrpSpPr>
+        <p:cNvPr id="1" name=""/>
+        <p:cNvGrpSpPr/>
+        <p:nvPr/>
+      </p:nvGrpSpPr>
+      <p:grpSpPr>
+        <a:xfrm>
+          <a:off x="0" y="0"/>
+          <a:ext cx="0" cy="0"/>
+          <a:chOff x="0" y="0"/>
+          <a:chExt cx="0" cy="0"/>
+        </a:xfrm>
+      </p:grpSpPr>
+      <p:pic>
+        <p:nvPicPr>
+          <p:cNvPr id="4" name="Espaço Reservado para Conteúdo 3"/>
+          <p:cNvPicPr>
+            <a:picLocks noGrp="1" noChangeAspect="1"/>
+          </p:cNvPicPr>
+          <p:nvPr>
+            <p:ph idx="1"/>
+          </p:nvPr>
+        </p:nvPicPr>
+        <p:blipFill>
+          <a:blip r:embed="rId2">
+            <a:extLst>
+              <a:ext uri="{28A0092B-C50C-407E-A947-70E740481C1C}">
+                <a14:useLocalDpi xmlns:a14="http://schemas.microsoft.com/office/drawing/2010/main" val="0"/>
+              </a:ext>
+            </a:extLst>
+          </a:blip>
+          <a:stretch>
+            <a:fillRect/>
+          </a:stretch>
+        </p:blipFill>
+        <p:spPr>
+          <a:xfrm>
+            <a:off x="457200" y="3044345"/>
+            <a:ext cx="8229600" cy="1399548"/>
+          </a:xfrm>
+        </p:spPr>
+      </p:pic>
+      <p:sp>
+        <p:nvSpPr>
+          <p:cNvPr id="3" name="Título 2"/>
+          <p:cNvSpPr>
+            <a:spLocks noGrp="1"/>
+          </p:cNvSpPr>
+          <p:nvPr>
+            <p:ph type="title"/>
+          </p:nvPr>
+        </p:nvSpPr>
+        <p:spPr/>
+        <p:txBody>
+          <a:bodyPr/>
+          <a:lstStyle/>
+          <a:p>
+            <a:r>
+              <a:rPr lang="pt-BR" dirty="0" smtClean="0"/>
+              <a:t>Algoritmo de Dijkstra</a:t>
+            </a:r>
+            <a:endParaRPr lang="pt-BR" dirty="0"/>
+          </a:p>
+        </p:txBody>
+      </p:sp>
+    </p:spTree>
+    <p:extLst>
+      <p:ext uri="{BB962C8B-B14F-4D97-AF65-F5344CB8AC3E}">
+        <p14:creationId xmlns:p14="http://schemas.microsoft.com/office/powerpoint/2010/main" val="1797325943"/>
+      </p:ext>
+    </p:extLst>
+  </p:cSld>
+  <p:clrMapOvr>
+    <a:masterClrMapping/>
+  </p:clrMapOvr>
+  <p:timing>
+    <p:tnLst>
+      <p:par>
+        <p:cTn id="1" dur="indefinite" restart="never" nodeType="tmRoot"/>
+      </p:par>
+    </p:tnLst>
+  </p:timing>
+</p:sld>
+</file>
+
+<file path=ppt/slides/slide39.xml><?xml version="1.0" encoding="utf-8"?>
+<p:sld xmlns:a="http://schemas.openxmlformats.org/drawingml/2006/main" xmlns:r="http://schemas.openxmlformats.org/officeDocument/2006/relationships" xmlns:p="http://schemas.openxmlformats.org/presentationml/2006/main">
+  <p:cSld>
+    <p:spTree>
+      <p:nvGrpSpPr>
+        <p:cNvPr id="1" name=""/>
+        <p:cNvGrpSpPr/>
+        <p:nvPr/>
+      </p:nvGrpSpPr>
+      <p:grpSpPr>
+        <a:xfrm>
+          <a:off x="0" y="0"/>
+          <a:ext cx="0" cy="0"/>
+          <a:chOff x="0" y="0"/>
+          <a:chExt cx="0" cy="0"/>
+        </a:xfrm>
+      </p:grpSpPr>
+      <p:pic>
+        <p:nvPicPr>
+          <p:cNvPr id="4" name="Espaço Reservado para Conteúdo 3"/>
+          <p:cNvPicPr>
+            <a:picLocks noGrp="1" noChangeAspect="1"/>
+          </p:cNvPicPr>
+          <p:nvPr>
+            <p:ph idx="1"/>
+          </p:nvPr>
+        </p:nvPicPr>
+        <p:blipFill>
+          <a:blip r:embed="rId2">
+            <a:extLst>
+              <a:ext uri="{28A0092B-C50C-407E-A947-70E740481C1C}">
+                <a14:useLocalDpi xmlns:a14="http://schemas.microsoft.com/office/drawing/2010/main" val="0"/>
+              </a:ext>
+            </a:extLst>
+          </a:blip>
+          <a:stretch>
+            <a:fillRect/>
+          </a:stretch>
+        </p:blipFill>
+        <p:spPr>
+          <a:xfrm>
+            <a:off x="457200" y="2855613"/>
+            <a:ext cx="8229600" cy="1777011"/>
+          </a:xfrm>
+        </p:spPr>
+      </p:pic>
+      <p:sp>
+        <p:nvSpPr>
+          <p:cNvPr id="3" name="Título 2"/>
+          <p:cNvSpPr>
+            <a:spLocks noGrp="1"/>
+          </p:cNvSpPr>
+          <p:nvPr>
+            <p:ph type="title"/>
+          </p:nvPr>
+        </p:nvSpPr>
+        <p:spPr/>
+        <p:txBody>
+          <a:bodyPr/>
+          <a:lstStyle/>
+          <a:p>
+            <a:r>
+              <a:rPr lang="pt-BR" dirty="0"/>
+              <a:t>Algoritmo de Dijkstra</a:t>
+            </a:r>
+          </a:p>
+        </p:txBody>
+      </p:sp>
+    </p:spTree>
+    <p:extLst>
+      <p:ext uri="{BB962C8B-B14F-4D97-AF65-F5344CB8AC3E}">
+        <p14:creationId xmlns:p14="http://schemas.microsoft.com/office/powerpoint/2010/main" val="1331833936"/>
       </p:ext>
     </p:extLst>
   </p:cSld>
@@ -7706,7 +8506,6 @@
               <a:rPr lang="pt-BR" dirty="0"/>
               <a:t>Algoritmo de Dijkstra</a:t>
             </a:r>
-            <a:endParaRPr lang="pt-BR" dirty="0"/>
           </a:p>
         </p:txBody>
       </p:sp>
@@ -7714,6 +8513,807 @@
     <p:extLst>
       <p:ext uri="{BB962C8B-B14F-4D97-AF65-F5344CB8AC3E}">
         <p14:creationId xmlns:p14="http://schemas.microsoft.com/office/powerpoint/2010/main" val="1307282190"/>
+      </p:ext>
+    </p:extLst>
+  </p:cSld>
+  <p:clrMapOvr>
+    <a:masterClrMapping/>
+  </p:clrMapOvr>
+  <p:timing>
+    <p:tnLst>
+      <p:par>
+        <p:cTn id="1" dur="indefinite" restart="never" nodeType="tmRoot"/>
+      </p:par>
+    </p:tnLst>
+  </p:timing>
+</p:sld>
+</file>
+
+<file path=ppt/slides/slide40.xml><?xml version="1.0" encoding="utf-8"?>
+<p:sld xmlns:a="http://schemas.openxmlformats.org/drawingml/2006/main" xmlns:r="http://schemas.openxmlformats.org/officeDocument/2006/relationships" xmlns:p="http://schemas.openxmlformats.org/presentationml/2006/main">
+  <p:cSld>
+    <p:spTree>
+      <p:nvGrpSpPr>
+        <p:cNvPr id="1" name=""/>
+        <p:cNvGrpSpPr/>
+        <p:nvPr/>
+      </p:nvGrpSpPr>
+      <p:grpSpPr>
+        <a:xfrm>
+          <a:off x="0" y="0"/>
+          <a:ext cx="0" cy="0"/>
+          <a:chOff x="0" y="0"/>
+          <a:chExt cx="0" cy="0"/>
+        </a:xfrm>
+      </p:grpSpPr>
+      <p:sp>
+        <p:nvSpPr>
+          <p:cNvPr id="2" name="Espaço Reservado para Conteúdo 1"/>
+          <p:cNvSpPr>
+            <a:spLocks noGrp="1"/>
+          </p:cNvSpPr>
+          <p:nvPr>
+            <p:ph idx="1"/>
+          </p:nvPr>
+        </p:nvSpPr>
+        <p:spPr/>
+        <p:txBody>
+          <a:bodyPr/>
+          <a:lstStyle/>
+          <a:p>
+            <a:r>
+              <a:rPr lang="pt-BR" dirty="0"/>
+              <a:t>Dijkstra Canônico foi executado em um tempo </a:t>
+            </a:r>
+            <a:r>
+              <a:rPr lang="pt-BR" dirty="0" smtClean="0"/>
+              <a:t>elevado (a maior instância chegou a levar aproximadamente 48 minutos);</a:t>
+            </a:r>
+          </a:p>
+          <a:p>
+            <a:r>
+              <a:rPr lang="pt-BR" dirty="0" smtClean="0"/>
+              <a:t>O uso de estruturas de dados impactou consideravelmente no ganho de tempo computacional (</a:t>
+            </a:r>
+            <a:r>
+              <a:rPr lang="pt-BR" dirty="0" err="1" smtClean="0"/>
+              <a:t>Heap</a:t>
+            </a:r>
+            <a:r>
+              <a:rPr lang="pt-BR" dirty="0" smtClean="0"/>
+              <a:t> binário teve um ganho médio de </a:t>
+            </a:r>
+            <a:r>
+              <a:rPr lang="pt-BR" dirty="0"/>
+              <a:t>61.847</a:t>
+            </a:r>
+            <a:r>
+              <a:rPr lang="pt-BR" dirty="0" smtClean="0"/>
+              <a:t>% enquanto que a </a:t>
+            </a:r>
+            <a:r>
+              <a:rPr lang="pt-BR" dirty="0" err="1" smtClean="0"/>
+              <a:t>Heap</a:t>
+            </a:r>
+            <a:r>
+              <a:rPr lang="pt-BR" dirty="0" smtClean="0"/>
+              <a:t> de Fibonacci teve um ganho de </a:t>
+            </a:r>
+            <a:r>
+              <a:rPr lang="pt-BR" dirty="0"/>
+              <a:t>29.479</a:t>
+            </a:r>
+            <a:r>
+              <a:rPr lang="pt-BR" dirty="0" smtClean="0"/>
+              <a:t>%);</a:t>
+            </a:r>
+          </a:p>
+          <a:p>
+            <a:endParaRPr lang="pt-BR" dirty="0" smtClean="0"/>
+          </a:p>
+          <a:p>
+            <a:endParaRPr lang="pt-BR" dirty="0"/>
+          </a:p>
+        </p:txBody>
+      </p:sp>
+      <p:sp>
+        <p:nvSpPr>
+          <p:cNvPr id="3" name="Título 2"/>
+          <p:cNvSpPr>
+            <a:spLocks noGrp="1"/>
+          </p:cNvSpPr>
+          <p:nvPr>
+            <p:ph type="title"/>
+          </p:nvPr>
+        </p:nvSpPr>
+        <p:spPr/>
+        <p:txBody>
+          <a:bodyPr/>
+          <a:lstStyle/>
+          <a:p>
+            <a:r>
+              <a:rPr lang="pt-BR" dirty="0" smtClean="0"/>
+              <a:t>Análise dos resultados</a:t>
+            </a:r>
+            <a:endParaRPr lang="pt-BR" dirty="0"/>
+          </a:p>
+        </p:txBody>
+      </p:sp>
+    </p:spTree>
+    <p:extLst>
+      <p:ext uri="{BB962C8B-B14F-4D97-AF65-F5344CB8AC3E}">
+        <p14:creationId xmlns:p14="http://schemas.microsoft.com/office/powerpoint/2010/main" val="1185233796"/>
+      </p:ext>
+    </p:extLst>
+  </p:cSld>
+  <p:clrMapOvr>
+    <a:masterClrMapping/>
+  </p:clrMapOvr>
+  <p:timing>
+    <p:tnLst>
+      <p:par>
+        <p:cTn id="1" dur="indefinite" restart="never" nodeType="tmRoot"/>
+      </p:par>
+    </p:tnLst>
+  </p:timing>
+</p:sld>
+</file>
+
+<file path=ppt/slides/slide41.xml><?xml version="1.0" encoding="utf-8"?>
+<p:sld xmlns:a="http://schemas.openxmlformats.org/drawingml/2006/main" xmlns:r="http://schemas.openxmlformats.org/officeDocument/2006/relationships" xmlns:p="http://schemas.openxmlformats.org/presentationml/2006/main">
+  <p:cSld>
+    <p:spTree>
+      <p:nvGrpSpPr>
+        <p:cNvPr id="1" name=""/>
+        <p:cNvGrpSpPr/>
+        <p:nvPr/>
+      </p:nvGrpSpPr>
+      <p:grpSpPr>
+        <a:xfrm>
+          <a:off x="0" y="0"/>
+          <a:ext cx="0" cy="0"/>
+          <a:chOff x="0" y="0"/>
+          <a:chExt cx="0" cy="0"/>
+        </a:xfrm>
+      </p:grpSpPr>
+      <p:sp>
+        <p:nvSpPr>
+          <p:cNvPr id="2" name="Espaço Reservado para Conteúdo 1"/>
+          <p:cNvSpPr>
+            <a:spLocks noGrp="1"/>
+          </p:cNvSpPr>
+          <p:nvPr>
+            <p:ph idx="1"/>
+          </p:nvPr>
+        </p:nvSpPr>
+        <p:spPr/>
+        <p:txBody>
+          <a:bodyPr/>
+          <a:lstStyle/>
+          <a:p>
+            <a:r>
+              <a:rPr lang="pt-BR" dirty="0" smtClean="0"/>
+              <a:t>O resultado entre a </a:t>
+            </a:r>
+            <a:r>
+              <a:rPr lang="pt-BR" dirty="0" err="1" smtClean="0"/>
+              <a:t>Heap</a:t>
+            </a:r>
+            <a:r>
+              <a:rPr lang="pt-BR" dirty="0" smtClean="0"/>
+              <a:t> Binária e a </a:t>
+            </a:r>
+            <a:r>
+              <a:rPr lang="pt-BR" dirty="0" err="1" smtClean="0"/>
+              <a:t>Heap</a:t>
+            </a:r>
+            <a:r>
+              <a:rPr lang="pt-BR" dirty="0" smtClean="0"/>
+              <a:t> de Fibonacci é inesperado;</a:t>
+            </a:r>
+          </a:p>
+          <a:p>
+            <a:endParaRPr lang="pt-BR" dirty="0" smtClean="0"/>
+          </a:p>
+          <a:p>
+            <a:r>
+              <a:rPr lang="pt-BR" dirty="0" smtClean="0"/>
+              <a:t>Tempo computacional de </a:t>
+            </a:r>
+            <a:r>
+              <a:rPr lang="pt-BR" dirty="0" err="1" smtClean="0"/>
+              <a:t>Heap</a:t>
+            </a:r>
+            <a:r>
+              <a:rPr lang="pt-BR" dirty="0" smtClean="0"/>
+              <a:t> Binária é </a:t>
+            </a:r>
+            <a:r>
+              <a:rPr lang="pt-BR" i="1" dirty="0"/>
+              <a:t>O</a:t>
+            </a:r>
+            <a:r>
+              <a:rPr lang="pt-BR" dirty="0"/>
+              <a:t>(|</a:t>
+            </a:r>
+            <a:r>
+              <a:rPr lang="pt-BR" i="1" dirty="0"/>
+              <a:t>E</a:t>
+            </a:r>
+            <a:r>
+              <a:rPr lang="pt-BR" dirty="0"/>
+              <a:t>| </a:t>
+            </a:r>
+            <a:r>
+              <a:rPr lang="pt-BR" dirty="0" err="1"/>
+              <a:t>lg</a:t>
+            </a:r>
+            <a:r>
+              <a:rPr lang="pt-BR" dirty="0"/>
+              <a:t> |</a:t>
+            </a:r>
+            <a:r>
+              <a:rPr lang="pt-BR" i="1" dirty="0"/>
+              <a:t>V </a:t>
+            </a:r>
+            <a:r>
+              <a:rPr lang="pt-BR" dirty="0" smtClean="0"/>
+              <a:t>|);</a:t>
+            </a:r>
+          </a:p>
+          <a:p>
+            <a:endParaRPr lang="pt-BR" dirty="0"/>
+          </a:p>
+          <a:p>
+            <a:r>
+              <a:rPr lang="pt-BR" dirty="0" smtClean="0"/>
+              <a:t>Tempo computacional da </a:t>
+            </a:r>
+            <a:r>
+              <a:rPr lang="pt-BR" dirty="0" err="1" smtClean="0"/>
+              <a:t>Heap</a:t>
+            </a:r>
+            <a:r>
+              <a:rPr lang="pt-BR" dirty="0" smtClean="0"/>
+              <a:t> de Fibonacci é </a:t>
+            </a:r>
+            <a:r>
+              <a:rPr lang="pt-BR" i="1" dirty="0"/>
+              <a:t>O</a:t>
+            </a:r>
+            <a:r>
+              <a:rPr lang="pt-BR" dirty="0"/>
+              <a:t>(|</a:t>
+            </a:r>
+            <a:r>
+              <a:rPr lang="pt-BR" i="1" dirty="0"/>
+              <a:t>V </a:t>
+            </a:r>
+            <a:r>
+              <a:rPr lang="pt-BR" dirty="0"/>
+              <a:t>| </a:t>
+            </a:r>
+            <a:r>
+              <a:rPr lang="pt-BR" dirty="0" err="1"/>
+              <a:t>lg</a:t>
+            </a:r>
+            <a:r>
+              <a:rPr lang="pt-BR" dirty="0"/>
+              <a:t> |</a:t>
+            </a:r>
+            <a:r>
+              <a:rPr lang="pt-BR" i="1" dirty="0"/>
+              <a:t>V </a:t>
+            </a:r>
+            <a:r>
+              <a:rPr lang="pt-BR" dirty="0"/>
+              <a:t>| + |</a:t>
+            </a:r>
+            <a:r>
+              <a:rPr lang="pt-BR" i="1" dirty="0"/>
+              <a:t>E</a:t>
+            </a:r>
+            <a:r>
+              <a:rPr lang="pt-BR" dirty="0" smtClean="0"/>
+              <a:t>|);</a:t>
+            </a:r>
+          </a:p>
+          <a:p>
+            <a:endParaRPr lang="pt-BR" dirty="0"/>
+          </a:p>
+          <a:p>
+            <a:r>
+              <a:rPr lang="pt-BR" dirty="0" smtClean="0"/>
+              <a:t>Para todas as nossas instâncias </a:t>
+            </a:r>
+            <a:r>
+              <a:rPr lang="pt-BR" dirty="0"/>
+              <a:t>|</a:t>
+            </a:r>
+            <a:r>
+              <a:rPr lang="pt-BR" i="1" dirty="0"/>
+              <a:t>E</a:t>
+            </a:r>
+            <a:r>
+              <a:rPr lang="pt-BR" dirty="0"/>
+              <a:t>| </a:t>
+            </a:r>
+            <a:r>
+              <a:rPr lang="pt-BR" i="1" dirty="0"/>
+              <a:t>&gt; </a:t>
+            </a:r>
+            <a:r>
+              <a:rPr lang="pt-BR" dirty="0"/>
+              <a:t>|</a:t>
+            </a:r>
+            <a:r>
+              <a:rPr lang="pt-BR" i="1" dirty="0"/>
+              <a:t>V </a:t>
+            </a:r>
+            <a:r>
+              <a:rPr lang="pt-BR" dirty="0" smtClean="0"/>
+              <a:t>|;</a:t>
+            </a:r>
+          </a:p>
+          <a:p>
+            <a:endParaRPr lang="pt-BR" dirty="0" smtClean="0"/>
+          </a:p>
+          <a:p>
+            <a:endParaRPr lang="pt-BR" dirty="0"/>
+          </a:p>
+        </p:txBody>
+      </p:sp>
+      <p:sp>
+        <p:nvSpPr>
+          <p:cNvPr id="3" name="Título 2"/>
+          <p:cNvSpPr>
+            <a:spLocks noGrp="1"/>
+          </p:cNvSpPr>
+          <p:nvPr>
+            <p:ph type="title"/>
+          </p:nvPr>
+        </p:nvSpPr>
+        <p:spPr/>
+        <p:txBody>
+          <a:bodyPr/>
+          <a:lstStyle/>
+          <a:p>
+            <a:r>
+              <a:rPr lang="pt-BR" dirty="0" smtClean="0"/>
+              <a:t>Análise dos resultados</a:t>
+            </a:r>
+            <a:endParaRPr lang="pt-BR" dirty="0"/>
+          </a:p>
+        </p:txBody>
+      </p:sp>
+    </p:spTree>
+    <p:extLst>
+      <p:ext uri="{BB962C8B-B14F-4D97-AF65-F5344CB8AC3E}">
+        <p14:creationId xmlns:p14="http://schemas.microsoft.com/office/powerpoint/2010/main" val="1730070333"/>
+      </p:ext>
+    </p:extLst>
+  </p:cSld>
+  <p:clrMapOvr>
+    <a:masterClrMapping/>
+  </p:clrMapOvr>
+  <p:timing>
+    <p:tnLst>
+      <p:par>
+        <p:cTn id="1" dur="indefinite" restart="never" nodeType="tmRoot"/>
+      </p:par>
+    </p:tnLst>
+  </p:timing>
+</p:sld>
+</file>
+
+<file path=ppt/slides/slide42.xml><?xml version="1.0" encoding="utf-8"?>
+<p:sld xmlns:a="http://schemas.openxmlformats.org/drawingml/2006/main" xmlns:r="http://schemas.openxmlformats.org/officeDocument/2006/relationships" xmlns:p="http://schemas.openxmlformats.org/presentationml/2006/main">
+  <p:cSld>
+    <p:spTree>
+      <p:nvGrpSpPr>
+        <p:cNvPr id="1" name=""/>
+        <p:cNvGrpSpPr/>
+        <p:nvPr/>
+      </p:nvGrpSpPr>
+      <p:grpSpPr>
+        <a:xfrm>
+          <a:off x="0" y="0"/>
+          <a:ext cx="0" cy="0"/>
+          <a:chOff x="0" y="0"/>
+          <a:chExt cx="0" cy="0"/>
+        </a:xfrm>
+      </p:grpSpPr>
+      <p:sp>
+        <p:nvSpPr>
+          <p:cNvPr id="2" name="Espaço Reservado para Conteúdo 1"/>
+          <p:cNvSpPr>
+            <a:spLocks noGrp="1"/>
+          </p:cNvSpPr>
+          <p:nvPr>
+            <p:ph idx="1"/>
+          </p:nvPr>
+        </p:nvSpPr>
+        <p:spPr/>
+        <p:txBody>
+          <a:bodyPr/>
+          <a:lstStyle/>
+          <a:p>
+            <a:r>
+              <a:rPr lang="pt-BR" dirty="0" smtClean="0"/>
+              <a:t>Conforme </a:t>
+            </a:r>
+            <a:r>
+              <a:rPr lang="pt-BR" dirty="0"/>
+              <a:t>também constatado por </a:t>
+            </a:r>
+            <a:r>
+              <a:rPr lang="pt-BR" dirty="0" err="1"/>
+              <a:t>Larkin</a:t>
+            </a:r>
+            <a:r>
+              <a:rPr lang="pt-BR" dirty="0"/>
+              <a:t>, </a:t>
+            </a:r>
+            <a:r>
+              <a:rPr lang="pt-BR" dirty="0" err="1"/>
+              <a:t>Sen</a:t>
+            </a:r>
+            <a:r>
+              <a:rPr lang="pt-BR" dirty="0"/>
+              <a:t> e </a:t>
+            </a:r>
+            <a:r>
+              <a:rPr lang="pt-BR" dirty="0" err="1"/>
+              <a:t>Tarjan</a:t>
+            </a:r>
+            <a:r>
+              <a:rPr lang="pt-BR" dirty="0"/>
+              <a:t> (2014), a </a:t>
+            </a:r>
+            <a:r>
+              <a:rPr lang="pt-BR" dirty="0" smtClean="0"/>
+              <a:t>aplicação prática </a:t>
+            </a:r>
+            <a:r>
+              <a:rPr lang="pt-BR" dirty="0"/>
+              <a:t>das estruturas de dados nem sempre corresponde a esperada descrita na </a:t>
+            </a:r>
+            <a:r>
+              <a:rPr lang="pt-BR" dirty="0" smtClean="0"/>
+              <a:t>teoria;</a:t>
+            </a:r>
+          </a:p>
+          <a:p>
+            <a:endParaRPr lang="pt-BR" dirty="0"/>
+          </a:p>
+          <a:p>
+            <a:r>
+              <a:rPr lang="pt-BR" dirty="0" smtClean="0"/>
+              <a:t>Estrutura </a:t>
+            </a:r>
+            <a:r>
+              <a:rPr lang="pt-BR" dirty="0"/>
+              <a:t>de dados </a:t>
+            </a:r>
+            <a:r>
+              <a:rPr lang="pt-BR" dirty="0" err="1"/>
+              <a:t>heaps</a:t>
+            </a:r>
+            <a:r>
+              <a:rPr lang="pt-BR" dirty="0"/>
+              <a:t> baseadas em </a:t>
+            </a:r>
+            <a:r>
+              <a:rPr lang="pt-BR" dirty="0" smtClean="0"/>
+              <a:t>vetor são</a:t>
+            </a:r>
+            <a:r>
+              <a:rPr lang="pt-BR" dirty="0"/>
+              <a:t>, na prática, mais eficientes do que a </a:t>
+            </a:r>
+            <a:r>
+              <a:rPr lang="pt-BR" dirty="0" err="1"/>
+              <a:t>Heap</a:t>
+            </a:r>
+            <a:r>
+              <a:rPr lang="pt-BR" dirty="0"/>
+              <a:t> de </a:t>
+            </a:r>
+            <a:r>
+              <a:rPr lang="pt-BR" dirty="0" smtClean="0"/>
+              <a:t>Fibonacci.</a:t>
+            </a:r>
+            <a:endParaRPr lang="pt-BR" dirty="0"/>
+          </a:p>
+        </p:txBody>
+      </p:sp>
+      <p:sp>
+        <p:nvSpPr>
+          <p:cNvPr id="3" name="Título 2"/>
+          <p:cNvSpPr>
+            <a:spLocks noGrp="1"/>
+          </p:cNvSpPr>
+          <p:nvPr>
+            <p:ph type="title"/>
+          </p:nvPr>
+        </p:nvSpPr>
+        <p:spPr/>
+        <p:txBody>
+          <a:bodyPr/>
+          <a:lstStyle/>
+          <a:p>
+            <a:r>
+              <a:rPr lang="pt-BR" dirty="0" smtClean="0"/>
+              <a:t>Análise dos resultados</a:t>
+            </a:r>
+            <a:endParaRPr lang="pt-BR" dirty="0"/>
+          </a:p>
+        </p:txBody>
+      </p:sp>
+    </p:spTree>
+    <p:extLst>
+      <p:ext uri="{BB962C8B-B14F-4D97-AF65-F5344CB8AC3E}">
+        <p14:creationId xmlns:p14="http://schemas.microsoft.com/office/powerpoint/2010/main" val="4027223167"/>
+      </p:ext>
+    </p:extLst>
+  </p:cSld>
+  <p:clrMapOvr>
+    <a:masterClrMapping/>
+  </p:clrMapOvr>
+  <p:timing>
+    <p:tnLst>
+      <p:par>
+        <p:cTn id="1" dur="indefinite" restart="never" nodeType="tmRoot"/>
+      </p:par>
+    </p:tnLst>
+  </p:timing>
+</p:sld>
+</file>
+
+<file path=ppt/slides/slide43.xml><?xml version="1.0" encoding="utf-8"?>
+<p:sld xmlns:a="http://schemas.openxmlformats.org/drawingml/2006/main" xmlns:r="http://schemas.openxmlformats.org/officeDocument/2006/relationships" xmlns:p="http://schemas.openxmlformats.org/presentationml/2006/main">
+  <p:cSld>
+    <p:spTree>
+      <p:nvGrpSpPr>
+        <p:cNvPr id="1" name=""/>
+        <p:cNvGrpSpPr/>
+        <p:nvPr/>
+      </p:nvGrpSpPr>
+      <p:grpSpPr>
+        <a:xfrm>
+          <a:off x="0" y="0"/>
+          <a:ext cx="0" cy="0"/>
+          <a:chOff x="0" y="0"/>
+          <a:chExt cx="0" cy="0"/>
+        </a:xfrm>
+      </p:grpSpPr>
+      <p:sp>
+        <p:nvSpPr>
+          <p:cNvPr id="2" name="Espaço Reservado para Conteúdo 1"/>
+          <p:cNvSpPr>
+            <a:spLocks noGrp="1"/>
+          </p:cNvSpPr>
+          <p:nvPr>
+            <p:ph idx="1"/>
+          </p:nvPr>
+        </p:nvSpPr>
+        <p:spPr/>
+        <p:txBody>
+          <a:bodyPr>
+            <a:normAutofit fontScale="70000" lnSpcReduction="20000"/>
+          </a:bodyPr>
+          <a:lstStyle/>
+          <a:p>
+            <a:r>
+              <a:rPr lang="pt-BR" dirty="0" smtClean="0"/>
+              <a:t>Dijkstra </a:t>
+            </a:r>
+            <a:r>
+              <a:rPr lang="pt-BR" dirty="0" err="1" smtClean="0"/>
+              <a:t>Heap</a:t>
+            </a:r>
+            <a:r>
+              <a:rPr lang="pt-BR" dirty="0" smtClean="0"/>
+              <a:t> Binário foi que obteve melhor tempo;</a:t>
+            </a:r>
+          </a:p>
+          <a:p>
+            <a:endParaRPr lang="pt-BR" dirty="0"/>
+          </a:p>
+          <a:p>
+            <a:r>
+              <a:rPr lang="pt-BR" dirty="0" smtClean="0"/>
+              <a:t>Superou o </a:t>
+            </a:r>
+            <a:r>
+              <a:rPr lang="pt-BR" dirty="0" err="1" smtClean="0"/>
+              <a:t>Heap</a:t>
+            </a:r>
+            <a:r>
+              <a:rPr lang="pt-BR" dirty="0" smtClean="0"/>
+              <a:t> de Fibonacci, mesmo sendo teoricamente mais lento do que este;</a:t>
+            </a:r>
+          </a:p>
+          <a:p>
+            <a:endParaRPr lang="pt-BR" dirty="0"/>
+          </a:p>
+          <a:p>
+            <a:r>
+              <a:rPr lang="pt-BR" dirty="0" smtClean="0"/>
+              <a:t>Dijkstra canônico elevou um tempo consideravelmente alto, sendo inapropriado para aplicações práticas como sistema de ponto global (</a:t>
+            </a:r>
+            <a:r>
+              <a:rPr lang="pt-BR" i="1" dirty="0" smtClean="0"/>
+              <a:t>GPS</a:t>
+            </a:r>
+            <a:r>
+              <a:rPr lang="pt-BR" dirty="0" smtClean="0"/>
+              <a:t>);</a:t>
+            </a:r>
+          </a:p>
+          <a:p>
+            <a:endParaRPr lang="pt-BR" dirty="0"/>
+          </a:p>
+          <a:p>
+            <a:r>
+              <a:rPr lang="pt-BR" dirty="0" smtClean="0"/>
+              <a:t>Sua implementação é recomendada apenas para fins de aprendizagem e entendimento do algoritmo;</a:t>
+            </a:r>
+          </a:p>
+          <a:p>
+            <a:endParaRPr lang="pt-BR" dirty="0"/>
+          </a:p>
+          <a:p>
+            <a:r>
+              <a:rPr lang="pt-BR" dirty="0" err="1" smtClean="0"/>
+              <a:t>Heap</a:t>
+            </a:r>
+            <a:r>
+              <a:rPr lang="pt-BR" dirty="0" smtClean="0"/>
+              <a:t> de Fibonacci é de difícil implementação e suscetível a erros de programação;</a:t>
+            </a:r>
+          </a:p>
+          <a:p>
+            <a:endParaRPr lang="pt-BR" dirty="0"/>
+          </a:p>
+          <a:p>
+            <a:r>
+              <a:rPr lang="pt-BR" dirty="0" err="1" smtClean="0"/>
+              <a:t>Heap</a:t>
+            </a:r>
+            <a:r>
+              <a:rPr lang="pt-BR" dirty="0" smtClean="0"/>
+              <a:t> Binário possui implementação simples.</a:t>
+            </a:r>
+            <a:endParaRPr lang="pt-BR" dirty="0"/>
+          </a:p>
+        </p:txBody>
+      </p:sp>
+      <p:sp>
+        <p:nvSpPr>
+          <p:cNvPr id="3" name="Título 2"/>
+          <p:cNvSpPr>
+            <a:spLocks noGrp="1"/>
+          </p:cNvSpPr>
+          <p:nvPr>
+            <p:ph type="title"/>
+          </p:nvPr>
+        </p:nvSpPr>
+        <p:spPr/>
+        <p:txBody>
+          <a:bodyPr/>
+          <a:lstStyle/>
+          <a:p>
+            <a:r>
+              <a:rPr lang="pt-BR" dirty="0" smtClean="0"/>
+              <a:t>Conclusões</a:t>
+            </a:r>
+            <a:endParaRPr lang="pt-BR" dirty="0"/>
+          </a:p>
+        </p:txBody>
+      </p:sp>
+    </p:spTree>
+    <p:extLst>
+      <p:ext uri="{BB962C8B-B14F-4D97-AF65-F5344CB8AC3E}">
+        <p14:creationId xmlns:p14="http://schemas.microsoft.com/office/powerpoint/2010/main" val="1100058232"/>
+      </p:ext>
+    </p:extLst>
+  </p:cSld>
+  <p:clrMapOvr>
+    <a:masterClrMapping/>
+  </p:clrMapOvr>
+  <p:timing>
+    <p:tnLst>
+      <p:par>
+        <p:cTn id="1" dur="indefinite" restart="never" nodeType="tmRoot"/>
+      </p:par>
+    </p:tnLst>
+  </p:timing>
+</p:sld>
+</file>
+
+<file path=ppt/slides/slide44.xml><?xml version="1.0" encoding="utf-8"?>
+<p:sld xmlns:a="http://schemas.openxmlformats.org/drawingml/2006/main" xmlns:r="http://schemas.openxmlformats.org/officeDocument/2006/relationships" xmlns:p="http://schemas.openxmlformats.org/presentationml/2006/main">
+  <p:cSld>
+    <p:spTree>
+      <p:nvGrpSpPr>
+        <p:cNvPr id="1" name=""/>
+        <p:cNvGrpSpPr/>
+        <p:nvPr/>
+      </p:nvGrpSpPr>
+      <p:grpSpPr>
+        <a:xfrm>
+          <a:off x="0" y="0"/>
+          <a:ext cx="0" cy="0"/>
+          <a:chOff x="0" y="0"/>
+          <a:chExt cx="0" cy="0"/>
+        </a:xfrm>
+      </p:grpSpPr>
+      <p:sp>
+        <p:nvSpPr>
+          <p:cNvPr id="2" name="Título 1"/>
+          <p:cNvSpPr>
+            <a:spLocks noGrp="1"/>
+          </p:cNvSpPr>
+          <p:nvPr>
+            <p:ph type="title"/>
+          </p:nvPr>
+        </p:nvSpPr>
+        <p:spPr/>
+        <p:txBody>
+          <a:bodyPr/>
+          <a:lstStyle/>
+          <a:p>
+            <a:r>
+              <a:rPr lang="pt-BR" dirty="0" smtClean="0"/>
+              <a:t>Testes Computacionais</a:t>
+            </a:r>
+            <a:endParaRPr lang="pt-BR" dirty="0"/>
+          </a:p>
+        </p:txBody>
+      </p:sp>
+      <p:sp>
+        <p:nvSpPr>
+          <p:cNvPr id="3" name="Espaço Reservado para Texto 2"/>
+          <p:cNvSpPr>
+            <a:spLocks noGrp="1"/>
+          </p:cNvSpPr>
+          <p:nvPr>
+            <p:ph type="body" idx="1"/>
+          </p:nvPr>
+        </p:nvSpPr>
+        <p:spPr/>
+        <p:txBody>
+          <a:bodyPr>
+            <a:normAutofit/>
+          </a:bodyPr>
+          <a:lstStyle/>
+          <a:p>
+            <a:r>
+              <a:rPr lang="pt-BR" smtClean="0"/>
+              <a:t>5.2 </a:t>
+            </a:r>
+            <a:r>
+              <a:rPr lang="pt-BR" dirty="0" smtClean="0"/>
+              <a:t>Algoritmo A*</a:t>
+            </a:r>
+          </a:p>
+          <a:p>
+            <a:endParaRPr lang="pt-BR" dirty="0"/>
+          </a:p>
+          <a:p>
+            <a:r>
+              <a:rPr lang="pt-BR" dirty="0" smtClean="0"/>
+              <a:t>5.3 Algoritmos Dinâmicos</a:t>
+            </a:r>
+            <a:endParaRPr lang="pt-BR" dirty="0"/>
+          </a:p>
+        </p:txBody>
+      </p:sp>
+    </p:spTree>
+    <p:extLst>
+      <p:ext uri="{BB962C8B-B14F-4D97-AF65-F5344CB8AC3E}">
+        <p14:creationId xmlns:p14="http://schemas.microsoft.com/office/powerpoint/2010/main" val="3704302003"/>
       </p:ext>
     </p:extLst>
   </p:cSld>
@@ -8127,7 +9727,6 @@
               <a:rPr lang="pt-BR" dirty="0"/>
               <a:t>DROZDEK, 2012).</a:t>
             </a:r>
-            <a:endParaRPr lang="pt-BR" dirty="0"/>
           </a:p>
         </p:txBody>
       </p:sp>

--- a/Academia/Apresentação PG/Apresentação PG.pptx
+++ b/Academia/Apresentação PG/Apresentação PG.pptx
@@ -49,6 +49,14 @@
     <p:sldId id="297" r:id="rId43"/>
     <p:sldId id="298" r:id="rId44"/>
     <p:sldId id="299" r:id="rId45"/>
+    <p:sldId id="300" r:id="rId46"/>
+    <p:sldId id="301" r:id="rId47"/>
+    <p:sldId id="302" r:id="rId48"/>
+    <p:sldId id="303" r:id="rId49"/>
+    <p:sldId id="304" r:id="rId50"/>
+    <p:sldId id="305" r:id="rId51"/>
+    <p:sldId id="306" r:id="rId52"/>
+    <p:sldId id="307" r:id="rId53"/>
   </p:sldIdLst>
   <p:sldSz cx="9144000" cy="6858000" type="screen4x3"/>
   <p:notesSz cx="6858000" cy="9144000"/>
@@ -775,7 +783,7 @@
           <a:p>
             <a:fld id="{2E700DB3-DBF0-4086-B675-117E7A9610B8}" type="datetimeFigureOut">
               <a:rPr lang="pt-BR" smtClean="0"/>
-              <a:t>01/08/2017</a:t>
+              <a:t>02/08/2017</a:t>
             </a:fld>
             <a:endParaRPr lang="pt-BR"/>
           </a:p>
@@ -971,7 +979,7 @@
           <a:p>
             <a:fld id="{2E700DB3-DBF0-4086-B675-117E7A9610B8}" type="datetimeFigureOut">
               <a:rPr lang="pt-BR" smtClean="0"/>
-              <a:t>01/08/2017</a:t>
+              <a:t>02/08/2017</a:t>
             </a:fld>
             <a:endParaRPr lang="pt-BR"/>
           </a:p>
@@ -1156,7 +1164,7 @@
           <a:p>
             <a:fld id="{2E700DB3-DBF0-4086-B675-117E7A9610B8}" type="datetimeFigureOut">
               <a:rPr lang="pt-BR" smtClean="0"/>
-              <a:t>01/08/2017</a:t>
+              <a:t>02/08/2017</a:t>
             </a:fld>
             <a:endParaRPr lang="pt-BR"/>
           </a:p>
@@ -1306,7 +1314,7 @@
           <a:p>
             <a:fld id="{2E700DB3-DBF0-4086-B675-117E7A9610B8}" type="datetimeFigureOut">
               <a:rPr lang="pt-BR" smtClean="0"/>
-              <a:t>01/08/2017</a:t>
+              <a:t>02/08/2017</a:t>
             </a:fld>
             <a:endParaRPr lang="pt-BR"/>
           </a:p>
@@ -1561,7 +1569,7 @@
           <a:p>
             <a:fld id="{2E700DB3-DBF0-4086-B675-117E7A9610B8}" type="datetimeFigureOut">
               <a:rPr lang="pt-BR" smtClean="0"/>
-              <a:t>01/08/2017</a:t>
+              <a:t>02/08/2017</a:t>
             </a:fld>
             <a:endParaRPr lang="pt-BR"/>
           </a:p>
@@ -1970,7 +1978,7 @@
           <a:p>
             <a:fld id="{2E700DB3-DBF0-4086-B675-117E7A9610B8}" type="datetimeFigureOut">
               <a:rPr lang="pt-BR" smtClean="0"/>
-              <a:t>01/08/2017</a:t>
+              <a:t>02/08/2017</a:t>
             </a:fld>
             <a:endParaRPr lang="pt-BR"/>
           </a:p>
@@ -2416,7 +2424,7 @@
           <a:p>
             <a:fld id="{2E700DB3-DBF0-4086-B675-117E7A9610B8}" type="datetimeFigureOut">
               <a:rPr lang="pt-BR" smtClean="0"/>
-              <a:t>01/08/2017</a:t>
+              <a:t>02/08/2017</a:t>
             </a:fld>
             <a:endParaRPr lang="pt-BR"/>
           </a:p>
@@ -2517,7 +2525,7 @@
           <a:p>
             <a:fld id="{2E700DB3-DBF0-4086-B675-117E7A9610B8}" type="datetimeFigureOut">
               <a:rPr lang="pt-BR" smtClean="0"/>
-              <a:t>01/08/2017</a:t>
+              <a:t>02/08/2017</a:t>
             </a:fld>
             <a:endParaRPr lang="pt-BR"/>
           </a:p>
@@ -2638,7 +2646,7 @@
           <a:p>
             <a:fld id="{2E700DB3-DBF0-4086-B675-117E7A9610B8}" type="datetimeFigureOut">
               <a:rPr lang="pt-BR" smtClean="0"/>
-              <a:t>01/08/2017</a:t>
+              <a:t>02/08/2017</a:t>
             </a:fld>
             <a:endParaRPr lang="pt-BR"/>
           </a:p>
@@ -2912,7 +2920,7 @@
           <a:p>
             <a:fld id="{2E700DB3-DBF0-4086-B675-117E7A9610B8}" type="datetimeFigureOut">
               <a:rPr lang="pt-BR" smtClean="0"/>
-              <a:t>01/08/2017</a:t>
+              <a:t>02/08/2017</a:t>
             </a:fld>
             <a:endParaRPr lang="pt-BR"/>
           </a:p>
@@ -3117,7 +3125,7 @@
           <a:p>
             <a:fld id="{2E700DB3-DBF0-4086-B675-117E7A9610B8}" type="datetimeFigureOut">
               <a:rPr lang="pt-BR" smtClean="0"/>
-              <a:t>01/08/2017</a:t>
+              <a:t>02/08/2017</a:t>
             </a:fld>
             <a:endParaRPr lang="pt-BR"/>
           </a:p>
@@ -4226,7 +4234,7 @@
           <a:p>
             <a:fld id="{2E700DB3-DBF0-4086-B675-117E7A9610B8}" type="datetimeFigureOut">
               <a:rPr lang="pt-BR" smtClean="0"/>
-              <a:t>01/08/2017</a:t>
+              <a:t>02/08/2017</a:t>
             </a:fld>
             <a:endParaRPr lang="pt-BR"/>
           </a:p>
@@ -9330,6 +9338,560 @@
 </p:sld>
 </file>
 
+<file path=ppt/slides/slide45.xml><?xml version="1.0" encoding="utf-8"?>
+<p:sld xmlns:a="http://schemas.openxmlformats.org/drawingml/2006/main" xmlns:r="http://schemas.openxmlformats.org/officeDocument/2006/relationships" xmlns:p="http://schemas.openxmlformats.org/presentationml/2006/main">
+  <p:cSld>
+    <p:spTree>
+      <p:nvGrpSpPr>
+        <p:cNvPr id="1" name=""/>
+        <p:cNvGrpSpPr/>
+        <p:nvPr/>
+      </p:nvGrpSpPr>
+      <p:grpSpPr>
+        <a:xfrm>
+          <a:off x="0" y="0"/>
+          <a:ext cx="0" cy="0"/>
+          <a:chOff x="0" y="0"/>
+          <a:chExt cx="0" cy="0"/>
+        </a:xfrm>
+      </p:grpSpPr>
+      <p:sp>
+        <p:nvSpPr>
+          <p:cNvPr id="5" name="Espaço Reservado para Conteúdo 4"/>
+          <p:cNvSpPr>
+            <a:spLocks noGrp="1"/>
+          </p:cNvSpPr>
+          <p:nvPr>
+            <p:ph idx="1"/>
+          </p:nvPr>
+        </p:nvSpPr>
+        <p:spPr/>
+        <p:txBody>
+          <a:bodyPr/>
+          <a:lstStyle/>
+          <a:p>
+            <a:r>
+              <a:rPr lang="pt-BR" dirty="0" smtClean="0"/>
+              <a:t>Para o algoritmo A* foram medidos os tempos computacionais de cada versão, o número de vértices abertos (NVA) médio e a qualidade da solução para a heurística não-admissível.</a:t>
+            </a:r>
+            <a:endParaRPr lang="pt-BR" dirty="0"/>
+          </a:p>
+        </p:txBody>
+      </p:sp>
+      <p:sp>
+        <p:nvSpPr>
+          <p:cNvPr id="4" name="Título 3"/>
+          <p:cNvSpPr>
+            <a:spLocks noGrp="1"/>
+          </p:cNvSpPr>
+          <p:nvPr>
+            <p:ph type="title"/>
+          </p:nvPr>
+        </p:nvSpPr>
+        <p:spPr/>
+        <p:txBody>
+          <a:bodyPr/>
+          <a:lstStyle/>
+          <a:p>
+            <a:r>
+              <a:rPr lang="pt-BR" dirty="0" smtClean="0"/>
+              <a:t>Algoritmo A*</a:t>
+            </a:r>
+            <a:endParaRPr lang="pt-BR" dirty="0"/>
+          </a:p>
+        </p:txBody>
+      </p:sp>
+    </p:spTree>
+    <p:extLst>
+      <p:ext uri="{BB962C8B-B14F-4D97-AF65-F5344CB8AC3E}">
+        <p14:creationId xmlns:p14="http://schemas.microsoft.com/office/powerpoint/2010/main" val="2432989613"/>
+      </p:ext>
+    </p:extLst>
+  </p:cSld>
+  <p:clrMapOvr>
+    <a:masterClrMapping/>
+  </p:clrMapOvr>
+  <p:timing>
+    <p:tnLst>
+      <p:par>
+        <p:cTn id="1" dur="indefinite" restart="never" nodeType="tmRoot"/>
+      </p:par>
+    </p:tnLst>
+  </p:timing>
+</p:sld>
+</file>
+
+<file path=ppt/slides/slide46.xml><?xml version="1.0" encoding="utf-8"?>
+<p:sld xmlns:a="http://schemas.openxmlformats.org/drawingml/2006/main" xmlns:r="http://schemas.openxmlformats.org/officeDocument/2006/relationships" xmlns:p="http://schemas.openxmlformats.org/presentationml/2006/main">
+  <p:cSld>
+    <p:spTree>
+      <p:nvGrpSpPr>
+        <p:cNvPr id="1" name=""/>
+        <p:cNvGrpSpPr/>
+        <p:nvPr/>
+      </p:nvGrpSpPr>
+      <p:grpSpPr>
+        <a:xfrm>
+          <a:off x="0" y="0"/>
+          <a:ext cx="0" cy="0"/>
+          <a:chOff x="0" y="0"/>
+          <a:chExt cx="0" cy="0"/>
+        </a:xfrm>
+      </p:grpSpPr>
+      <p:pic>
+        <p:nvPicPr>
+          <p:cNvPr id="4" name="Espaço Reservado para Conteúdo 3"/>
+          <p:cNvPicPr>
+            <a:picLocks noGrp="1" noChangeAspect="1"/>
+          </p:cNvPicPr>
+          <p:nvPr>
+            <p:ph idx="1"/>
+          </p:nvPr>
+        </p:nvPicPr>
+        <p:blipFill>
+          <a:blip r:embed="rId2">
+            <a:extLst>
+              <a:ext uri="{28A0092B-C50C-407E-A947-70E740481C1C}">
+                <a14:useLocalDpi xmlns:a14="http://schemas.microsoft.com/office/drawing/2010/main" val="0"/>
+              </a:ext>
+            </a:extLst>
+          </a:blip>
+          <a:stretch>
+            <a:fillRect/>
+          </a:stretch>
+        </p:blipFill>
+        <p:spPr>
+          <a:xfrm>
+            <a:off x="457200" y="3118294"/>
+            <a:ext cx="8229600" cy="1251650"/>
+          </a:xfrm>
+        </p:spPr>
+      </p:pic>
+      <p:sp>
+        <p:nvSpPr>
+          <p:cNvPr id="3" name="Título 2"/>
+          <p:cNvSpPr>
+            <a:spLocks noGrp="1"/>
+          </p:cNvSpPr>
+          <p:nvPr>
+            <p:ph type="title"/>
+          </p:nvPr>
+        </p:nvSpPr>
+        <p:spPr/>
+        <p:txBody>
+          <a:bodyPr/>
+          <a:lstStyle/>
+          <a:p>
+            <a:r>
+              <a:rPr lang="pt-BR" dirty="0" smtClean="0"/>
+              <a:t>Algoritmo A*</a:t>
+            </a:r>
+            <a:endParaRPr lang="pt-BR" dirty="0"/>
+          </a:p>
+        </p:txBody>
+      </p:sp>
+    </p:spTree>
+    <p:extLst>
+      <p:ext uri="{BB962C8B-B14F-4D97-AF65-F5344CB8AC3E}">
+        <p14:creationId xmlns:p14="http://schemas.microsoft.com/office/powerpoint/2010/main" val="2698610356"/>
+      </p:ext>
+    </p:extLst>
+  </p:cSld>
+  <p:clrMapOvr>
+    <a:masterClrMapping/>
+  </p:clrMapOvr>
+  <p:timing>
+    <p:tnLst>
+      <p:par>
+        <p:cTn id="1" dur="indefinite" restart="never" nodeType="tmRoot"/>
+      </p:par>
+    </p:tnLst>
+  </p:timing>
+</p:sld>
+</file>
+
+<file path=ppt/slides/slide47.xml><?xml version="1.0" encoding="utf-8"?>
+<p:sld xmlns:a="http://schemas.openxmlformats.org/drawingml/2006/main" xmlns:r="http://schemas.openxmlformats.org/officeDocument/2006/relationships" xmlns:p="http://schemas.openxmlformats.org/presentationml/2006/main">
+  <p:cSld>
+    <p:spTree>
+      <p:nvGrpSpPr>
+        <p:cNvPr id="1" name=""/>
+        <p:cNvGrpSpPr/>
+        <p:nvPr/>
+      </p:nvGrpSpPr>
+      <p:grpSpPr>
+        <a:xfrm>
+          <a:off x="0" y="0"/>
+          <a:ext cx="0" cy="0"/>
+          <a:chOff x="0" y="0"/>
+          <a:chExt cx="0" cy="0"/>
+        </a:xfrm>
+      </p:grpSpPr>
+      <p:sp>
+        <p:nvSpPr>
+          <p:cNvPr id="2" name="Espaço Reservado para Conteúdo 1"/>
+          <p:cNvSpPr>
+            <a:spLocks noGrp="1"/>
+          </p:cNvSpPr>
+          <p:nvPr>
+            <p:ph idx="1"/>
+          </p:nvPr>
+        </p:nvSpPr>
+        <p:spPr/>
+        <p:txBody>
+          <a:bodyPr>
+            <a:normAutofit/>
+          </a:bodyPr>
+          <a:lstStyle/>
+          <a:p>
+            <a:r>
+              <a:rPr lang="pt-BR" sz="2400" dirty="0" smtClean="0"/>
+              <a:t>Para os testes, foi utilizada as seguintes heurísticas</a:t>
+            </a:r>
+            <a:r>
+              <a:rPr lang="pt-BR" sz="2400" dirty="0" smtClean="0"/>
+              <a:t>:</a:t>
+            </a:r>
+          </a:p>
+          <a:p>
+            <a:endParaRPr lang="pt-BR" sz="2400" dirty="0" smtClean="0"/>
+          </a:p>
+          <a:p>
+            <a:pPr lvl="1"/>
+            <a:r>
+              <a:rPr lang="pt-BR" sz="2000" dirty="0" smtClean="0"/>
+              <a:t>Distância Euclidiana (admissível):</a:t>
+            </a:r>
+          </a:p>
+          <a:p>
+            <a:pPr lvl="1"/>
+            <a:endParaRPr lang="pt-BR" sz="2000" dirty="0"/>
+          </a:p>
+          <a:p>
+            <a:pPr lvl="1"/>
+            <a:endParaRPr lang="pt-BR" sz="2000" dirty="0" smtClean="0"/>
+          </a:p>
+          <a:p>
+            <a:pPr lvl="1"/>
+            <a:endParaRPr lang="pt-BR" sz="2000" dirty="0" smtClean="0"/>
+          </a:p>
+          <a:p>
+            <a:pPr lvl="1"/>
+            <a:endParaRPr lang="pt-BR" sz="2000" dirty="0"/>
+          </a:p>
+          <a:p>
+            <a:pPr lvl="1"/>
+            <a:r>
+              <a:rPr lang="pt-BR" sz="2000" dirty="0" smtClean="0"/>
+              <a:t>Distância Manhattan (não-admissível):</a:t>
+            </a:r>
+            <a:endParaRPr lang="pt-BR" sz="2000" dirty="0"/>
+          </a:p>
+        </p:txBody>
+      </p:sp>
+      <p:sp>
+        <p:nvSpPr>
+          <p:cNvPr id="3" name="Título 2"/>
+          <p:cNvSpPr>
+            <a:spLocks noGrp="1"/>
+          </p:cNvSpPr>
+          <p:nvPr>
+            <p:ph type="title"/>
+          </p:nvPr>
+        </p:nvSpPr>
+        <p:spPr/>
+        <p:txBody>
+          <a:bodyPr/>
+          <a:lstStyle/>
+          <a:p>
+            <a:r>
+              <a:rPr lang="pt-BR" dirty="0" smtClean="0"/>
+              <a:t>Algoritmo A*</a:t>
+            </a:r>
+            <a:endParaRPr lang="pt-BR" dirty="0"/>
+          </a:p>
+        </p:txBody>
+      </p:sp>
+      <p:pic>
+        <p:nvPicPr>
+          <p:cNvPr id="1027" name="Picture 3" descr="C:\Users\SHOPPE\AppData\Desktop\Trabalhos\Projeto de Graduação\Apresentação\Admissivel.png"/>
+          <p:cNvPicPr>
+            <a:picLocks noChangeAspect="1" noChangeArrowheads="1"/>
+          </p:cNvPicPr>
+          <p:nvPr/>
+        </p:nvPicPr>
+        <p:blipFill>
+          <a:blip r:embed="rId2">
+            <a:extLst>
+              <a:ext uri="{28A0092B-C50C-407E-A947-70E740481C1C}">
+                <a14:useLocalDpi xmlns:a14="http://schemas.microsoft.com/office/drawing/2010/main" val="0"/>
+              </a:ext>
+            </a:extLst>
+          </a:blip>
+          <a:srcRect/>
+          <a:stretch>
+            <a:fillRect/>
+          </a:stretch>
+        </p:blipFill>
+        <p:spPr bwMode="auto">
+          <a:xfrm>
+            <a:off x="971600" y="3037857"/>
+            <a:ext cx="5472608" cy="1065204"/>
+          </a:xfrm>
+          <a:prstGeom prst="rect">
+            <a:avLst/>
+          </a:prstGeom>
+          <a:noFill/>
+          <a:extLst>
+            <a:ext uri="{909E8E84-426E-40DD-AFC4-6F175D3DCCD1}">
+              <a14:hiddenFill xmlns:a14="http://schemas.microsoft.com/office/drawing/2010/main">
+                <a:solidFill>
+                  <a:srgbClr val="FFFFFF"/>
+                </a:solidFill>
+              </a14:hiddenFill>
+            </a:ext>
+          </a:extLst>
+        </p:spPr>
+      </p:pic>
+      <p:pic>
+        <p:nvPicPr>
+          <p:cNvPr id="1028" name="Picture 4" descr="C:\Users\SHOPPE\AppData\Desktop\Trabalhos\Projeto de Graduação\Apresentação\não-adimissivel.png"/>
+          <p:cNvPicPr>
+            <a:picLocks noChangeAspect="1" noChangeArrowheads="1"/>
+          </p:cNvPicPr>
+          <p:nvPr/>
+        </p:nvPicPr>
+        <p:blipFill>
+          <a:blip r:embed="rId3">
+            <a:extLst>
+              <a:ext uri="{28A0092B-C50C-407E-A947-70E740481C1C}">
+                <a14:useLocalDpi xmlns:a14="http://schemas.microsoft.com/office/drawing/2010/main" val="0"/>
+              </a:ext>
+            </a:extLst>
+          </a:blip>
+          <a:srcRect/>
+          <a:stretch>
+            <a:fillRect/>
+          </a:stretch>
+        </p:blipFill>
+        <p:spPr bwMode="auto">
+          <a:xfrm>
+            <a:off x="1259632" y="5085184"/>
+            <a:ext cx="4371975" cy="904875"/>
+          </a:xfrm>
+          <a:prstGeom prst="rect">
+            <a:avLst/>
+          </a:prstGeom>
+          <a:noFill/>
+          <a:extLst>
+            <a:ext uri="{909E8E84-426E-40DD-AFC4-6F175D3DCCD1}">
+              <a14:hiddenFill xmlns:a14="http://schemas.microsoft.com/office/drawing/2010/main">
+                <a:solidFill>
+                  <a:srgbClr val="FFFFFF"/>
+                </a:solidFill>
+              </a14:hiddenFill>
+            </a:ext>
+          </a:extLst>
+        </p:spPr>
+      </p:pic>
+    </p:spTree>
+    <p:extLst>
+      <p:ext uri="{BB962C8B-B14F-4D97-AF65-F5344CB8AC3E}">
+        <p14:creationId xmlns:p14="http://schemas.microsoft.com/office/powerpoint/2010/main" val="2328859626"/>
+      </p:ext>
+    </p:extLst>
+  </p:cSld>
+  <p:clrMapOvr>
+    <a:masterClrMapping/>
+  </p:clrMapOvr>
+  <p:timing>
+    <p:tnLst>
+      <p:par>
+        <p:cTn id="1" dur="indefinite" restart="never" nodeType="tmRoot"/>
+      </p:par>
+    </p:tnLst>
+  </p:timing>
+</p:sld>
+</file>
+
+<file path=ppt/slides/slide48.xml><?xml version="1.0" encoding="utf-8"?>
+<p:sld xmlns:a="http://schemas.openxmlformats.org/drawingml/2006/main" xmlns:r="http://schemas.openxmlformats.org/officeDocument/2006/relationships" xmlns:p="http://schemas.openxmlformats.org/presentationml/2006/main">
+  <p:cSld>
+    <p:spTree>
+      <p:nvGrpSpPr>
+        <p:cNvPr id="1" name=""/>
+        <p:cNvGrpSpPr/>
+        <p:nvPr/>
+      </p:nvGrpSpPr>
+      <p:grpSpPr>
+        <a:xfrm>
+          <a:off x="0" y="0"/>
+          <a:ext cx="0" cy="0"/>
+          <a:chOff x="0" y="0"/>
+          <a:chExt cx="0" cy="0"/>
+        </a:xfrm>
+      </p:grpSpPr>
+      <p:pic>
+        <p:nvPicPr>
+          <p:cNvPr id="4" name="Espaço Reservado para Conteúdo 3"/>
+          <p:cNvPicPr>
+            <a:picLocks noGrp="1" noChangeAspect="1"/>
+          </p:cNvPicPr>
+          <p:nvPr>
+            <p:ph idx="1"/>
+          </p:nvPr>
+        </p:nvPicPr>
+        <p:blipFill>
+          <a:blip r:embed="rId2">
+            <a:extLst>
+              <a:ext uri="{28A0092B-C50C-407E-A947-70E740481C1C}">
+                <a14:useLocalDpi xmlns:a14="http://schemas.microsoft.com/office/drawing/2010/main" val="0"/>
+              </a:ext>
+            </a:extLst>
+          </a:blip>
+          <a:stretch>
+            <a:fillRect/>
+          </a:stretch>
+        </p:blipFill>
+        <p:spPr>
+          <a:xfrm>
+            <a:off x="457200" y="3032726"/>
+            <a:ext cx="8229600" cy="1422786"/>
+          </a:xfrm>
+        </p:spPr>
+      </p:pic>
+      <p:sp>
+        <p:nvSpPr>
+          <p:cNvPr id="3" name="Título 2"/>
+          <p:cNvSpPr>
+            <a:spLocks noGrp="1"/>
+          </p:cNvSpPr>
+          <p:nvPr>
+            <p:ph type="title"/>
+          </p:nvPr>
+        </p:nvSpPr>
+        <p:spPr/>
+        <p:txBody>
+          <a:bodyPr/>
+          <a:lstStyle/>
+          <a:p>
+            <a:r>
+              <a:rPr lang="pt-BR" dirty="0" smtClean="0"/>
+              <a:t>Algoritmo A*</a:t>
+            </a:r>
+            <a:endParaRPr lang="pt-BR" dirty="0"/>
+          </a:p>
+        </p:txBody>
+      </p:sp>
+    </p:spTree>
+    <p:extLst>
+      <p:ext uri="{BB962C8B-B14F-4D97-AF65-F5344CB8AC3E}">
+        <p14:creationId xmlns:p14="http://schemas.microsoft.com/office/powerpoint/2010/main" val="2315703593"/>
+      </p:ext>
+    </p:extLst>
+  </p:cSld>
+  <p:clrMapOvr>
+    <a:masterClrMapping/>
+  </p:clrMapOvr>
+  <p:timing>
+    <p:tnLst>
+      <p:par>
+        <p:cTn id="1" dur="indefinite" restart="never" nodeType="tmRoot"/>
+      </p:par>
+    </p:tnLst>
+  </p:timing>
+</p:sld>
+</file>
+
+<file path=ppt/slides/slide49.xml><?xml version="1.0" encoding="utf-8"?>
+<p:sld xmlns:a="http://schemas.openxmlformats.org/drawingml/2006/main" xmlns:r="http://schemas.openxmlformats.org/officeDocument/2006/relationships" xmlns:p="http://schemas.openxmlformats.org/presentationml/2006/main">
+  <p:cSld>
+    <p:spTree>
+      <p:nvGrpSpPr>
+        <p:cNvPr id="1" name=""/>
+        <p:cNvGrpSpPr/>
+        <p:nvPr/>
+      </p:nvGrpSpPr>
+      <p:grpSpPr>
+        <a:xfrm>
+          <a:off x="0" y="0"/>
+          <a:ext cx="0" cy="0"/>
+          <a:chOff x="0" y="0"/>
+          <a:chExt cx="0" cy="0"/>
+        </a:xfrm>
+      </p:grpSpPr>
+      <p:sp>
+        <p:nvSpPr>
+          <p:cNvPr id="3" name="Título 2"/>
+          <p:cNvSpPr>
+            <a:spLocks noGrp="1"/>
+          </p:cNvSpPr>
+          <p:nvPr>
+            <p:ph type="title"/>
+          </p:nvPr>
+        </p:nvSpPr>
+        <p:spPr/>
+        <p:txBody>
+          <a:bodyPr/>
+          <a:lstStyle/>
+          <a:p>
+            <a:r>
+              <a:rPr lang="pt-BR" dirty="0" smtClean="0"/>
+              <a:t>Algoritmo A*</a:t>
+            </a:r>
+            <a:endParaRPr lang="pt-BR" dirty="0"/>
+          </a:p>
+        </p:txBody>
+      </p:sp>
+      <p:pic>
+        <p:nvPicPr>
+          <p:cNvPr id="5" name="Espaço Reservado para Conteúdo 4"/>
+          <p:cNvPicPr>
+            <a:picLocks noGrp="1" noChangeAspect="1"/>
+          </p:cNvPicPr>
+          <p:nvPr>
+            <p:ph idx="1"/>
+          </p:nvPr>
+        </p:nvPicPr>
+        <p:blipFill>
+          <a:blip r:embed="rId2">
+            <a:extLst>
+              <a:ext uri="{28A0092B-C50C-407E-A947-70E740481C1C}">
+                <a14:useLocalDpi xmlns:a14="http://schemas.microsoft.com/office/drawing/2010/main" val="0"/>
+              </a:ext>
+            </a:extLst>
+          </a:blip>
+          <a:stretch>
+            <a:fillRect/>
+          </a:stretch>
+        </p:blipFill>
+        <p:spPr>
+          <a:xfrm>
+            <a:off x="1850848" y="2814201"/>
+            <a:ext cx="5442304" cy="1859835"/>
+          </a:xfrm>
+        </p:spPr>
+      </p:pic>
+    </p:spTree>
+    <p:extLst>
+      <p:ext uri="{BB962C8B-B14F-4D97-AF65-F5344CB8AC3E}">
+        <p14:creationId xmlns:p14="http://schemas.microsoft.com/office/powerpoint/2010/main" val="2346504608"/>
+      </p:ext>
+    </p:extLst>
+  </p:cSld>
+  <p:clrMapOvr>
+    <a:masterClrMapping/>
+  </p:clrMapOvr>
+  <p:timing>
+    <p:tnLst>
+      <p:par>
+        <p:cTn id="1" dur="indefinite" restart="never" nodeType="tmRoot"/>
+      </p:par>
+    </p:tnLst>
+  </p:timing>
+</p:sld>
+</file>
+
 <file path=ppt/slides/slide5.xml><?xml version="1.0" encoding="utf-8"?>
 <p:sld xmlns:a="http://schemas.openxmlformats.org/drawingml/2006/main" xmlns:r="http://schemas.openxmlformats.org/officeDocument/2006/relationships" xmlns:p="http://schemas.openxmlformats.org/presentationml/2006/main">
   <p:cSld>
@@ -9403,6 +9965,402 @@
     <p:extLst>
       <p:ext uri="{BB962C8B-B14F-4D97-AF65-F5344CB8AC3E}">
         <p14:creationId xmlns:p14="http://schemas.microsoft.com/office/powerpoint/2010/main" val="3311533550"/>
+      </p:ext>
+    </p:extLst>
+  </p:cSld>
+  <p:clrMapOvr>
+    <a:masterClrMapping/>
+  </p:clrMapOvr>
+  <p:timing>
+    <p:tnLst>
+      <p:par>
+        <p:cTn id="1" dur="indefinite" restart="never" nodeType="tmRoot"/>
+      </p:par>
+    </p:tnLst>
+  </p:timing>
+</p:sld>
+</file>
+
+<file path=ppt/slides/slide50.xml><?xml version="1.0" encoding="utf-8"?>
+<p:sld xmlns:a="http://schemas.openxmlformats.org/drawingml/2006/main" xmlns:r="http://schemas.openxmlformats.org/officeDocument/2006/relationships" xmlns:p="http://schemas.openxmlformats.org/presentationml/2006/main">
+  <p:cSld>
+    <p:spTree>
+      <p:nvGrpSpPr>
+        <p:cNvPr id="1" name=""/>
+        <p:cNvGrpSpPr/>
+        <p:nvPr/>
+      </p:nvGrpSpPr>
+      <p:grpSpPr>
+        <a:xfrm>
+          <a:off x="0" y="0"/>
+          <a:ext cx="0" cy="0"/>
+          <a:chOff x="0" y="0"/>
+          <a:chExt cx="0" cy="0"/>
+        </a:xfrm>
+      </p:grpSpPr>
+      <p:sp>
+        <p:nvSpPr>
+          <p:cNvPr id="3" name="Título 2"/>
+          <p:cNvSpPr>
+            <a:spLocks noGrp="1"/>
+          </p:cNvSpPr>
+          <p:nvPr>
+            <p:ph type="title"/>
+          </p:nvPr>
+        </p:nvSpPr>
+        <p:spPr/>
+        <p:txBody>
+          <a:bodyPr/>
+          <a:lstStyle/>
+          <a:p>
+            <a:r>
+              <a:rPr lang="pt-BR" dirty="0" smtClean="0"/>
+              <a:t>Algoritmo A*</a:t>
+            </a:r>
+            <a:endParaRPr lang="pt-BR" dirty="0"/>
+          </a:p>
+        </p:txBody>
+      </p:sp>
+      <p:pic>
+        <p:nvPicPr>
+          <p:cNvPr id="5" name="Espaço Reservado para Conteúdo 4"/>
+          <p:cNvPicPr>
+            <a:picLocks noGrp="1" noChangeAspect="1"/>
+          </p:cNvPicPr>
+          <p:nvPr>
+            <p:ph idx="1"/>
+          </p:nvPr>
+        </p:nvPicPr>
+        <p:blipFill>
+          <a:blip r:embed="rId2">
+            <a:extLst>
+              <a:ext uri="{28A0092B-C50C-407E-A947-70E740481C1C}">
+                <a14:useLocalDpi xmlns:a14="http://schemas.microsoft.com/office/drawing/2010/main" val="0"/>
+              </a:ext>
+            </a:extLst>
+          </a:blip>
+          <a:stretch>
+            <a:fillRect/>
+          </a:stretch>
+        </p:blipFill>
+        <p:spPr>
+          <a:xfrm>
+            <a:off x="457200" y="2977761"/>
+            <a:ext cx="8229600" cy="1532715"/>
+          </a:xfrm>
+        </p:spPr>
+      </p:pic>
+    </p:spTree>
+    <p:extLst>
+      <p:ext uri="{BB962C8B-B14F-4D97-AF65-F5344CB8AC3E}">
+        <p14:creationId xmlns:p14="http://schemas.microsoft.com/office/powerpoint/2010/main" val="649361393"/>
+      </p:ext>
+    </p:extLst>
+  </p:cSld>
+  <p:clrMapOvr>
+    <a:masterClrMapping/>
+  </p:clrMapOvr>
+  <p:timing>
+    <p:tnLst>
+      <p:par>
+        <p:cTn id="1" dur="indefinite" restart="never" nodeType="tmRoot"/>
+      </p:par>
+    </p:tnLst>
+  </p:timing>
+</p:sld>
+</file>
+
+<file path=ppt/slides/slide51.xml><?xml version="1.0" encoding="utf-8"?>
+<p:sld xmlns:a="http://schemas.openxmlformats.org/drawingml/2006/main" xmlns:r="http://schemas.openxmlformats.org/officeDocument/2006/relationships" xmlns:p="http://schemas.openxmlformats.org/presentationml/2006/main">
+  <p:cSld>
+    <p:spTree>
+      <p:nvGrpSpPr>
+        <p:cNvPr id="1" name=""/>
+        <p:cNvGrpSpPr/>
+        <p:nvPr/>
+      </p:nvGrpSpPr>
+      <p:grpSpPr>
+        <a:xfrm>
+          <a:off x="0" y="0"/>
+          <a:ext cx="0" cy="0"/>
+          <a:chOff x="0" y="0"/>
+          <a:chExt cx="0" cy="0"/>
+        </a:xfrm>
+      </p:grpSpPr>
+      <p:sp>
+        <p:nvSpPr>
+          <p:cNvPr id="2" name="Espaço Reservado para Conteúdo 1"/>
+          <p:cNvSpPr>
+            <a:spLocks noGrp="1"/>
+          </p:cNvSpPr>
+          <p:nvPr>
+            <p:ph idx="1"/>
+          </p:nvPr>
+        </p:nvSpPr>
+        <p:spPr/>
+        <p:txBody>
+          <a:bodyPr>
+            <a:normAutofit fontScale="92500" lnSpcReduction="10000"/>
+          </a:bodyPr>
+          <a:lstStyle/>
+          <a:p>
+            <a:r>
+              <a:rPr lang="pt-BR" sz="2400" dirty="0" smtClean="0"/>
+              <a:t>O algoritmo A* teve </a:t>
+            </a:r>
+            <a:r>
+              <a:rPr lang="pt-BR" sz="2400" dirty="0"/>
+              <a:t>um </a:t>
+            </a:r>
+            <a:r>
+              <a:rPr lang="pt-BR" sz="2400" dirty="0" smtClean="0"/>
+              <a:t>desempenho computacional </a:t>
+            </a:r>
+            <a:r>
+              <a:rPr lang="pt-BR" sz="2400" dirty="0"/>
+              <a:t>melhor do que o algoritmo </a:t>
+            </a:r>
+            <a:r>
+              <a:rPr lang="pt-BR" sz="2400" dirty="0" smtClean="0"/>
+              <a:t>Dijkstra, inclusive sobre o Dijkstra Adaptado;</a:t>
+            </a:r>
+          </a:p>
+          <a:p>
+            <a:endParaRPr lang="pt-BR" sz="2400" dirty="0"/>
+          </a:p>
+          <a:p>
+            <a:r>
+              <a:rPr lang="pt-BR" sz="2400" dirty="0" smtClean="0"/>
+              <a:t>O resultado </a:t>
+            </a:r>
+            <a:r>
+              <a:rPr lang="pt-BR" sz="2400" dirty="0"/>
+              <a:t>está diretamente ligado ao </a:t>
+            </a:r>
+            <a:r>
+              <a:rPr lang="pt-BR" sz="2400" dirty="0" smtClean="0"/>
+              <a:t>número de </a:t>
+            </a:r>
+            <a:r>
+              <a:rPr lang="pt-BR" sz="2400" dirty="0"/>
+              <a:t>vértices abertos por cada </a:t>
+            </a:r>
+            <a:r>
+              <a:rPr lang="pt-BR" sz="2400" dirty="0" smtClean="0"/>
+              <a:t>algoritmo;</a:t>
+            </a:r>
+          </a:p>
+          <a:p>
+            <a:endParaRPr lang="pt-BR" sz="2400" dirty="0"/>
+          </a:p>
+          <a:p>
+            <a:r>
+              <a:rPr lang="pt-BR" sz="2400" dirty="0" smtClean="0"/>
+              <a:t>O </a:t>
+            </a:r>
+            <a:r>
+              <a:rPr lang="pt-BR" sz="2400" dirty="0"/>
+              <a:t>que obteve menor tempo computacional foi </a:t>
+            </a:r>
+            <a:r>
+              <a:rPr lang="pt-BR" sz="2400" dirty="0" smtClean="0"/>
+              <a:t>o algoritmo </a:t>
+            </a:r>
+            <a:r>
+              <a:rPr lang="pt-BR" sz="2400" dirty="0"/>
+              <a:t>A* aplicando a heurística não-admissível Distância </a:t>
+            </a:r>
+            <a:r>
+              <a:rPr lang="pt-BR" sz="2400" dirty="0" smtClean="0"/>
+              <a:t>Manhattan;</a:t>
+            </a:r>
+          </a:p>
+          <a:p>
+            <a:endParaRPr lang="pt-BR" sz="2400" dirty="0"/>
+          </a:p>
+          <a:p>
+            <a:r>
+              <a:rPr lang="pt-BR" sz="2400" dirty="0" smtClean="0"/>
+              <a:t>A qualidade da solução do A* não-admissível girou em torno de 4%.</a:t>
+            </a:r>
+            <a:endParaRPr lang="pt-BR" sz="2400" dirty="0" smtClean="0"/>
+          </a:p>
+          <a:p>
+            <a:endParaRPr lang="pt-BR" dirty="0"/>
+          </a:p>
+        </p:txBody>
+      </p:sp>
+      <p:sp>
+        <p:nvSpPr>
+          <p:cNvPr id="3" name="Título 2"/>
+          <p:cNvSpPr>
+            <a:spLocks noGrp="1"/>
+          </p:cNvSpPr>
+          <p:nvPr>
+            <p:ph type="title"/>
+          </p:nvPr>
+        </p:nvSpPr>
+        <p:spPr/>
+        <p:txBody>
+          <a:bodyPr/>
+          <a:lstStyle/>
+          <a:p>
+            <a:r>
+              <a:rPr lang="pt-BR" dirty="0" smtClean="0"/>
+              <a:t>Análise dos resultados</a:t>
+            </a:r>
+            <a:endParaRPr lang="pt-BR" dirty="0"/>
+          </a:p>
+        </p:txBody>
+      </p:sp>
+    </p:spTree>
+    <p:extLst>
+      <p:ext uri="{BB962C8B-B14F-4D97-AF65-F5344CB8AC3E}">
+        <p14:creationId xmlns:p14="http://schemas.microsoft.com/office/powerpoint/2010/main" val="1262210044"/>
+      </p:ext>
+    </p:extLst>
+  </p:cSld>
+  <p:clrMapOvr>
+    <a:masterClrMapping/>
+  </p:clrMapOvr>
+  <p:timing>
+    <p:tnLst>
+      <p:par>
+        <p:cTn id="1" dur="indefinite" restart="never" nodeType="tmRoot"/>
+      </p:par>
+    </p:tnLst>
+  </p:timing>
+</p:sld>
+</file>
+
+<file path=ppt/slides/slide52.xml><?xml version="1.0" encoding="utf-8"?>
+<p:sld xmlns:a="http://schemas.openxmlformats.org/drawingml/2006/main" xmlns:r="http://schemas.openxmlformats.org/officeDocument/2006/relationships" xmlns:p="http://schemas.openxmlformats.org/presentationml/2006/main">
+  <p:cSld>
+    <p:spTree>
+      <p:nvGrpSpPr>
+        <p:cNvPr id="1" name=""/>
+        <p:cNvGrpSpPr/>
+        <p:nvPr/>
+      </p:nvGrpSpPr>
+      <p:grpSpPr>
+        <a:xfrm>
+          <a:off x="0" y="0"/>
+          <a:ext cx="0" cy="0"/>
+          <a:chOff x="0" y="0"/>
+          <a:chExt cx="0" cy="0"/>
+        </a:xfrm>
+      </p:grpSpPr>
+      <p:sp>
+        <p:nvSpPr>
+          <p:cNvPr id="2" name="Espaço Reservado para Conteúdo 1"/>
+          <p:cNvSpPr>
+            <a:spLocks noGrp="1"/>
+          </p:cNvSpPr>
+          <p:nvPr>
+            <p:ph idx="1"/>
+          </p:nvPr>
+        </p:nvSpPr>
+        <p:spPr/>
+        <p:txBody>
+          <a:bodyPr>
+            <a:normAutofit fontScale="85000" lnSpcReduction="10000"/>
+          </a:bodyPr>
+          <a:lstStyle/>
+          <a:p>
+            <a:r>
+              <a:rPr lang="pt-BR" dirty="0"/>
+              <a:t>O algoritmo A* mostra ser um ótimo algoritmo para o cálculo de menor </a:t>
+            </a:r>
+            <a:r>
+              <a:rPr lang="pt-BR" dirty="0" smtClean="0"/>
+              <a:t>caminho entre </a:t>
+            </a:r>
+            <a:r>
+              <a:rPr lang="pt-BR" dirty="0"/>
+              <a:t>dois </a:t>
+            </a:r>
+            <a:r>
+              <a:rPr lang="pt-BR" dirty="0" smtClean="0"/>
+              <a:t>vértices;</a:t>
+            </a:r>
+          </a:p>
+          <a:p>
+            <a:endParaRPr lang="pt-BR" dirty="0"/>
+          </a:p>
+          <a:p>
+            <a:r>
+              <a:rPr lang="pt-BR" dirty="0" smtClean="0"/>
+              <a:t>Sua implementação é simples e é praticamente um Dijkstra Adaptado;</a:t>
+            </a:r>
+          </a:p>
+          <a:p>
+            <a:endParaRPr lang="pt-BR" dirty="0"/>
+          </a:p>
+          <a:p>
+            <a:r>
+              <a:rPr lang="pt-BR" dirty="0" smtClean="0"/>
+              <a:t>Para </a:t>
+            </a:r>
+            <a:r>
+              <a:rPr lang="pt-BR" dirty="0"/>
+              <a:t>a garantia do melhor caminho como o algoritmo </a:t>
+            </a:r>
+            <a:r>
+              <a:rPr lang="pt-BR" dirty="0" smtClean="0"/>
+              <a:t>de Dijkstra </a:t>
+            </a:r>
+            <a:r>
+              <a:rPr lang="pt-BR" dirty="0"/>
+              <a:t>o </a:t>
+            </a:r>
+            <a:r>
+              <a:rPr lang="pt-BR" dirty="0" smtClean="0"/>
+              <a:t>faz, é obrigatório o uso de heurística admissível;</a:t>
+            </a:r>
+          </a:p>
+          <a:p>
+            <a:endParaRPr lang="pt-BR" dirty="0"/>
+          </a:p>
+          <a:p>
+            <a:r>
+              <a:rPr lang="pt-BR" dirty="0" smtClean="0"/>
+              <a:t>O método Manhattan mostra um bom resultado para aplicações que não exigem o melhor caminho, tendo a qualidade da solução girado </a:t>
+            </a:r>
+            <a:r>
+              <a:rPr lang="pt-BR" smtClean="0"/>
+              <a:t>em torno de 4%.</a:t>
+            </a:r>
+            <a:endParaRPr lang="pt-BR" dirty="0"/>
+          </a:p>
+        </p:txBody>
+      </p:sp>
+      <p:sp>
+        <p:nvSpPr>
+          <p:cNvPr id="3" name="Título 2"/>
+          <p:cNvSpPr>
+            <a:spLocks noGrp="1"/>
+          </p:cNvSpPr>
+          <p:nvPr>
+            <p:ph type="title"/>
+          </p:nvPr>
+        </p:nvSpPr>
+        <p:spPr/>
+        <p:txBody>
+          <a:bodyPr/>
+          <a:lstStyle/>
+          <a:p>
+            <a:r>
+              <a:rPr lang="pt-BR" dirty="0" smtClean="0"/>
+              <a:t>Conclusões</a:t>
+            </a:r>
+            <a:endParaRPr lang="pt-BR" dirty="0"/>
+          </a:p>
+        </p:txBody>
+      </p:sp>
+    </p:spTree>
+    <p:extLst>
+      <p:ext uri="{BB962C8B-B14F-4D97-AF65-F5344CB8AC3E}">
+        <p14:creationId xmlns:p14="http://schemas.microsoft.com/office/powerpoint/2010/main" val="3346309902"/>
       </p:ext>
     </p:extLst>
   </p:cSld>

--- a/Academia/Apresentação PG/Apresentação PG.pptx
+++ b/Academia/Apresentação PG/Apresentação PG.pptx
@@ -57,6 +57,22 @@
     <p:sldId id="305" r:id="rId51"/>
     <p:sldId id="306" r:id="rId52"/>
     <p:sldId id="307" r:id="rId53"/>
+    <p:sldId id="308" r:id="rId54"/>
+    <p:sldId id="309" r:id="rId55"/>
+    <p:sldId id="310" r:id="rId56"/>
+    <p:sldId id="311" r:id="rId57"/>
+    <p:sldId id="312" r:id="rId58"/>
+    <p:sldId id="313" r:id="rId59"/>
+    <p:sldId id="314" r:id="rId60"/>
+    <p:sldId id="315" r:id="rId61"/>
+    <p:sldId id="316" r:id="rId62"/>
+    <p:sldId id="317" r:id="rId63"/>
+    <p:sldId id="318" r:id="rId64"/>
+    <p:sldId id="319" r:id="rId65"/>
+    <p:sldId id="320" r:id="rId66"/>
+    <p:sldId id="321" r:id="rId67"/>
+    <p:sldId id="322" r:id="rId68"/>
+    <p:sldId id="323" r:id="rId69"/>
   </p:sldIdLst>
   <p:sldSz cx="9144000" cy="6858000" type="screen4x3"/>
   <p:notesSz cx="6858000" cy="9144000"/>
@@ -9546,11 +9562,7 @@
           <a:p>
             <a:r>
               <a:rPr lang="pt-BR" sz="2400" dirty="0" smtClean="0"/>
-              <a:t>Para os testes, foi utilizada as seguintes heurísticas</a:t>
-            </a:r>
-            <a:r>
-              <a:rPr lang="pt-BR" sz="2400" dirty="0" smtClean="0"/>
-              <a:t>:</a:t>
+              <a:t>Para os testes, foi utilizada as seguintes heurísticas:</a:t>
             </a:r>
           </a:p>
           <a:p>
@@ -10183,7 +10195,6 @@
               <a:rPr lang="pt-BR" sz="2400" dirty="0" smtClean="0"/>
               <a:t>A qualidade da solução do A* não-admissível girou em torno de 4%.</a:t>
             </a:r>
-            <a:endParaRPr lang="pt-BR" sz="2400" dirty="0" smtClean="0"/>
           </a:p>
           <a:p>
             <a:endParaRPr lang="pt-BR" dirty="0"/>
@@ -10377,6 +10388,784 @@
 </p:sld>
 </file>
 
+<file path=ppt/slides/slide53.xml><?xml version="1.0" encoding="utf-8"?>
+<p:sld xmlns:a="http://schemas.openxmlformats.org/drawingml/2006/main" xmlns:r="http://schemas.openxmlformats.org/officeDocument/2006/relationships" xmlns:p="http://schemas.openxmlformats.org/presentationml/2006/main">
+  <p:cSld>
+    <p:spTree>
+      <p:nvGrpSpPr>
+        <p:cNvPr id="1" name=""/>
+        <p:cNvGrpSpPr/>
+        <p:nvPr/>
+      </p:nvGrpSpPr>
+      <p:grpSpPr>
+        <a:xfrm>
+          <a:off x="0" y="0"/>
+          <a:ext cx="0" cy="0"/>
+          <a:chOff x="0" y="0"/>
+          <a:chExt cx="0" cy="0"/>
+        </a:xfrm>
+      </p:grpSpPr>
+      <p:sp>
+        <p:nvSpPr>
+          <p:cNvPr id="2" name="Título 1"/>
+          <p:cNvSpPr>
+            <a:spLocks noGrp="1"/>
+          </p:cNvSpPr>
+          <p:nvPr>
+            <p:ph type="title"/>
+          </p:nvPr>
+        </p:nvSpPr>
+        <p:spPr/>
+        <p:txBody>
+          <a:bodyPr/>
+          <a:lstStyle/>
+          <a:p>
+            <a:r>
+              <a:rPr lang="pt-BR" dirty="0" smtClean="0"/>
+              <a:t>Testes Computacionais</a:t>
+            </a:r>
+            <a:endParaRPr lang="pt-BR" dirty="0"/>
+          </a:p>
+        </p:txBody>
+      </p:sp>
+      <p:sp>
+        <p:nvSpPr>
+          <p:cNvPr id="3" name="Espaço Reservado para Texto 2"/>
+          <p:cNvSpPr>
+            <a:spLocks noGrp="1"/>
+          </p:cNvSpPr>
+          <p:nvPr>
+            <p:ph type="body" idx="1"/>
+          </p:nvPr>
+        </p:nvSpPr>
+        <p:spPr/>
+        <p:txBody>
+          <a:bodyPr>
+            <a:normAutofit/>
+          </a:bodyPr>
+          <a:lstStyle/>
+          <a:p>
+            <a:r>
+              <a:rPr lang="pt-BR" dirty="0" smtClean="0"/>
+              <a:t>5.3 </a:t>
+            </a:r>
+            <a:r>
+              <a:rPr lang="pt-BR" dirty="0" smtClean="0"/>
+              <a:t>Algoritmos Dinâmicos</a:t>
+            </a:r>
+            <a:endParaRPr lang="pt-BR" dirty="0"/>
+          </a:p>
+        </p:txBody>
+      </p:sp>
+    </p:spTree>
+    <p:extLst>
+      <p:ext uri="{BB962C8B-B14F-4D97-AF65-F5344CB8AC3E}">
+        <p14:creationId xmlns:p14="http://schemas.microsoft.com/office/powerpoint/2010/main" val="356238467"/>
+      </p:ext>
+    </p:extLst>
+  </p:cSld>
+  <p:clrMapOvr>
+    <a:masterClrMapping/>
+  </p:clrMapOvr>
+  <p:timing>
+    <p:tnLst>
+      <p:par>
+        <p:cTn id="1" dur="indefinite" restart="never" nodeType="tmRoot"/>
+      </p:par>
+    </p:tnLst>
+  </p:timing>
+</p:sld>
+</file>
+
+<file path=ppt/slides/slide54.xml><?xml version="1.0" encoding="utf-8"?>
+<p:sld xmlns:a="http://schemas.openxmlformats.org/drawingml/2006/main" xmlns:r="http://schemas.openxmlformats.org/officeDocument/2006/relationships" xmlns:p="http://schemas.openxmlformats.org/presentationml/2006/main">
+  <p:cSld>
+    <p:spTree>
+      <p:nvGrpSpPr>
+        <p:cNvPr id="1" name=""/>
+        <p:cNvGrpSpPr/>
+        <p:nvPr/>
+      </p:nvGrpSpPr>
+      <p:grpSpPr>
+        <a:xfrm>
+          <a:off x="0" y="0"/>
+          <a:ext cx="0" cy="0"/>
+          <a:chOff x="0" y="0"/>
+          <a:chExt cx="0" cy="0"/>
+        </a:xfrm>
+      </p:grpSpPr>
+      <p:sp>
+        <p:nvSpPr>
+          <p:cNvPr id="2" name="Espaço Reservado para Conteúdo 1"/>
+          <p:cNvSpPr>
+            <a:spLocks noGrp="1"/>
+          </p:cNvSpPr>
+          <p:nvPr>
+            <p:ph idx="1"/>
+          </p:nvPr>
+        </p:nvSpPr>
+        <p:spPr/>
+        <p:txBody>
+          <a:bodyPr>
+            <a:normAutofit/>
+          </a:bodyPr>
+          <a:lstStyle/>
+          <a:p>
+            <a:r>
+              <a:rPr lang="pt-BR" dirty="0"/>
+              <a:t>Será afixado </a:t>
+            </a:r>
+            <a:r>
+              <a:rPr lang="pt-BR" dirty="0" smtClean="0"/>
+              <a:t>um conjunto </a:t>
+            </a:r>
+            <a:r>
+              <a:rPr lang="pt-BR" dirty="0"/>
+              <a:t>arbitrário de </a:t>
+            </a:r>
+            <a:r>
+              <a:rPr lang="pt-BR" i="1" dirty="0"/>
+              <a:t> </a:t>
+            </a:r>
+            <a:r>
+              <a:rPr lang="pt-BR" dirty="0"/>
+              <a:t>e será medido quanto tempo o algoritmo ARA* acha uma </a:t>
+            </a:r>
+            <a:r>
+              <a:rPr lang="pt-BR" dirty="0" smtClean="0"/>
+              <a:t>solução (mesmo </a:t>
+            </a:r>
+            <a:r>
+              <a:rPr lang="pt-BR" dirty="0"/>
+              <a:t>não sendo a ótima) para aquele determinado </a:t>
+            </a:r>
+            <a:r>
+              <a:rPr lang="pt-BR" i="1" dirty="0"/>
+              <a:t> </a:t>
+            </a:r>
+            <a:r>
+              <a:rPr lang="pt-BR" dirty="0"/>
+              <a:t>e comparar com o tempo que </a:t>
+            </a:r>
+            <a:r>
+              <a:rPr lang="pt-BR" dirty="0" smtClean="0"/>
+              <a:t>o algoritmo </a:t>
+            </a:r>
+            <a:r>
+              <a:rPr lang="pt-BR" dirty="0"/>
+              <a:t>A* acha uma solução </a:t>
+            </a:r>
+            <a:r>
+              <a:rPr lang="pt-BR" dirty="0" smtClean="0"/>
+              <a:t>ótima, </a:t>
+            </a:r>
+            <a:r>
+              <a:rPr lang="pt-BR" dirty="0"/>
+              <a:t>além do número médio de vértices abertos</a:t>
+            </a:r>
+            <a:r>
+              <a:rPr lang="pt-BR" dirty="0" smtClean="0"/>
+              <a:t>;</a:t>
+            </a:r>
+          </a:p>
+          <a:p>
+            <a:endParaRPr lang="pt-BR" dirty="0"/>
+          </a:p>
+          <a:p>
+            <a:endParaRPr lang="pt-BR" dirty="0"/>
+          </a:p>
+        </p:txBody>
+      </p:sp>
+      <p:sp>
+        <p:nvSpPr>
+          <p:cNvPr id="3" name="Título 2"/>
+          <p:cNvSpPr>
+            <a:spLocks noGrp="1"/>
+          </p:cNvSpPr>
+          <p:nvPr>
+            <p:ph type="title"/>
+          </p:nvPr>
+        </p:nvSpPr>
+        <p:spPr/>
+        <p:txBody>
+          <a:bodyPr/>
+          <a:lstStyle/>
+          <a:p>
+            <a:r>
+              <a:rPr lang="pt-BR" dirty="0" smtClean="0"/>
+              <a:t>ARA*</a:t>
+            </a:r>
+            <a:endParaRPr lang="pt-BR" dirty="0"/>
+          </a:p>
+        </p:txBody>
+      </p:sp>
+    </p:spTree>
+    <p:extLst>
+      <p:ext uri="{BB962C8B-B14F-4D97-AF65-F5344CB8AC3E}">
+        <p14:creationId xmlns:p14="http://schemas.microsoft.com/office/powerpoint/2010/main" val="3061627038"/>
+      </p:ext>
+    </p:extLst>
+  </p:cSld>
+  <p:clrMapOvr>
+    <a:masterClrMapping/>
+  </p:clrMapOvr>
+  <p:timing>
+    <p:tnLst>
+      <p:par>
+        <p:cTn id="1" dur="indefinite" restart="never" nodeType="tmRoot"/>
+      </p:par>
+    </p:tnLst>
+  </p:timing>
+</p:sld>
+</file>
+
+<file path=ppt/slides/slide55.xml><?xml version="1.0" encoding="utf-8"?>
+<p:sld xmlns:a="http://schemas.openxmlformats.org/drawingml/2006/main" xmlns:r="http://schemas.openxmlformats.org/officeDocument/2006/relationships" xmlns:p="http://schemas.openxmlformats.org/presentationml/2006/main">
+  <p:cSld>
+    <p:spTree>
+      <p:nvGrpSpPr>
+        <p:cNvPr id="1" name=""/>
+        <p:cNvGrpSpPr/>
+        <p:nvPr/>
+      </p:nvGrpSpPr>
+      <p:grpSpPr>
+        <a:xfrm>
+          <a:off x="0" y="0"/>
+          <a:ext cx="0" cy="0"/>
+          <a:chOff x="0" y="0"/>
+          <a:chExt cx="0" cy="0"/>
+        </a:xfrm>
+      </p:grpSpPr>
+      <p:pic>
+        <p:nvPicPr>
+          <p:cNvPr id="4" name="Espaço Reservado para Conteúdo 3"/>
+          <p:cNvPicPr>
+            <a:picLocks noGrp="1" noChangeAspect="1"/>
+          </p:cNvPicPr>
+          <p:nvPr>
+            <p:ph idx="1"/>
+          </p:nvPr>
+        </p:nvPicPr>
+        <p:blipFill>
+          <a:blip r:embed="rId2">
+            <a:extLst>
+              <a:ext uri="{28A0092B-C50C-407E-A947-70E740481C1C}">
+                <a14:useLocalDpi xmlns:a14="http://schemas.microsoft.com/office/drawing/2010/main" val="0"/>
+              </a:ext>
+            </a:extLst>
+          </a:blip>
+          <a:stretch>
+            <a:fillRect/>
+          </a:stretch>
+        </p:blipFill>
+        <p:spPr>
+          <a:xfrm>
+            <a:off x="457200" y="1553528"/>
+            <a:ext cx="8229600" cy="4381181"/>
+          </a:xfrm>
+        </p:spPr>
+      </p:pic>
+      <p:sp>
+        <p:nvSpPr>
+          <p:cNvPr id="3" name="Título 2"/>
+          <p:cNvSpPr>
+            <a:spLocks noGrp="1"/>
+          </p:cNvSpPr>
+          <p:nvPr>
+            <p:ph type="title"/>
+          </p:nvPr>
+        </p:nvSpPr>
+        <p:spPr/>
+        <p:txBody>
+          <a:bodyPr/>
+          <a:lstStyle/>
+          <a:p>
+            <a:r>
+              <a:rPr lang="pt-BR" dirty="0" smtClean="0"/>
+              <a:t>ARA*</a:t>
+            </a:r>
+            <a:endParaRPr lang="pt-BR" dirty="0"/>
+          </a:p>
+        </p:txBody>
+      </p:sp>
+    </p:spTree>
+    <p:extLst>
+      <p:ext uri="{BB962C8B-B14F-4D97-AF65-F5344CB8AC3E}">
+        <p14:creationId xmlns:p14="http://schemas.microsoft.com/office/powerpoint/2010/main" val="4278293707"/>
+      </p:ext>
+    </p:extLst>
+  </p:cSld>
+  <p:clrMapOvr>
+    <a:masterClrMapping/>
+  </p:clrMapOvr>
+  <p:timing>
+    <p:tnLst>
+      <p:par>
+        <p:cTn id="1" dur="indefinite" restart="never" nodeType="tmRoot"/>
+      </p:par>
+    </p:tnLst>
+  </p:timing>
+</p:sld>
+</file>
+
+<file path=ppt/slides/slide56.xml><?xml version="1.0" encoding="utf-8"?>
+<p:sld xmlns:a="http://schemas.openxmlformats.org/drawingml/2006/main" xmlns:r="http://schemas.openxmlformats.org/officeDocument/2006/relationships" xmlns:p="http://schemas.openxmlformats.org/presentationml/2006/main">
+  <p:cSld>
+    <p:spTree>
+      <p:nvGrpSpPr>
+        <p:cNvPr id="1" name=""/>
+        <p:cNvGrpSpPr/>
+        <p:nvPr/>
+      </p:nvGrpSpPr>
+      <p:grpSpPr>
+        <a:xfrm>
+          <a:off x="0" y="0"/>
+          <a:ext cx="0" cy="0"/>
+          <a:chOff x="0" y="0"/>
+          <a:chExt cx="0" cy="0"/>
+        </a:xfrm>
+      </p:grpSpPr>
+      <p:sp>
+        <p:nvSpPr>
+          <p:cNvPr id="2" name="Espaço Reservado para Conteúdo 1"/>
+          <p:cNvSpPr>
+            <a:spLocks noGrp="1"/>
+          </p:cNvSpPr>
+          <p:nvPr>
+            <p:ph idx="1"/>
+          </p:nvPr>
+        </p:nvSpPr>
+        <p:spPr/>
+        <p:txBody>
+          <a:bodyPr>
+            <a:normAutofit/>
+          </a:bodyPr>
+          <a:lstStyle/>
+          <a:p>
+            <a:r>
+              <a:rPr lang="pt-BR" dirty="0"/>
+              <a:t>ARA* possui um ganho no </a:t>
+            </a:r>
+            <a:r>
+              <a:rPr lang="pt-BR" dirty="0" smtClean="0"/>
+              <a:t>tempo consideravelmente alto;</a:t>
+            </a:r>
+          </a:p>
+          <a:p>
+            <a:endParaRPr lang="pt-BR" dirty="0"/>
+          </a:p>
+          <a:p>
+            <a:r>
+              <a:rPr lang="pt-BR" dirty="0"/>
+              <a:t>É </a:t>
+            </a:r>
+            <a:r>
+              <a:rPr lang="pt-BR" dirty="0" smtClean="0"/>
+              <a:t>notável </a:t>
+            </a:r>
+            <a:r>
+              <a:rPr lang="pt-BR" dirty="0"/>
+              <a:t>quantidade reduzida de vértices abertos pelo ARA*, mostrando </a:t>
+            </a:r>
+            <a:r>
+              <a:rPr lang="pt-BR" dirty="0" smtClean="0"/>
+              <a:t>que de </a:t>
+            </a:r>
+            <a:r>
+              <a:rPr lang="pt-BR" dirty="0"/>
+              <a:t>fato o uso da heurística inflada “poda” mais ainda os </a:t>
+            </a:r>
+            <a:r>
+              <a:rPr lang="pt-BR" dirty="0" smtClean="0"/>
+              <a:t>vértices </a:t>
+            </a:r>
+            <a:r>
+              <a:rPr lang="pt-BR" dirty="0"/>
+              <a:t>a serem visitados </a:t>
+            </a:r>
+            <a:r>
+              <a:rPr lang="pt-BR" dirty="0" smtClean="0"/>
+              <a:t>com relação </a:t>
+            </a:r>
+            <a:r>
+              <a:rPr lang="pt-BR" dirty="0"/>
+              <a:t>ao A</a:t>
+            </a:r>
+            <a:r>
+              <a:rPr lang="pt-BR" dirty="0" smtClean="0"/>
+              <a:t>*.</a:t>
+            </a:r>
+          </a:p>
+          <a:p>
+            <a:endParaRPr lang="pt-BR" dirty="0"/>
+          </a:p>
+          <a:p>
+            <a:endParaRPr lang="pt-BR" dirty="0"/>
+          </a:p>
+        </p:txBody>
+      </p:sp>
+      <p:sp>
+        <p:nvSpPr>
+          <p:cNvPr id="3" name="Título 2"/>
+          <p:cNvSpPr>
+            <a:spLocks noGrp="1"/>
+          </p:cNvSpPr>
+          <p:nvPr>
+            <p:ph type="title"/>
+          </p:nvPr>
+        </p:nvSpPr>
+        <p:spPr/>
+        <p:txBody>
+          <a:bodyPr/>
+          <a:lstStyle/>
+          <a:p>
+            <a:r>
+              <a:rPr lang="pt-BR" dirty="0" smtClean="0"/>
+              <a:t>ARA* - análise dos resultados</a:t>
+            </a:r>
+            <a:endParaRPr lang="pt-BR" dirty="0"/>
+          </a:p>
+        </p:txBody>
+      </p:sp>
+    </p:spTree>
+    <p:extLst>
+      <p:ext uri="{BB962C8B-B14F-4D97-AF65-F5344CB8AC3E}">
+        <p14:creationId xmlns:p14="http://schemas.microsoft.com/office/powerpoint/2010/main" val="2391098075"/>
+      </p:ext>
+    </p:extLst>
+  </p:cSld>
+  <p:clrMapOvr>
+    <a:masterClrMapping/>
+  </p:clrMapOvr>
+  <p:timing>
+    <p:tnLst>
+      <p:par>
+        <p:cTn id="1" dur="indefinite" restart="never" nodeType="tmRoot"/>
+      </p:par>
+    </p:tnLst>
+  </p:timing>
+</p:sld>
+</file>
+
+<file path=ppt/slides/slide57.xml><?xml version="1.0" encoding="utf-8"?>
+<p:sld xmlns:a="http://schemas.openxmlformats.org/drawingml/2006/main" xmlns:r="http://schemas.openxmlformats.org/officeDocument/2006/relationships" xmlns:p="http://schemas.openxmlformats.org/presentationml/2006/main">
+  <p:cSld>
+    <p:spTree>
+      <p:nvGrpSpPr>
+        <p:cNvPr id="1" name=""/>
+        <p:cNvGrpSpPr/>
+        <p:nvPr/>
+      </p:nvGrpSpPr>
+      <p:grpSpPr>
+        <a:xfrm>
+          <a:off x="0" y="0"/>
+          <a:ext cx="0" cy="0"/>
+          <a:chOff x="0" y="0"/>
+          <a:chExt cx="0" cy="0"/>
+        </a:xfrm>
+      </p:grpSpPr>
+      <p:sp>
+        <p:nvSpPr>
+          <p:cNvPr id="2" name="Espaço Reservado para Conteúdo 1"/>
+          <p:cNvSpPr>
+            <a:spLocks noGrp="1"/>
+          </p:cNvSpPr>
+          <p:nvPr>
+            <p:ph idx="1"/>
+          </p:nvPr>
+        </p:nvSpPr>
+        <p:spPr/>
+        <p:txBody>
+          <a:bodyPr/>
+          <a:lstStyle/>
+          <a:p>
+            <a:endParaRPr lang="pt-BR" dirty="0"/>
+          </a:p>
+        </p:txBody>
+      </p:sp>
+      <p:sp>
+        <p:nvSpPr>
+          <p:cNvPr id="3" name="Título 2"/>
+          <p:cNvSpPr>
+            <a:spLocks noGrp="1"/>
+          </p:cNvSpPr>
+          <p:nvPr>
+            <p:ph type="title"/>
+          </p:nvPr>
+        </p:nvSpPr>
+        <p:spPr/>
+        <p:txBody>
+          <a:bodyPr/>
+          <a:lstStyle/>
+          <a:p>
+            <a:r>
+              <a:rPr lang="pt-BR" dirty="0" smtClean="0"/>
+              <a:t>AD*</a:t>
+            </a:r>
+            <a:endParaRPr lang="pt-BR" dirty="0"/>
+          </a:p>
+        </p:txBody>
+      </p:sp>
+    </p:spTree>
+    <p:extLst>
+      <p:ext uri="{BB962C8B-B14F-4D97-AF65-F5344CB8AC3E}">
+        <p14:creationId xmlns:p14="http://schemas.microsoft.com/office/powerpoint/2010/main" val="2031869317"/>
+      </p:ext>
+    </p:extLst>
+  </p:cSld>
+  <p:clrMapOvr>
+    <a:masterClrMapping/>
+  </p:clrMapOvr>
+  <p:timing>
+    <p:tnLst>
+      <p:par>
+        <p:cTn id="1" dur="indefinite" restart="never" nodeType="tmRoot"/>
+      </p:par>
+    </p:tnLst>
+  </p:timing>
+</p:sld>
+</file>
+
+<file path=ppt/slides/slide58.xml><?xml version="1.0" encoding="utf-8"?>
+<p:sld xmlns:a="http://schemas.openxmlformats.org/drawingml/2006/main" xmlns:r="http://schemas.openxmlformats.org/officeDocument/2006/relationships" xmlns:p="http://schemas.openxmlformats.org/presentationml/2006/main">
+  <p:cSld>
+    <p:spTree>
+      <p:nvGrpSpPr>
+        <p:cNvPr id="1" name=""/>
+        <p:cNvGrpSpPr/>
+        <p:nvPr/>
+      </p:nvGrpSpPr>
+      <p:grpSpPr>
+        <a:xfrm>
+          <a:off x="0" y="0"/>
+          <a:ext cx="0" cy="0"/>
+          <a:chOff x="0" y="0"/>
+          <a:chExt cx="0" cy="0"/>
+        </a:xfrm>
+      </p:grpSpPr>
+      <p:pic>
+        <p:nvPicPr>
+          <p:cNvPr id="4" name="Espaço Reservado para Conteúdo 3"/>
+          <p:cNvPicPr>
+            <a:picLocks noGrp="1" noChangeAspect="1"/>
+          </p:cNvPicPr>
+          <p:nvPr>
+            <p:ph idx="1"/>
+          </p:nvPr>
+        </p:nvPicPr>
+        <p:blipFill>
+          <a:blip r:embed="rId2">
+            <a:extLst>
+              <a:ext uri="{28A0092B-C50C-407E-A947-70E740481C1C}">
+                <a14:useLocalDpi xmlns:a14="http://schemas.microsoft.com/office/drawing/2010/main" val="0"/>
+              </a:ext>
+            </a:extLst>
+          </a:blip>
+          <a:stretch>
+            <a:fillRect/>
+          </a:stretch>
+        </p:blipFill>
+        <p:spPr>
+          <a:xfrm>
+            <a:off x="1003884" y="1481138"/>
+            <a:ext cx="7136231" cy="4525962"/>
+          </a:xfrm>
+        </p:spPr>
+      </p:pic>
+      <p:sp>
+        <p:nvSpPr>
+          <p:cNvPr id="3" name="Título 2"/>
+          <p:cNvSpPr>
+            <a:spLocks noGrp="1"/>
+          </p:cNvSpPr>
+          <p:nvPr>
+            <p:ph type="title"/>
+          </p:nvPr>
+        </p:nvSpPr>
+        <p:spPr/>
+        <p:txBody>
+          <a:bodyPr/>
+          <a:lstStyle/>
+          <a:p>
+            <a:r>
+              <a:rPr lang="pt-BR" dirty="0" smtClean="0"/>
+              <a:t>AD*</a:t>
+            </a:r>
+            <a:endParaRPr lang="pt-BR" dirty="0"/>
+          </a:p>
+        </p:txBody>
+      </p:sp>
+    </p:spTree>
+    <p:extLst>
+      <p:ext uri="{BB962C8B-B14F-4D97-AF65-F5344CB8AC3E}">
+        <p14:creationId xmlns:p14="http://schemas.microsoft.com/office/powerpoint/2010/main" val="3397847760"/>
+      </p:ext>
+    </p:extLst>
+  </p:cSld>
+  <p:clrMapOvr>
+    <a:masterClrMapping/>
+  </p:clrMapOvr>
+  <p:timing>
+    <p:tnLst>
+      <p:par>
+        <p:cTn id="1" dur="indefinite" restart="never" nodeType="tmRoot"/>
+      </p:par>
+    </p:tnLst>
+  </p:timing>
+</p:sld>
+</file>
+
+<file path=ppt/slides/slide59.xml><?xml version="1.0" encoding="utf-8"?>
+<p:sld xmlns:a="http://schemas.openxmlformats.org/drawingml/2006/main" xmlns:r="http://schemas.openxmlformats.org/officeDocument/2006/relationships" xmlns:p="http://schemas.openxmlformats.org/presentationml/2006/main">
+  <p:cSld>
+    <p:spTree>
+      <p:nvGrpSpPr>
+        <p:cNvPr id="1" name=""/>
+        <p:cNvGrpSpPr/>
+        <p:nvPr/>
+      </p:nvGrpSpPr>
+      <p:grpSpPr>
+        <a:xfrm>
+          <a:off x="0" y="0"/>
+          <a:ext cx="0" cy="0"/>
+          <a:chOff x="0" y="0"/>
+          <a:chExt cx="0" cy="0"/>
+        </a:xfrm>
+      </p:grpSpPr>
+      <p:sp>
+        <p:nvSpPr>
+          <p:cNvPr id="2" name="Espaço Reservado para Conteúdo 1"/>
+          <p:cNvSpPr>
+            <a:spLocks noGrp="1"/>
+          </p:cNvSpPr>
+          <p:nvPr>
+            <p:ph idx="1"/>
+          </p:nvPr>
+        </p:nvSpPr>
+        <p:spPr/>
+        <p:txBody>
+          <a:bodyPr>
+            <a:normAutofit fontScale="92500" lnSpcReduction="10000"/>
+          </a:bodyPr>
+          <a:lstStyle/>
+          <a:p>
+            <a:r>
+              <a:rPr lang="pt-BR" dirty="0" smtClean="0"/>
+              <a:t>Em geral, </a:t>
+            </a:r>
+            <a:r>
+              <a:rPr lang="pt-BR" dirty="0"/>
+              <a:t>AD* possui um tempo computacional em </a:t>
+            </a:r>
+            <a:r>
+              <a:rPr lang="pt-BR" dirty="0" smtClean="0"/>
+              <a:t>geral melhor </a:t>
+            </a:r>
+            <a:r>
+              <a:rPr lang="pt-BR" dirty="0"/>
+              <a:t>do que A* quando usado para recalcular a rota em grafos </a:t>
+            </a:r>
+            <a:r>
+              <a:rPr lang="pt-BR" dirty="0" smtClean="0"/>
+              <a:t>dinâmicos;</a:t>
+            </a:r>
+          </a:p>
+          <a:p>
+            <a:endParaRPr lang="pt-BR" dirty="0"/>
+          </a:p>
+          <a:p>
+            <a:r>
+              <a:rPr lang="pt-BR" dirty="0" smtClean="0"/>
+              <a:t>Essa </a:t>
+            </a:r>
+            <a:r>
+              <a:rPr lang="pt-BR" dirty="0"/>
+              <a:t>diferença foi maior para quando o grafo tem o peso de suas </a:t>
+            </a:r>
+            <a:r>
+              <a:rPr lang="pt-BR" dirty="0" smtClean="0"/>
+              <a:t>arestas diminuídos </a:t>
+            </a:r>
+            <a:r>
+              <a:rPr lang="pt-BR" dirty="0"/>
+              <a:t>do que quando o peso é </a:t>
+            </a:r>
+            <a:r>
+              <a:rPr lang="pt-BR" dirty="0" smtClean="0"/>
+              <a:t>aumentado;</a:t>
+            </a:r>
+          </a:p>
+          <a:p>
+            <a:endParaRPr lang="pt-BR" dirty="0"/>
+          </a:p>
+          <a:p>
+            <a:r>
+              <a:rPr lang="pt-BR" dirty="0"/>
+              <a:t>Isso é justificável, já que a rotina </a:t>
+            </a:r>
+            <a:r>
+              <a:rPr lang="pt-BR" dirty="0" smtClean="0"/>
+              <a:t>de tratamento </a:t>
+            </a:r>
+            <a:r>
+              <a:rPr lang="pt-BR" dirty="0"/>
+              <a:t>para arestas com o peso aumentado é mais complexa do que para o </a:t>
+            </a:r>
+            <a:r>
+              <a:rPr lang="pt-BR" dirty="0" smtClean="0"/>
+              <a:t>peso diminuído </a:t>
+            </a:r>
+            <a:r>
+              <a:rPr lang="pt-BR" dirty="0"/>
+              <a:t>(MOURA; RITT; BURIOL, 2010).</a:t>
+            </a:r>
+            <a:endParaRPr lang="pt-BR" dirty="0"/>
+          </a:p>
+        </p:txBody>
+      </p:sp>
+      <p:sp>
+        <p:nvSpPr>
+          <p:cNvPr id="3" name="Título 2"/>
+          <p:cNvSpPr>
+            <a:spLocks noGrp="1"/>
+          </p:cNvSpPr>
+          <p:nvPr>
+            <p:ph type="title"/>
+          </p:nvPr>
+        </p:nvSpPr>
+        <p:spPr/>
+        <p:txBody>
+          <a:bodyPr/>
+          <a:lstStyle/>
+          <a:p>
+            <a:r>
+              <a:rPr lang="pt-BR" dirty="0" smtClean="0"/>
+              <a:t>AD* - análise dos resultados</a:t>
+            </a:r>
+            <a:endParaRPr lang="pt-BR" dirty="0"/>
+          </a:p>
+        </p:txBody>
+      </p:sp>
+    </p:spTree>
+    <p:extLst>
+      <p:ext uri="{BB962C8B-B14F-4D97-AF65-F5344CB8AC3E}">
+        <p14:creationId xmlns:p14="http://schemas.microsoft.com/office/powerpoint/2010/main" val="3193443702"/>
+      </p:ext>
+    </p:extLst>
+  </p:cSld>
+  <p:clrMapOvr>
+    <a:masterClrMapping/>
+  </p:clrMapOvr>
+  <p:timing>
+    <p:tnLst>
+      <p:par>
+        <p:cTn id="1" dur="indefinite" restart="never" nodeType="tmRoot"/>
+      </p:par>
+    </p:tnLst>
+  </p:timing>
+</p:sld>
+</file>
+
 <file path=ppt/slides/slide6.xml><?xml version="1.0" encoding="utf-8"?>
 <p:sld xmlns:a="http://schemas.openxmlformats.org/drawingml/2006/main" xmlns:r="http://schemas.openxmlformats.org/officeDocument/2006/relationships" xmlns:p="http://schemas.openxmlformats.org/presentationml/2006/main">
   <p:cSld>
@@ -10449,6 +11238,1597 @@
     <p:extLst>
       <p:ext uri="{BB962C8B-B14F-4D97-AF65-F5344CB8AC3E}">
         <p14:creationId xmlns:p14="http://schemas.microsoft.com/office/powerpoint/2010/main" val="3675915091"/>
+      </p:ext>
+    </p:extLst>
+  </p:cSld>
+  <p:clrMapOvr>
+    <a:masterClrMapping/>
+  </p:clrMapOvr>
+  <p:timing>
+    <p:tnLst>
+      <p:par>
+        <p:cTn id="1" dur="indefinite" restart="never" nodeType="tmRoot"/>
+      </p:par>
+    </p:tnLst>
+  </p:timing>
+</p:sld>
+</file>
+
+<file path=ppt/slides/slide60.xml><?xml version="1.0" encoding="utf-8"?>
+<p:sld xmlns:a="http://schemas.openxmlformats.org/drawingml/2006/main" xmlns:r="http://schemas.openxmlformats.org/officeDocument/2006/relationships" xmlns:p="http://schemas.openxmlformats.org/presentationml/2006/main">
+  <p:cSld>
+    <p:spTree>
+      <p:nvGrpSpPr>
+        <p:cNvPr id="1" name=""/>
+        <p:cNvGrpSpPr/>
+        <p:nvPr/>
+      </p:nvGrpSpPr>
+      <p:grpSpPr>
+        <a:xfrm>
+          <a:off x="0" y="0"/>
+          <a:ext cx="0" cy="0"/>
+          <a:chOff x="0" y="0"/>
+          <a:chExt cx="0" cy="0"/>
+        </a:xfrm>
+      </p:grpSpPr>
+      <p:sp>
+        <p:nvSpPr>
+          <p:cNvPr id="2" name="Espaço Reservado para Conteúdo 1"/>
+          <p:cNvSpPr>
+            <a:spLocks noGrp="1"/>
+          </p:cNvSpPr>
+          <p:nvPr>
+            <p:ph idx="1"/>
+          </p:nvPr>
+        </p:nvSpPr>
+        <p:spPr/>
+        <p:txBody>
+          <a:bodyPr>
+            <a:normAutofit lnSpcReduction="10000"/>
+          </a:bodyPr>
+          <a:lstStyle/>
+          <a:p>
+            <a:r>
+              <a:rPr lang="pt-BR" dirty="0" smtClean="0"/>
+              <a:t>O ganho computacional ocorre mesmo quando não há alteração dos vértices;</a:t>
+            </a:r>
+          </a:p>
+          <a:p>
+            <a:endParaRPr lang="pt-BR" dirty="0"/>
+          </a:p>
+          <a:p>
+            <a:r>
+              <a:rPr lang="pt-BR" dirty="0" smtClean="0"/>
+              <a:t>O </a:t>
+            </a:r>
+            <a:r>
+              <a:rPr lang="pt-BR" dirty="0"/>
+              <a:t>número de vértices </a:t>
+            </a:r>
+            <a:r>
+              <a:rPr lang="pt-BR" dirty="0" smtClean="0"/>
+              <a:t>abertos pelo </a:t>
+            </a:r>
+            <a:r>
+              <a:rPr lang="pt-BR" dirty="0"/>
+              <a:t>AD*, em geral, é menor do que o A</a:t>
+            </a:r>
+            <a:r>
+              <a:rPr lang="pt-BR" dirty="0" smtClean="0"/>
+              <a:t>*;</a:t>
+            </a:r>
+          </a:p>
+          <a:p>
+            <a:endParaRPr lang="pt-BR" dirty="0"/>
+          </a:p>
+          <a:p>
+            <a:r>
+              <a:rPr lang="pt-BR" dirty="0" smtClean="0"/>
+              <a:t>O </a:t>
+            </a:r>
+            <a:r>
+              <a:rPr lang="pt-BR" dirty="0"/>
+              <a:t>ganho foi maior quando houve </a:t>
+            </a:r>
+            <a:r>
+              <a:rPr lang="pt-BR" dirty="0" smtClean="0"/>
+              <a:t>muitas mudanças </a:t>
+            </a:r>
+            <a:r>
+              <a:rPr lang="pt-BR" dirty="0"/>
+              <a:t>dos vértices (50%-70%), mostrando que esse algoritmo se adéqua bem a </a:t>
+            </a:r>
+            <a:r>
+              <a:rPr lang="pt-BR" dirty="0" smtClean="0"/>
+              <a:t>grandes mudanças </a:t>
+            </a:r>
+            <a:r>
+              <a:rPr lang="pt-BR" dirty="0"/>
+              <a:t>no grafo mantendo um bom </a:t>
+            </a:r>
+            <a:r>
+              <a:rPr lang="pt-BR" dirty="0" smtClean="0"/>
+              <a:t>desempenho.</a:t>
+            </a:r>
+            <a:endParaRPr lang="pt-BR" dirty="0"/>
+          </a:p>
+        </p:txBody>
+      </p:sp>
+      <p:sp>
+        <p:nvSpPr>
+          <p:cNvPr id="3" name="Título 2"/>
+          <p:cNvSpPr>
+            <a:spLocks noGrp="1"/>
+          </p:cNvSpPr>
+          <p:nvPr>
+            <p:ph type="title"/>
+          </p:nvPr>
+        </p:nvSpPr>
+        <p:spPr/>
+        <p:txBody>
+          <a:bodyPr/>
+          <a:lstStyle/>
+          <a:p>
+            <a:r>
+              <a:rPr lang="pt-BR" dirty="0" smtClean="0"/>
+              <a:t>AD* - análise dos resultados</a:t>
+            </a:r>
+            <a:endParaRPr lang="pt-BR" dirty="0"/>
+          </a:p>
+        </p:txBody>
+      </p:sp>
+    </p:spTree>
+    <p:extLst>
+      <p:ext uri="{BB962C8B-B14F-4D97-AF65-F5344CB8AC3E}">
+        <p14:creationId xmlns:p14="http://schemas.microsoft.com/office/powerpoint/2010/main" val="670696392"/>
+      </p:ext>
+    </p:extLst>
+  </p:cSld>
+  <p:clrMapOvr>
+    <a:masterClrMapping/>
+  </p:clrMapOvr>
+  <p:timing>
+    <p:tnLst>
+      <p:par>
+        <p:cTn id="1" dur="indefinite" restart="never" nodeType="tmRoot"/>
+      </p:par>
+    </p:tnLst>
+  </p:timing>
+</p:sld>
+</file>
+
+<file path=ppt/slides/slide61.xml><?xml version="1.0" encoding="utf-8"?>
+<p:sld xmlns:a="http://schemas.openxmlformats.org/drawingml/2006/main" xmlns:r="http://schemas.openxmlformats.org/officeDocument/2006/relationships" xmlns:p="http://schemas.openxmlformats.org/presentationml/2006/main">
+  <p:cSld>
+    <p:spTree>
+      <p:nvGrpSpPr>
+        <p:cNvPr id="1" name=""/>
+        <p:cNvGrpSpPr/>
+        <p:nvPr/>
+      </p:nvGrpSpPr>
+      <p:grpSpPr>
+        <a:xfrm>
+          <a:off x="0" y="0"/>
+          <a:ext cx="0" cy="0"/>
+          <a:chOff x="0" y="0"/>
+          <a:chExt cx="0" cy="0"/>
+        </a:xfrm>
+      </p:grpSpPr>
+      <p:sp>
+        <p:nvSpPr>
+          <p:cNvPr id="2" name="Espaço Reservado para Conteúdo 1"/>
+          <p:cNvSpPr>
+            <a:spLocks noGrp="1"/>
+          </p:cNvSpPr>
+          <p:nvPr>
+            <p:ph idx="1"/>
+          </p:nvPr>
+        </p:nvSpPr>
+        <p:spPr/>
+        <p:txBody>
+          <a:bodyPr>
+            <a:normAutofit lnSpcReduction="10000"/>
+          </a:bodyPr>
+          <a:lstStyle/>
+          <a:p>
+            <a:r>
+              <a:rPr lang="pt-BR" dirty="0" smtClean="0"/>
+              <a:t>O uso do ARA* </a:t>
+            </a:r>
+            <a:r>
+              <a:rPr lang="pt-BR" dirty="0"/>
+              <a:t>se torna ideal para </a:t>
+            </a:r>
+            <a:r>
+              <a:rPr lang="pt-BR" dirty="0" smtClean="0"/>
+              <a:t>aplicações que </a:t>
+            </a:r>
+            <a:r>
+              <a:rPr lang="pt-BR" dirty="0"/>
+              <a:t>necessitam de respostas rápidas e não tem a obrigatoriedade de se ter o </a:t>
+            </a:r>
+            <a:r>
+              <a:rPr lang="pt-BR" dirty="0" smtClean="0"/>
+              <a:t>resultado ótimo.</a:t>
+            </a:r>
+          </a:p>
+          <a:p>
+            <a:endParaRPr lang="pt-BR" dirty="0" smtClean="0"/>
+          </a:p>
+          <a:p>
+            <a:r>
+              <a:rPr lang="pt-BR" dirty="0" smtClean="0"/>
+              <a:t>Mais </a:t>
+            </a:r>
+            <a:r>
+              <a:rPr lang="pt-BR" dirty="0"/>
+              <a:t>interessante ainda é </a:t>
+            </a:r>
+            <a:r>
+              <a:rPr lang="pt-BR" dirty="0" smtClean="0"/>
+              <a:t>que </a:t>
+            </a:r>
+            <a:r>
+              <a:rPr lang="pt-BR" dirty="0"/>
+              <a:t>o algoritmo </a:t>
+            </a:r>
+            <a:r>
+              <a:rPr lang="pt-BR" dirty="0" smtClean="0"/>
+              <a:t>vai melhorando </a:t>
+            </a:r>
+            <a:r>
+              <a:rPr lang="pt-BR" dirty="0"/>
+              <a:t>o resultado a medida que mais tempo de cálculo é permitido pela </a:t>
+            </a:r>
+            <a:r>
+              <a:rPr lang="pt-BR" dirty="0" smtClean="0"/>
+              <a:t>aplicação, podendo </a:t>
+            </a:r>
+            <a:r>
+              <a:rPr lang="pt-BR" dirty="0"/>
+              <a:t>assim achar um resultado rápido e este pode acabar se tornando ótimo (</a:t>
+            </a:r>
+            <a:r>
+              <a:rPr lang="pt-BR" dirty="0" smtClean="0"/>
+              <a:t>quando</a:t>
+            </a:r>
+            <a:r>
+              <a:rPr lang="pt-BR" i="1" dirty="0" smtClean="0"/>
+              <a:t> </a:t>
+            </a:r>
+            <a:r>
+              <a:rPr lang="el-GR" i="1" dirty="0" smtClean="0"/>
+              <a:t>ε</a:t>
+            </a:r>
+            <a:r>
+              <a:rPr lang="pt-BR" i="1" dirty="0" smtClean="0"/>
+              <a:t> </a:t>
+            </a:r>
+            <a:r>
+              <a:rPr lang="pt-BR" dirty="0" smtClean="0"/>
+              <a:t>= </a:t>
+            </a:r>
+            <a:r>
+              <a:rPr lang="pt-BR" dirty="0"/>
+              <a:t>1).</a:t>
+            </a:r>
+            <a:endParaRPr lang="pt-BR" dirty="0"/>
+          </a:p>
+        </p:txBody>
+      </p:sp>
+      <p:sp>
+        <p:nvSpPr>
+          <p:cNvPr id="3" name="Título 2"/>
+          <p:cNvSpPr>
+            <a:spLocks noGrp="1"/>
+          </p:cNvSpPr>
+          <p:nvPr>
+            <p:ph type="title"/>
+          </p:nvPr>
+        </p:nvSpPr>
+        <p:spPr/>
+        <p:txBody>
+          <a:bodyPr/>
+          <a:lstStyle/>
+          <a:p>
+            <a:r>
+              <a:rPr lang="pt-BR" dirty="0" smtClean="0"/>
+              <a:t>Conclusões</a:t>
+            </a:r>
+            <a:endParaRPr lang="pt-BR" dirty="0"/>
+          </a:p>
+        </p:txBody>
+      </p:sp>
+    </p:spTree>
+    <p:extLst>
+      <p:ext uri="{BB962C8B-B14F-4D97-AF65-F5344CB8AC3E}">
+        <p14:creationId xmlns:p14="http://schemas.microsoft.com/office/powerpoint/2010/main" val="3733142767"/>
+      </p:ext>
+    </p:extLst>
+  </p:cSld>
+  <p:clrMapOvr>
+    <a:masterClrMapping/>
+  </p:clrMapOvr>
+  <p:timing>
+    <p:tnLst>
+      <p:par>
+        <p:cTn id="1" dur="indefinite" restart="never" nodeType="tmRoot"/>
+      </p:par>
+    </p:tnLst>
+  </p:timing>
+</p:sld>
+</file>
+
+<file path=ppt/slides/slide62.xml><?xml version="1.0" encoding="utf-8"?>
+<p:sld xmlns:a="http://schemas.openxmlformats.org/drawingml/2006/main" xmlns:r="http://schemas.openxmlformats.org/officeDocument/2006/relationships" xmlns:p="http://schemas.openxmlformats.org/presentationml/2006/main">
+  <p:cSld>
+    <p:spTree>
+      <p:nvGrpSpPr>
+        <p:cNvPr id="1" name=""/>
+        <p:cNvGrpSpPr/>
+        <p:nvPr/>
+      </p:nvGrpSpPr>
+      <p:grpSpPr>
+        <a:xfrm>
+          <a:off x="0" y="0"/>
+          <a:ext cx="0" cy="0"/>
+          <a:chOff x="0" y="0"/>
+          <a:chExt cx="0" cy="0"/>
+        </a:xfrm>
+      </p:grpSpPr>
+      <p:sp>
+        <p:nvSpPr>
+          <p:cNvPr id="2" name="Espaço Reservado para Conteúdo 1"/>
+          <p:cNvSpPr>
+            <a:spLocks noGrp="1"/>
+          </p:cNvSpPr>
+          <p:nvPr>
+            <p:ph idx="1"/>
+          </p:nvPr>
+        </p:nvSpPr>
+        <p:spPr/>
+        <p:txBody>
+          <a:bodyPr>
+            <a:normAutofit lnSpcReduction="10000"/>
+          </a:bodyPr>
+          <a:lstStyle/>
+          <a:p>
+            <a:r>
+              <a:rPr lang="pt-BR" dirty="0" smtClean="0"/>
+              <a:t>O uso do ARA* </a:t>
+            </a:r>
+            <a:r>
+              <a:rPr lang="pt-BR" dirty="0"/>
+              <a:t>se torna ideal para </a:t>
+            </a:r>
+            <a:r>
+              <a:rPr lang="pt-BR" dirty="0" smtClean="0"/>
+              <a:t>aplicações que </a:t>
+            </a:r>
+            <a:r>
+              <a:rPr lang="pt-BR" dirty="0"/>
+              <a:t>necessitam de respostas rápidas e não tem a obrigatoriedade de se ter o </a:t>
+            </a:r>
+            <a:r>
+              <a:rPr lang="pt-BR" dirty="0" smtClean="0"/>
+              <a:t>resultado ótimo.</a:t>
+            </a:r>
+          </a:p>
+          <a:p>
+            <a:endParaRPr lang="pt-BR" dirty="0" smtClean="0"/>
+          </a:p>
+          <a:p>
+            <a:r>
+              <a:rPr lang="pt-BR" dirty="0" smtClean="0"/>
+              <a:t>Mais </a:t>
+            </a:r>
+            <a:r>
+              <a:rPr lang="pt-BR" dirty="0"/>
+              <a:t>interessante ainda é </a:t>
+            </a:r>
+            <a:r>
+              <a:rPr lang="pt-BR" dirty="0" smtClean="0"/>
+              <a:t>que </a:t>
+            </a:r>
+            <a:r>
+              <a:rPr lang="pt-BR" dirty="0"/>
+              <a:t>o algoritmo </a:t>
+            </a:r>
+            <a:r>
+              <a:rPr lang="pt-BR" dirty="0" smtClean="0"/>
+              <a:t>vai melhorando </a:t>
+            </a:r>
+            <a:r>
+              <a:rPr lang="pt-BR" dirty="0"/>
+              <a:t>o resultado a medida que mais tempo de cálculo é permitido pela </a:t>
+            </a:r>
+            <a:r>
+              <a:rPr lang="pt-BR" dirty="0" smtClean="0"/>
+              <a:t>aplicação, podendo </a:t>
+            </a:r>
+            <a:r>
+              <a:rPr lang="pt-BR" dirty="0"/>
+              <a:t>assim achar um resultado rápido e este pode acabar se tornando ótimo (</a:t>
+            </a:r>
+            <a:r>
+              <a:rPr lang="pt-BR" dirty="0" smtClean="0"/>
+              <a:t>quando</a:t>
+            </a:r>
+            <a:r>
+              <a:rPr lang="pt-BR" i="1" dirty="0" smtClean="0"/>
+              <a:t> </a:t>
+            </a:r>
+            <a:r>
+              <a:rPr lang="el-GR" i="1" dirty="0" smtClean="0"/>
+              <a:t>ε</a:t>
+            </a:r>
+            <a:r>
+              <a:rPr lang="pt-BR" i="1" dirty="0" smtClean="0"/>
+              <a:t> </a:t>
+            </a:r>
+            <a:r>
+              <a:rPr lang="pt-BR" dirty="0" smtClean="0"/>
+              <a:t>= </a:t>
+            </a:r>
+            <a:r>
+              <a:rPr lang="pt-BR" dirty="0"/>
+              <a:t>1).</a:t>
+            </a:r>
+            <a:endParaRPr lang="pt-BR" dirty="0"/>
+          </a:p>
+        </p:txBody>
+      </p:sp>
+      <p:sp>
+        <p:nvSpPr>
+          <p:cNvPr id="3" name="Título 2"/>
+          <p:cNvSpPr>
+            <a:spLocks noGrp="1"/>
+          </p:cNvSpPr>
+          <p:nvPr>
+            <p:ph type="title"/>
+          </p:nvPr>
+        </p:nvSpPr>
+        <p:spPr/>
+        <p:txBody>
+          <a:bodyPr/>
+          <a:lstStyle/>
+          <a:p>
+            <a:r>
+              <a:rPr lang="pt-BR" dirty="0" smtClean="0"/>
+              <a:t>Conclusões</a:t>
+            </a:r>
+            <a:endParaRPr lang="pt-BR" dirty="0"/>
+          </a:p>
+        </p:txBody>
+      </p:sp>
+    </p:spTree>
+    <p:extLst>
+      <p:ext uri="{BB962C8B-B14F-4D97-AF65-F5344CB8AC3E}">
+        <p14:creationId xmlns:p14="http://schemas.microsoft.com/office/powerpoint/2010/main" val="1395435889"/>
+      </p:ext>
+    </p:extLst>
+  </p:cSld>
+  <p:clrMapOvr>
+    <a:masterClrMapping/>
+  </p:clrMapOvr>
+  <p:timing>
+    <p:tnLst>
+      <p:par>
+        <p:cTn id="1" dur="indefinite" restart="never" nodeType="tmRoot"/>
+      </p:par>
+    </p:tnLst>
+  </p:timing>
+</p:sld>
+</file>
+
+<file path=ppt/slides/slide63.xml><?xml version="1.0" encoding="utf-8"?>
+<p:sld xmlns:a="http://schemas.openxmlformats.org/drawingml/2006/main" xmlns:r="http://schemas.openxmlformats.org/officeDocument/2006/relationships" xmlns:p="http://schemas.openxmlformats.org/presentationml/2006/main">
+  <p:cSld>
+    <p:spTree>
+      <p:nvGrpSpPr>
+        <p:cNvPr id="1" name=""/>
+        <p:cNvGrpSpPr/>
+        <p:nvPr/>
+      </p:nvGrpSpPr>
+      <p:grpSpPr>
+        <a:xfrm>
+          <a:off x="0" y="0"/>
+          <a:ext cx="0" cy="0"/>
+          <a:chOff x="0" y="0"/>
+          <a:chExt cx="0" cy="0"/>
+        </a:xfrm>
+      </p:grpSpPr>
+      <p:sp>
+        <p:nvSpPr>
+          <p:cNvPr id="2" name="Espaço Reservado para Conteúdo 1"/>
+          <p:cNvSpPr>
+            <a:spLocks noGrp="1"/>
+          </p:cNvSpPr>
+          <p:nvPr>
+            <p:ph idx="1"/>
+          </p:nvPr>
+        </p:nvSpPr>
+        <p:spPr/>
+        <p:txBody>
+          <a:bodyPr>
+            <a:normAutofit fontScale="92500"/>
+          </a:bodyPr>
+          <a:lstStyle/>
+          <a:p>
+            <a:r>
+              <a:rPr lang="pt-BR" dirty="0"/>
+              <a:t>O algoritmo AD*, que na verdade é uma adaptação do ARA*, mostrou-se </a:t>
+            </a:r>
+            <a:r>
+              <a:rPr lang="pt-BR" dirty="0" smtClean="0"/>
+              <a:t>um excelente </a:t>
+            </a:r>
+            <a:r>
+              <a:rPr lang="pt-BR" dirty="0"/>
+              <a:t>algoritmo para grafos dinâmicos conseguindo superar em tempo </a:t>
+            </a:r>
+            <a:r>
+              <a:rPr lang="pt-BR" dirty="0" smtClean="0"/>
+              <a:t>computacional o </a:t>
+            </a:r>
+            <a:r>
+              <a:rPr lang="pt-BR" dirty="0"/>
+              <a:t>algoritmo A</a:t>
+            </a:r>
+            <a:r>
+              <a:rPr lang="pt-BR" dirty="0" smtClean="0"/>
+              <a:t>*;</a:t>
+            </a:r>
+          </a:p>
+          <a:p>
+            <a:endParaRPr lang="pt-BR" dirty="0"/>
+          </a:p>
+          <a:p>
+            <a:r>
+              <a:rPr lang="pt-BR" dirty="0"/>
+              <a:t>Mas o uso do AD* só deve mesmo ser usado para grafos dinâmicos já que </a:t>
+            </a:r>
+            <a:r>
+              <a:rPr lang="pt-BR" dirty="0" smtClean="0"/>
+              <a:t>sua implementação </a:t>
+            </a:r>
+            <a:r>
+              <a:rPr lang="pt-BR" dirty="0"/>
+              <a:t>é complexa e suscetível a erros de </a:t>
+            </a:r>
+            <a:r>
+              <a:rPr lang="pt-BR" dirty="0" smtClean="0"/>
+              <a:t>programação; </a:t>
+            </a:r>
+          </a:p>
+          <a:p>
+            <a:r>
+              <a:rPr lang="pt-BR" dirty="0" smtClean="0"/>
+              <a:t>Para grafos estáticos</a:t>
+            </a:r>
+            <a:r>
+              <a:rPr lang="pt-BR" dirty="0"/>
+              <a:t>, é mais recomendado o uso dos algoritmos Dijkstra e o A*.</a:t>
+            </a:r>
+            <a:endParaRPr lang="pt-BR" dirty="0"/>
+          </a:p>
+        </p:txBody>
+      </p:sp>
+      <p:sp>
+        <p:nvSpPr>
+          <p:cNvPr id="3" name="Título 2"/>
+          <p:cNvSpPr>
+            <a:spLocks noGrp="1"/>
+          </p:cNvSpPr>
+          <p:nvPr>
+            <p:ph type="title"/>
+          </p:nvPr>
+        </p:nvSpPr>
+        <p:spPr/>
+        <p:txBody>
+          <a:bodyPr/>
+          <a:lstStyle/>
+          <a:p>
+            <a:r>
+              <a:rPr lang="pt-BR" dirty="0" smtClean="0"/>
+              <a:t>Conclusões</a:t>
+            </a:r>
+            <a:endParaRPr lang="pt-BR" dirty="0"/>
+          </a:p>
+        </p:txBody>
+      </p:sp>
+    </p:spTree>
+    <p:extLst>
+      <p:ext uri="{BB962C8B-B14F-4D97-AF65-F5344CB8AC3E}">
+        <p14:creationId xmlns:p14="http://schemas.microsoft.com/office/powerpoint/2010/main" val="1395435889"/>
+      </p:ext>
+    </p:extLst>
+  </p:cSld>
+  <p:clrMapOvr>
+    <a:masterClrMapping/>
+  </p:clrMapOvr>
+  <p:timing>
+    <p:tnLst>
+      <p:par>
+        <p:cTn id="1" dur="indefinite" restart="never" nodeType="tmRoot"/>
+      </p:par>
+    </p:tnLst>
+  </p:timing>
+</p:sld>
+</file>
+
+<file path=ppt/slides/slide64.xml><?xml version="1.0" encoding="utf-8"?>
+<p:sld xmlns:a="http://schemas.openxmlformats.org/drawingml/2006/main" xmlns:r="http://schemas.openxmlformats.org/officeDocument/2006/relationships" xmlns:p="http://schemas.openxmlformats.org/presentationml/2006/main">
+  <p:cSld>
+    <p:spTree>
+      <p:nvGrpSpPr>
+        <p:cNvPr id="1" name=""/>
+        <p:cNvGrpSpPr/>
+        <p:nvPr/>
+      </p:nvGrpSpPr>
+      <p:grpSpPr>
+        <a:xfrm>
+          <a:off x="0" y="0"/>
+          <a:ext cx="0" cy="0"/>
+          <a:chOff x="0" y="0"/>
+          <a:chExt cx="0" cy="0"/>
+        </a:xfrm>
+      </p:grpSpPr>
+      <p:sp>
+        <p:nvSpPr>
+          <p:cNvPr id="4" name="Título 3"/>
+          <p:cNvSpPr>
+            <a:spLocks noGrp="1"/>
+          </p:cNvSpPr>
+          <p:nvPr>
+            <p:ph type="title"/>
+          </p:nvPr>
+        </p:nvSpPr>
+        <p:spPr/>
+        <p:txBody>
+          <a:bodyPr/>
+          <a:lstStyle/>
+          <a:p>
+            <a:r>
+              <a:rPr lang="pt-BR" dirty="0" smtClean="0"/>
+              <a:t>Considerações Finais</a:t>
+            </a:r>
+            <a:endParaRPr lang="pt-BR" dirty="0"/>
+          </a:p>
+        </p:txBody>
+      </p:sp>
+      <p:sp>
+        <p:nvSpPr>
+          <p:cNvPr id="5" name="Espaço Reservado para Texto 4"/>
+          <p:cNvSpPr>
+            <a:spLocks noGrp="1"/>
+          </p:cNvSpPr>
+          <p:nvPr>
+            <p:ph type="body" idx="1"/>
+          </p:nvPr>
+        </p:nvSpPr>
+        <p:spPr/>
+        <p:txBody>
+          <a:bodyPr/>
+          <a:lstStyle/>
+          <a:p>
+            <a:endParaRPr lang="pt-BR" dirty="0"/>
+          </a:p>
+        </p:txBody>
+      </p:sp>
+    </p:spTree>
+    <p:extLst>
+      <p:ext uri="{BB962C8B-B14F-4D97-AF65-F5344CB8AC3E}">
+        <p14:creationId xmlns:p14="http://schemas.microsoft.com/office/powerpoint/2010/main" val="622577564"/>
+      </p:ext>
+    </p:extLst>
+  </p:cSld>
+  <p:clrMapOvr>
+    <a:masterClrMapping/>
+  </p:clrMapOvr>
+  <p:timing>
+    <p:tnLst>
+      <p:par>
+        <p:cTn id="1" dur="indefinite" restart="never" nodeType="tmRoot"/>
+      </p:par>
+    </p:tnLst>
+  </p:timing>
+</p:sld>
+</file>
+
+<file path=ppt/slides/slide65.xml><?xml version="1.0" encoding="utf-8"?>
+<p:sld xmlns:a="http://schemas.openxmlformats.org/drawingml/2006/main" xmlns:r="http://schemas.openxmlformats.org/officeDocument/2006/relationships" xmlns:p="http://schemas.openxmlformats.org/presentationml/2006/main">
+  <p:cSld>
+    <p:spTree>
+      <p:nvGrpSpPr>
+        <p:cNvPr id="1" name=""/>
+        <p:cNvGrpSpPr/>
+        <p:nvPr/>
+      </p:nvGrpSpPr>
+      <p:grpSpPr>
+        <a:xfrm>
+          <a:off x="0" y="0"/>
+          <a:ext cx="0" cy="0"/>
+          <a:chOff x="0" y="0"/>
+          <a:chExt cx="0" cy="0"/>
+        </a:xfrm>
+      </p:grpSpPr>
+      <p:sp>
+        <p:nvSpPr>
+          <p:cNvPr id="2" name="Espaço Reservado para Conteúdo 1"/>
+          <p:cNvSpPr>
+            <a:spLocks noGrp="1"/>
+          </p:cNvSpPr>
+          <p:nvPr>
+            <p:ph idx="1"/>
+          </p:nvPr>
+        </p:nvSpPr>
+        <p:spPr/>
+        <p:txBody>
+          <a:bodyPr>
+            <a:normAutofit fontScale="77500" lnSpcReduction="20000"/>
+          </a:bodyPr>
+          <a:lstStyle/>
+          <a:p>
+            <a:r>
+              <a:rPr lang="pt-BR" dirty="0"/>
+              <a:t>Neste trabalho foram realizados estudos de algoritmos de caminho mínimo </a:t>
+            </a:r>
+            <a:r>
+              <a:rPr lang="pt-BR" dirty="0" smtClean="0"/>
+              <a:t>para grafos </a:t>
+            </a:r>
+            <a:r>
+              <a:rPr lang="pt-BR" dirty="0"/>
+              <a:t>estáticos e dinâmicos, abordando seus funcionamentos, suas estratégias e o </a:t>
+            </a:r>
+            <a:r>
+              <a:rPr lang="pt-BR" dirty="0" smtClean="0"/>
+              <a:t>impacto que </a:t>
+            </a:r>
+            <a:r>
+              <a:rPr lang="pt-BR" dirty="0"/>
+              <a:t>o uso de determinadas estruturas de dados </a:t>
+            </a:r>
+            <a:r>
+              <a:rPr lang="pt-BR" dirty="0" smtClean="0"/>
+              <a:t>ocasionam;</a:t>
+            </a:r>
+          </a:p>
+          <a:p>
+            <a:endParaRPr lang="pt-BR" dirty="0"/>
+          </a:p>
+          <a:p>
+            <a:r>
+              <a:rPr lang="pt-BR" dirty="0"/>
+              <a:t>Foram estudados os algoritmos de Dijkstra, busca A*, </a:t>
+            </a:r>
+            <a:r>
+              <a:rPr lang="pt-BR" dirty="0" smtClean="0"/>
+              <a:t>ARA* </a:t>
+            </a:r>
+            <a:r>
+              <a:rPr lang="pt-BR" dirty="0"/>
+              <a:t>e o </a:t>
+            </a:r>
+            <a:r>
+              <a:rPr lang="pt-BR" dirty="0" smtClean="0"/>
+              <a:t>AD*;</a:t>
+            </a:r>
+          </a:p>
+          <a:p>
+            <a:endParaRPr lang="pt-BR" dirty="0"/>
+          </a:p>
+          <a:p>
+            <a:r>
+              <a:rPr lang="pt-BR" dirty="0" smtClean="0"/>
+              <a:t>Os testes foram realizados sobre instâncias que </a:t>
+            </a:r>
+            <a:r>
+              <a:rPr lang="pt-BR" dirty="0"/>
+              <a:t>que representam malhas </a:t>
+            </a:r>
+            <a:r>
+              <a:rPr lang="pt-BR" dirty="0" smtClean="0"/>
+              <a:t>rodoviárias reais;</a:t>
+            </a:r>
+          </a:p>
+          <a:p>
+            <a:endParaRPr lang="pt-BR" dirty="0"/>
+          </a:p>
+          <a:p>
+            <a:r>
+              <a:rPr lang="pt-BR" dirty="0" smtClean="0"/>
+              <a:t>A ordem de grandeza do número de vértices e arestas dessas instâncias foram de 100.000 a 1.000.000;</a:t>
+            </a:r>
+            <a:endParaRPr lang="pt-BR" dirty="0"/>
+          </a:p>
+        </p:txBody>
+      </p:sp>
+      <p:sp>
+        <p:nvSpPr>
+          <p:cNvPr id="3" name="Título 2"/>
+          <p:cNvSpPr>
+            <a:spLocks noGrp="1"/>
+          </p:cNvSpPr>
+          <p:nvPr>
+            <p:ph type="title"/>
+          </p:nvPr>
+        </p:nvSpPr>
+        <p:spPr/>
+        <p:txBody>
+          <a:bodyPr/>
+          <a:lstStyle/>
+          <a:p>
+            <a:r>
+              <a:rPr lang="pt-BR" dirty="0" smtClean="0"/>
+              <a:t>Considerações finais</a:t>
+            </a:r>
+            <a:endParaRPr lang="pt-BR" dirty="0"/>
+          </a:p>
+        </p:txBody>
+      </p:sp>
+    </p:spTree>
+    <p:extLst>
+      <p:ext uri="{BB962C8B-B14F-4D97-AF65-F5344CB8AC3E}">
+        <p14:creationId xmlns:p14="http://schemas.microsoft.com/office/powerpoint/2010/main" val="3476882484"/>
+      </p:ext>
+    </p:extLst>
+  </p:cSld>
+  <p:clrMapOvr>
+    <a:masterClrMapping/>
+  </p:clrMapOvr>
+  <p:timing>
+    <p:tnLst>
+      <p:par>
+        <p:cTn id="1" dur="indefinite" restart="never" nodeType="tmRoot"/>
+      </p:par>
+    </p:tnLst>
+  </p:timing>
+</p:sld>
+</file>
+
+<file path=ppt/slides/slide66.xml><?xml version="1.0" encoding="utf-8"?>
+<p:sld xmlns:a="http://schemas.openxmlformats.org/drawingml/2006/main" xmlns:r="http://schemas.openxmlformats.org/officeDocument/2006/relationships" xmlns:p="http://schemas.openxmlformats.org/presentationml/2006/main">
+  <p:cSld>
+    <p:spTree>
+      <p:nvGrpSpPr>
+        <p:cNvPr id="1" name=""/>
+        <p:cNvGrpSpPr/>
+        <p:nvPr/>
+      </p:nvGrpSpPr>
+      <p:grpSpPr>
+        <a:xfrm>
+          <a:off x="0" y="0"/>
+          <a:ext cx="0" cy="0"/>
+          <a:chOff x="0" y="0"/>
+          <a:chExt cx="0" cy="0"/>
+        </a:xfrm>
+      </p:grpSpPr>
+      <p:sp>
+        <p:nvSpPr>
+          <p:cNvPr id="2" name="Espaço Reservado para Conteúdo 1"/>
+          <p:cNvSpPr>
+            <a:spLocks noGrp="1"/>
+          </p:cNvSpPr>
+          <p:nvPr>
+            <p:ph idx="1"/>
+          </p:nvPr>
+        </p:nvSpPr>
+        <p:spPr/>
+        <p:txBody>
+          <a:bodyPr>
+            <a:normAutofit lnSpcReduction="10000"/>
+          </a:bodyPr>
+          <a:lstStyle/>
+          <a:p>
+            <a:r>
+              <a:rPr lang="pt-BR" dirty="0" smtClean="0"/>
+              <a:t>Este trabalho constatou que:</a:t>
+            </a:r>
+          </a:p>
+          <a:p>
+            <a:pPr lvl="1"/>
+            <a:r>
+              <a:rPr lang="pt-BR" sz="2400" dirty="0" smtClean="0"/>
+              <a:t>A escolha </a:t>
+            </a:r>
+            <a:r>
+              <a:rPr lang="pt-BR" sz="2400" dirty="0"/>
+              <a:t>de uma determinada estrutura de </a:t>
+            </a:r>
+            <a:r>
+              <a:rPr lang="pt-BR" sz="2400" dirty="0" smtClean="0"/>
+              <a:t>dados impacta </a:t>
+            </a:r>
+            <a:r>
+              <a:rPr lang="pt-BR" sz="2400" dirty="0"/>
+              <a:t>fortemente no desempenho do </a:t>
+            </a:r>
+            <a:r>
+              <a:rPr lang="pt-BR" sz="2400" dirty="0" smtClean="0"/>
+              <a:t>algoritmo;</a:t>
+            </a:r>
+          </a:p>
+          <a:p>
+            <a:pPr lvl="1"/>
+            <a:r>
+              <a:rPr lang="pt-BR" sz="2400" dirty="0" smtClean="0"/>
+              <a:t>Nem sempre estruturas de dados que possuem tempo computacional melhor do que outras na teoria, se confirma na prática;</a:t>
+            </a:r>
+          </a:p>
+          <a:p>
+            <a:pPr lvl="1"/>
+            <a:r>
+              <a:rPr lang="pt-BR" sz="2400" dirty="0" smtClean="0"/>
+              <a:t>O </a:t>
+            </a:r>
+            <a:r>
+              <a:rPr lang="pt-BR" sz="2400" dirty="0"/>
+              <a:t>algoritmo A*, em geral, tem um desempenho melhor do </a:t>
+            </a:r>
+            <a:r>
+              <a:rPr lang="pt-BR" sz="2400" dirty="0" smtClean="0"/>
+              <a:t>que o </a:t>
+            </a:r>
+            <a:r>
+              <a:rPr lang="pt-BR" sz="2400" dirty="0"/>
+              <a:t>algoritmo de </a:t>
+            </a:r>
+            <a:r>
+              <a:rPr lang="pt-BR" sz="2400" dirty="0" smtClean="0"/>
+              <a:t>Dijkstra;</a:t>
+            </a:r>
+          </a:p>
+          <a:p>
+            <a:pPr lvl="1"/>
+            <a:r>
+              <a:rPr lang="pt-BR" sz="2400" dirty="0"/>
+              <a:t>O</a:t>
+            </a:r>
+            <a:r>
+              <a:rPr lang="pt-BR" sz="2400" dirty="0" smtClean="0"/>
+              <a:t> </a:t>
+            </a:r>
+            <a:r>
+              <a:rPr lang="pt-BR" sz="2400" dirty="0"/>
+              <a:t>uso de heurísticas não-admissíveis, apesar de se perder a </a:t>
+            </a:r>
+            <a:r>
+              <a:rPr lang="pt-BR" sz="2400" dirty="0" smtClean="0"/>
+              <a:t>garantia do </a:t>
+            </a:r>
+            <a:r>
+              <a:rPr lang="pt-BR" sz="2400" dirty="0"/>
+              <a:t>resultado ótimo, obtêm bons ganhos de </a:t>
+            </a:r>
+            <a:r>
+              <a:rPr lang="pt-BR" sz="2400" dirty="0" smtClean="0"/>
+              <a:t>tempos computacionais;</a:t>
+            </a:r>
+            <a:endParaRPr lang="pt-BR" dirty="0"/>
+          </a:p>
+        </p:txBody>
+      </p:sp>
+      <p:sp>
+        <p:nvSpPr>
+          <p:cNvPr id="3" name="Título 2"/>
+          <p:cNvSpPr>
+            <a:spLocks noGrp="1"/>
+          </p:cNvSpPr>
+          <p:nvPr>
+            <p:ph type="title"/>
+          </p:nvPr>
+        </p:nvSpPr>
+        <p:spPr/>
+        <p:txBody>
+          <a:bodyPr/>
+          <a:lstStyle/>
+          <a:p>
+            <a:r>
+              <a:rPr lang="pt-BR" dirty="0"/>
+              <a:t>Considerações finais</a:t>
+            </a:r>
+          </a:p>
+        </p:txBody>
+      </p:sp>
+    </p:spTree>
+    <p:extLst>
+      <p:ext uri="{BB962C8B-B14F-4D97-AF65-F5344CB8AC3E}">
+        <p14:creationId xmlns:p14="http://schemas.microsoft.com/office/powerpoint/2010/main" val="3476882484"/>
+      </p:ext>
+    </p:extLst>
+  </p:cSld>
+  <p:clrMapOvr>
+    <a:masterClrMapping/>
+  </p:clrMapOvr>
+  <p:timing>
+    <p:tnLst>
+      <p:par>
+        <p:cTn id="1" dur="indefinite" restart="never" nodeType="tmRoot"/>
+      </p:par>
+    </p:tnLst>
+  </p:timing>
+</p:sld>
+</file>
+
+<file path=ppt/slides/slide67.xml><?xml version="1.0" encoding="utf-8"?>
+<p:sld xmlns:a="http://schemas.openxmlformats.org/drawingml/2006/main" xmlns:r="http://schemas.openxmlformats.org/officeDocument/2006/relationships" xmlns:p="http://schemas.openxmlformats.org/presentationml/2006/main">
+  <p:cSld>
+    <p:spTree>
+      <p:nvGrpSpPr>
+        <p:cNvPr id="1" name=""/>
+        <p:cNvGrpSpPr/>
+        <p:nvPr/>
+      </p:nvGrpSpPr>
+      <p:grpSpPr>
+        <a:xfrm>
+          <a:off x="0" y="0"/>
+          <a:ext cx="0" cy="0"/>
+          <a:chOff x="0" y="0"/>
+          <a:chExt cx="0" cy="0"/>
+        </a:xfrm>
+      </p:grpSpPr>
+      <p:sp>
+        <p:nvSpPr>
+          <p:cNvPr id="2" name="Espaço Reservado para Conteúdo 1"/>
+          <p:cNvSpPr>
+            <a:spLocks noGrp="1"/>
+          </p:cNvSpPr>
+          <p:nvPr>
+            <p:ph idx="1"/>
+          </p:nvPr>
+        </p:nvSpPr>
+        <p:spPr/>
+        <p:txBody>
+          <a:bodyPr>
+            <a:normAutofit/>
+          </a:bodyPr>
+          <a:lstStyle/>
+          <a:p>
+            <a:pPr lvl="1"/>
+            <a:r>
+              <a:rPr lang="pt-BR" sz="2400" dirty="0"/>
+              <a:t>Para os </a:t>
+            </a:r>
+            <a:r>
+              <a:rPr lang="pt-BR" sz="2400" dirty="0" smtClean="0"/>
+              <a:t>algoritmos dinâmicos</a:t>
+            </a:r>
+            <a:r>
+              <a:rPr lang="pt-BR" sz="2400" dirty="0"/>
+              <a:t>, constatou-se que o algoritmo AD* se adéqua muito bem a esse tipo de </a:t>
+            </a:r>
+            <a:r>
+              <a:rPr lang="pt-BR" sz="2400" dirty="0" smtClean="0"/>
+              <a:t>grafo;</a:t>
+            </a:r>
+          </a:p>
+          <a:p>
+            <a:pPr lvl="1"/>
+            <a:r>
+              <a:rPr lang="pt-BR" sz="2400" dirty="0"/>
+              <a:t>Já </a:t>
+            </a:r>
+            <a:r>
+              <a:rPr lang="pt-BR" sz="2400" dirty="0" smtClean="0"/>
+              <a:t>o algoritmo </a:t>
+            </a:r>
+            <a:r>
+              <a:rPr lang="pt-BR" sz="2400" dirty="0"/>
+              <a:t>ARA* se mostra muito eficiente para o cálculo rápido de </a:t>
+            </a:r>
+            <a:r>
+              <a:rPr lang="pt-BR" sz="2400" dirty="0" smtClean="0"/>
+              <a:t>soluções não </a:t>
+            </a:r>
+            <a:r>
+              <a:rPr lang="pt-BR" sz="2400" dirty="0" err="1" smtClean="0"/>
+              <a:t>garantidamente</a:t>
+            </a:r>
+            <a:r>
+              <a:rPr lang="pt-BR" sz="2400" dirty="0" smtClean="0"/>
+              <a:t> ótimas, mas que podem ser melhoradas conforme o tempo disponível;</a:t>
+            </a:r>
+            <a:endParaRPr lang="pt-BR" dirty="0"/>
+          </a:p>
+        </p:txBody>
+      </p:sp>
+      <p:sp>
+        <p:nvSpPr>
+          <p:cNvPr id="3" name="Título 2"/>
+          <p:cNvSpPr>
+            <a:spLocks noGrp="1"/>
+          </p:cNvSpPr>
+          <p:nvPr>
+            <p:ph type="title"/>
+          </p:nvPr>
+        </p:nvSpPr>
+        <p:spPr/>
+        <p:txBody>
+          <a:bodyPr/>
+          <a:lstStyle/>
+          <a:p>
+            <a:r>
+              <a:rPr lang="pt-BR" dirty="0"/>
+              <a:t>Considerações finais</a:t>
+            </a:r>
+          </a:p>
+        </p:txBody>
+      </p:sp>
+    </p:spTree>
+    <p:extLst>
+      <p:ext uri="{BB962C8B-B14F-4D97-AF65-F5344CB8AC3E}">
+        <p14:creationId xmlns:p14="http://schemas.microsoft.com/office/powerpoint/2010/main" val="223238512"/>
+      </p:ext>
+    </p:extLst>
+  </p:cSld>
+  <p:clrMapOvr>
+    <a:masterClrMapping/>
+  </p:clrMapOvr>
+  <p:timing>
+    <p:tnLst>
+      <p:par>
+        <p:cTn id="1" dur="indefinite" restart="never" nodeType="tmRoot"/>
+      </p:par>
+    </p:tnLst>
+  </p:timing>
+</p:sld>
+</file>
+
+<file path=ppt/slides/slide68.xml><?xml version="1.0" encoding="utf-8"?>
+<p:sld xmlns:a="http://schemas.openxmlformats.org/drawingml/2006/main" xmlns:r="http://schemas.openxmlformats.org/officeDocument/2006/relationships" xmlns:p="http://schemas.openxmlformats.org/presentationml/2006/main">
+  <p:cSld>
+    <p:spTree>
+      <p:nvGrpSpPr>
+        <p:cNvPr id="1" name=""/>
+        <p:cNvGrpSpPr/>
+        <p:nvPr/>
+      </p:nvGrpSpPr>
+      <p:grpSpPr>
+        <a:xfrm>
+          <a:off x="0" y="0"/>
+          <a:ext cx="0" cy="0"/>
+          <a:chOff x="0" y="0"/>
+          <a:chExt cx="0" cy="0"/>
+        </a:xfrm>
+      </p:grpSpPr>
+      <p:sp>
+        <p:nvSpPr>
+          <p:cNvPr id="2" name="Espaço Reservado para Conteúdo 1"/>
+          <p:cNvSpPr>
+            <a:spLocks noGrp="1"/>
+          </p:cNvSpPr>
+          <p:nvPr>
+            <p:ph idx="1"/>
+          </p:nvPr>
+        </p:nvSpPr>
+        <p:spPr/>
+        <p:txBody>
+          <a:bodyPr>
+            <a:normAutofit fontScale="47500" lnSpcReduction="20000"/>
+          </a:bodyPr>
+          <a:lstStyle/>
+          <a:p>
+            <a:r>
+              <a:rPr lang="en-US" dirty="0"/>
+              <a:t>CORMEN, T. H. </a:t>
+            </a:r>
+            <a:r>
+              <a:rPr lang="en-US" i="1" dirty="0"/>
+              <a:t>Introduction to algorithms</a:t>
+            </a:r>
+            <a:r>
+              <a:rPr lang="en-US" dirty="0"/>
+              <a:t>. [</a:t>
+            </a:r>
+            <a:r>
+              <a:rPr lang="en-US" dirty="0" err="1"/>
+              <a:t>S.l.</a:t>
+            </a:r>
+            <a:r>
+              <a:rPr lang="en-US" dirty="0"/>
+              <a:t>]: MIT press, </a:t>
+            </a:r>
+            <a:r>
+              <a:rPr lang="en-US" dirty="0" smtClean="0"/>
+              <a:t>2009.</a:t>
+            </a:r>
+            <a:endParaRPr lang="pt-BR" dirty="0"/>
+          </a:p>
+          <a:p>
+            <a:r>
+              <a:rPr lang="en-US" dirty="0"/>
+              <a:t>DIJKSTRA, E. W. A note on two problems in </a:t>
+            </a:r>
+            <a:r>
+              <a:rPr lang="en-US" dirty="0" err="1"/>
+              <a:t>connexion</a:t>
+            </a:r>
+            <a:r>
+              <a:rPr lang="en-US" dirty="0"/>
+              <a:t> with graphs. </a:t>
+            </a:r>
+            <a:r>
+              <a:rPr lang="en-US" i="1" dirty="0" err="1" smtClean="0"/>
+              <a:t>Numerische</a:t>
+            </a:r>
+            <a:r>
+              <a:rPr lang="en-US" i="1" dirty="0" smtClean="0"/>
+              <a:t> </a:t>
+            </a:r>
+            <a:r>
+              <a:rPr lang="pt-BR" i="1" dirty="0" err="1" smtClean="0"/>
+              <a:t>mathematik</a:t>
+            </a:r>
+            <a:r>
+              <a:rPr lang="pt-BR" dirty="0"/>
+              <a:t>, Springer, v. 1, n. 1, p. 269–271, </a:t>
+            </a:r>
+            <a:r>
+              <a:rPr lang="pt-BR" dirty="0" smtClean="0"/>
+              <a:t>1959.</a:t>
+            </a:r>
+            <a:endParaRPr lang="pt-BR" dirty="0"/>
+          </a:p>
+          <a:p>
+            <a:r>
+              <a:rPr lang="en-US" dirty="0"/>
+              <a:t>DROZDEK, A. </a:t>
+            </a:r>
+            <a:r>
+              <a:rPr lang="en-US" i="1" dirty="0"/>
+              <a:t>Data Structures and algorithms in C++</a:t>
+            </a:r>
+            <a:r>
+              <a:rPr lang="en-US" dirty="0"/>
+              <a:t>. [</a:t>
+            </a:r>
+            <a:r>
+              <a:rPr lang="en-US" dirty="0" err="1"/>
+              <a:t>S.l.</a:t>
+            </a:r>
+            <a:r>
+              <a:rPr lang="en-US" dirty="0"/>
+              <a:t>]: Cengage Learning, 2012.</a:t>
+            </a:r>
+          </a:p>
+          <a:p>
+            <a:r>
+              <a:rPr lang="en-US" dirty="0" smtClean="0"/>
+              <a:t>HART</a:t>
+            </a:r>
+            <a:r>
+              <a:rPr lang="en-US" dirty="0"/>
+              <a:t>, P. E.; NILSSON, N. J.; RAPHAEL, B. A formal basis for the </a:t>
+            </a:r>
+            <a:r>
+              <a:rPr lang="en-US" dirty="0" smtClean="0"/>
+              <a:t>heuristic determination </a:t>
+            </a:r>
+            <a:r>
+              <a:rPr lang="en-US" dirty="0"/>
+              <a:t>of minimum cost paths. </a:t>
+            </a:r>
+            <a:r>
+              <a:rPr lang="en-US" i="1" dirty="0"/>
+              <a:t>IEEE transactions on Systems Science </a:t>
+            </a:r>
+            <a:r>
+              <a:rPr lang="en-US" i="1" dirty="0" smtClean="0"/>
+              <a:t>and </a:t>
+            </a:r>
+            <a:r>
+              <a:rPr lang="pt-BR" i="1" dirty="0" err="1" smtClean="0"/>
+              <a:t>Cybernetics</a:t>
+            </a:r>
+            <a:r>
+              <a:rPr lang="pt-BR" dirty="0"/>
+              <a:t>, IEEE, v. 4, n. 2, p. 100–107, 1968</a:t>
+            </a:r>
+            <a:r>
+              <a:rPr lang="pt-BR" dirty="0" smtClean="0"/>
+              <a:t>.</a:t>
+            </a:r>
+            <a:endParaRPr lang="pt-BR" dirty="0"/>
+          </a:p>
+          <a:p>
+            <a:r>
+              <a:rPr lang="pt-BR" dirty="0"/>
+              <a:t>KOENIG, S.; LIKHACHEV, M. D* lite. </a:t>
+            </a:r>
+            <a:r>
+              <a:rPr lang="pt-BR" i="1" dirty="0"/>
+              <a:t>AAAI/IAAI</a:t>
+            </a:r>
+            <a:r>
+              <a:rPr lang="pt-BR" dirty="0"/>
+              <a:t>, v. 15, </a:t>
+            </a:r>
+            <a:r>
+              <a:rPr lang="pt-BR" dirty="0" smtClean="0"/>
+              <a:t>2002.</a:t>
+            </a:r>
+            <a:endParaRPr lang="pt-BR" dirty="0"/>
+          </a:p>
+          <a:p>
+            <a:r>
+              <a:rPr lang="en-US" dirty="0"/>
+              <a:t>LARKIN, D. H.; SEN, S.; TARJAN, R. E. A back-to-basics empirical study of </a:t>
+            </a:r>
+            <a:r>
+              <a:rPr lang="en-US" dirty="0" smtClean="0"/>
+              <a:t>priority queues</a:t>
+            </a:r>
+            <a:r>
+              <a:rPr lang="en-US" dirty="0"/>
+              <a:t>. In: SIAM. </a:t>
+            </a:r>
+            <a:r>
+              <a:rPr lang="en-US" i="1" dirty="0"/>
+              <a:t>2014 Proceedings of the Sixteenth Workshop on Algorithm </a:t>
+            </a:r>
+            <a:r>
+              <a:rPr lang="en-US" i="1" dirty="0" smtClean="0"/>
+              <a:t>Engineering </a:t>
+            </a:r>
+            <a:r>
+              <a:rPr lang="pt-BR" i="1" dirty="0" err="1" smtClean="0"/>
+              <a:t>and</a:t>
+            </a:r>
+            <a:r>
+              <a:rPr lang="pt-BR" i="1" dirty="0" smtClean="0"/>
+              <a:t> </a:t>
+            </a:r>
+            <a:r>
+              <a:rPr lang="pt-BR" i="1" dirty="0" err="1"/>
+              <a:t>Experiments</a:t>
+            </a:r>
+            <a:r>
+              <a:rPr lang="pt-BR" i="1" dirty="0"/>
+              <a:t> (ALENEX)</a:t>
+            </a:r>
+            <a:r>
+              <a:rPr lang="pt-BR" dirty="0"/>
+              <a:t>. [</a:t>
+            </a:r>
+            <a:r>
+              <a:rPr lang="pt-BR" dirty="0" err="1"/>
+              <a:t>S.l</a:t>
+            </a:r>
+            <a:r>
+              <a:rPr lang="pt-BR" dirty="0"/>
+              <a:t>.], 2014. p. </a:t>
+            </a:r>
+            <a:r>
+              <a:rPr lang="pt-BR" dirty="0" smtClean="0"/>
+              <a:t>61–72.</a:t>
+            </a:r>
+            <a:endParaRPr lang="pt-BR" dirty="0"/>
+          </a:p>
+          <a:p>
+            <a:r>
+              <a:rPr lang="en-US" dirty="0"/>
+              <a:t>LIKHACHEV, M. et al. Anytime search in dynamic graphs. </a:t>
+            </a:r>
+            <a:r>
+              <a:rPr lang="en-US" i="1" dirty="0"/>
+              <a:t>Artificial </a:t>
+            </a:r>
+            <a:r>
+              <a:rPr lang="en-US" i="1" dirty="0" smtClean="0"/>
+              <a:t>Intelligence</a:t>
+            </a:r>
+            <a:r>
+              <a:rPr lang="en-US" dirty="0" smtClean="0"/>
+              <a:t>, </a:t>
+            </a:r>
+            <a:r>
+              <a:rPr lang="pt-BR" dirty="0" err="1" smtClean="0"/>
+              <a:t>Elsevier</a:t>
+            </a:r>
+            <a:r>
+              <a:rPr lang="pt-BR" dirty="0"/>
+              <a:t>, v. 172, n. 14, p. 1613–1643, </a:t>
+            </a:r>
+            <a:r>
+              <a:rPr lang="pt-BR" dirty="0" smtClean="0"/>
+              <a:t>2008.</a:t>
+            </a:r>
+            <a:endParaRPr lang="pt-BR" dirty="0"/>
+          </a:p>
+          <a:p>
+            <a:r>
+              <a:rPr lang="pt-BR" dirty="0"/>
+              <a:t>MOURA, L.; RITT, M.; BURIOL, L. S. Estudo experimental de algoritmos em </a:t>
+            </a:r>
+            <a:r>
+              <a:rPr lang="pt-BR" dirty="0" smtClean="0"/>
+              <a:t>tempo real </a:t>
+            </a:r>
+            <a:r>
+              <a:rPr lang="pt-BR" dirty="0"/>
+              <a:t>de caminho </a:t>
+            </a:r>
+            <a:r>
+              <a:rPr lang="pt-BR" dirty="0" err="1"/>
+              <a:t>mınimo</a:t>
+            </a:r>
+            <a:r>
+              <a:rPr lang="pt-BR" dirty="0"/>
+              <a:t> ponto a ponto em grafos dinâmicos. </a:t>
+            </a:r>
+            <a:r>
+              <a:rPr lang="pt-BR" i="1" dirty="0"/>
+              <a:t>Anais do XLII </a:t>
+            </a:r>
+            <a:r>
+              <a:rPr lang="pt-BR" i="1" dirty="0" smtClean="0"/>
+              <a:t>Simpósio Brasileiro </a:t>
+            </a:r>
+            <a:r>
+              <a:rPr lang="pt-BR" i="1" dirty="0"/>
+              <a:t>de Pesquisa Operacional, ser. SBPO</a:t>
+            </a:r>
+            <a:r>
+              <a:rPr lang="pt-BR" dirty="0"/>
+              <a:t>, 2010. Citado 5 vezes nas páginas 8, 9, </a:t>
+            </a:r>
+            <a:r>
+              <a:rPr lang="pt-BR" dirty="0" smtClean="0"/>
+              <a:t>23</a:t>
+            </a:r>
+          </a:p>
+          <a:p>
+            <a:r>
+              <a:rPr lang="pt-BR" dirty="0"/>
+              <a:t>RUSSELL, S. J.; NORVIG, P. </a:t>
+            </a:r>
+            <a:r>
+              <a:rPr lang="pt-BR" i="1" dirty="0"/>
+              <a:t>Artificial </a:t>
+            </a:r>
+            <a:r>
+              <a:rPr lang="pt-BR" i="1" dirty="0" err="1"/>
+              <a:t>Intelligence</a:t>
+            </a:r>
+            <a:r>
+              <a:rPr lang="pt-BR" i="1" dirty="0"/>
+              <a:t>: A </a:t>
+            </a:r>
+            <a:r>
+              <a:rPr lang="pt-BR" i="1" dirty="0" err="1"/>
+              <a:t>Modern</a:t>
+            </a:r>
+            <a:r>
+              <a:rPr lang="pt-BR" i="1" dirty="0"/>
+              <a:t> Approach</a:t>
+            </a:r>
+            <a:r>
+              <a:rPr lang="pt-BR" dirty="0"/>
+              <a:t>. [</a:t>
+            </a:r>
+            <a:r>
+              <a:rPr lang="pt-BR" dirty="0" err="1"/>
+              <a:t>S.l</a:t>
+            </a:r>
+            <a:r>
+              <a:rPr lang="pt-BR" dirty="0" smtClean="0"/>
+              <a:t>.]:Prentice-Hall</a:t>
+            </a:r>
+            <a:r>
+              <a:rPr lang="pt-BR" dirty="0"/>
+              <a:t>, </a:t>
+            </a:r>
+            <a:r>
+              <a:rPr lang="pt-BR" dirty="0" smtClean="0"/>
+              <a:t>1995.</a:t>
+            </a:r>
+            <a:endParaRPr lang="pt-BR" dirty="0"/>
+          </a:p>
+          <a:p>
+            <a:r>
+              <a:rPr lang="en-US" dirty="0"/>
+              <a:t>STENTZ, A. Optimal and efficient path planning for partially-known environments. </a:t>
+            </a:r>
+            <a:r>
+              <a:rPr lang="en-US" dirty="0" smtClean="0"/>
+              <a:t>In: IEEE</a:t>
+            </a:r>
+            <a:r>
+              <a:rPr lang="en-US" dirty="0"/>
+              <a:t>. </a:t>
+            </a:r>
+            <a:r>
+              <a:rPr lang="en-US" i="1" dirty="0"/>
+              <a:t>Robotics and Automation, 1994. Proceedings., 1994 IEEE International </a:t>
+            </a:r>
+            <a:r>
+              <a:rPr lang="en-US" i="1" dirty="0" smtClean="0"/>
+              <a:t>Conference </a:t>
+            </a:r>
+            <a:r>
+              <a:rPr lang="pt-BR" i="1" dirty="0" err="1" smtClean="0"/>
+              <a:t>on</a:t>
+            </a:r>
+            <a:r>
+              <a:rPr lang="pt-BR" dirty="0"/>
+              <a:t>. [</a:t>
+            </a:r>
+            <a:r>
+              <a:rPr lang="pt-BR" dirty="0" err="1"/>
+              <a:t>S.l</a:t>
+            </a:r>
+            <a:r>
+              <a:rPr lang="pt-BR" dirty="0"/>
+              <a:t>.], 1994. p. 3310–3317</a:t>
+            </a:r>
+            <a:r>
+              <a:rPr lang="pt-BR" dirty="0" smtClean="0"/>
+              <a:t>.</a:t>
+            </a:r>
+            <a:endParaRPr lang="pt-BR" dirty="0"/>
+          </a:p>
+          <a:p>
+            <a:r>
+              <a:rPr lang="pt-BR" dirty="0"/>
+              <a:t>ZIVIANI, N. et al. </a:t>
+            </a:r>
+            <a:r>
+              <a:rPr lang="pt-BR" i="1" dirty="0"/>
+              <a:t>Projeto de algoritmos: com implementações em Pascal e C</a:t>
+            </a:r>
+            <a:r>
+              <a:rPr lang="pt-BR" dirty="0"/>
+              <a:t>. [</a:t>
+            </a:r>
+            <a:r>
+              <a:rPr lang="pt-BR" dirty="0" err="1"/>
+              <a:t>S.l</a:t>
+            </a:r>
+            <a:r>
+              <a:rPr lang="pt-BR" dirty="0" smtClean="0"/>
+              <a:t>.]: Thomson</a:t>
+            </a:r>
+            <a:r>
+              <a:rPr lang="pt-BR" dirty="0"/>
+              <a:t>, 2004. v. 2</a:t>
+            </a:r>
+            <a:r>
+              <a:rPr lang="pt-BR" dirty="0" smtClean="0"/>
+              <a:t>.</a:t>
+            </a:r>
+            <a:endParaRPr lang="pt-BR" dirty="0"/>
+          </a:p>
+        </p:txBody>
+      </p:sp>
+      <p:sp>
+        <p:nvSpPr>
+          <p:cNvPr id="3" name="Título 2"/>
+          <p:cNvSpPr>
+            <a:spLocks noGrp="1"/>
+          </p:cNvSpPr>
+          <p:nvPr>
+            <p:ph type="title"/>
+          </p:nvPr>
+        </p:nvSpPr>
+        <p:spPr/>
+        <p:txBody>
+          <a:bodyPr/>
+          <a:lstStyle/>
+          <a:p>
+            <a:r>
+              <a:rPr lang="pt-BR" dirty="0" smtClean="0"/>
+              <a:t>Referências</a:t>
+            </a:r>
+            <a:endParaRPr lang="pt-BR" dirty="0"/>
+          </a:p>
+        </p:txBody>
+      </p:sp>
+    </p:spTree>
+    <p:extLst>
+      <p:ext uri="{BB962C8B-B14F-4D97-AF65-F5344CB8AC3E}">
+        <p14:creationId xmlns:p14="http://schemas.microsoft.com/office/powerpoint/2010/main" val="2239712485"/>
       </p:ext>
     </p:extLst>
   </p:cSld>
